--- a/alilni_plan.ppt.pptx
+++ b/alilni_plan.ppt.pptx
@@ -4,6 +4,9 @@
   <p:sldMasterIdLst>
     <p:sldMasterId id="2147483660" r:id="rId1"/>
   </p:sldMasterIdLst>
+  <p:notesMasterIdLst>
+    <p:notesMasterId r:id="rId10"/>
+  </p:notesMasterIdLst>
   <p:sldIdLst>
     <p:sldId id="256" r:id="rId2"/>
     <p:sldId id="259" r:id="rId3"/>
@@ -111,7 +114,530 @@
       </a:defRPr>
     </a:lvl9pPr>
   </p:defaultTextStyle>
+  <p:extLst>
+    <p:ext uri="{EFAFB233-063F-42B5-8137-9DF3F51BA10A}">
+      <p15:sldGuideLst xmlns:p15="http://schemas.microsoft.com/office/powerpoint/2012/main"/>
+    </p:ext>
+  </p:extLst>
 </p:presentation>
+</file>
+
+<file path=ppt/notesMasters/notesMaster1.xml><?xml version="1.0" encoding="utf-8"?>
+<p:notesMaster xmlns:a="http://schemas.openxmlformats.org/drawingml/2006/main" xmlns:r="http://schemas.openxmlformats.org/officeDocument/2006/relationships" xmlns:p="http://schemas.openxmlformats.org/presentationml/2006/main">
+  <p:cSld>
+    <p:bg>
+      <p:bgRef idx="1001">
+        <a:schemeClr val="bg1"/>
+      </p:bgRef>
+    </p:bg>
+    <p:spTree>
+      <p:nvGrpSpPr>
+        <p:cNvPr id="1" name=""/>
+        <p:cNvGrpSpPr/>
+        <p:nvPr/>
+      </p:nvGrpSpPr>
+      <p:grpSpPr>
+        <a:xfrm>
+          <a:off x="0" y="0"/>
+          <a:ext cx="0" cy="0"/>
+          <a:chOff x="0" y="0"/>
+          <a:chExt cx="0" cy="0"/>
+        </a:xfrm>
+      </p:grpSpPr>
+      <p:sp>
+        <p:nvSpPr>
+          <p:cNvPr id="2" name="Header Placeholder 1"/>
+          <p:cNvSpPr>
+            <a:spLocks noGrp="1"/>
+          </p:cNvSpPr>
+          <p:nvPr>
+            <p:ph type="hdr" sz="quarter"/>
+          </p:nvPr>
+        </p:nvSpPr>
+        <p:spPr>
+          <a:xfrm>
+            <a:off x="0" y="0"/>
+            <a:ext cx="2971800" cy="458788"/>
+          </a:xfrm>
+          <a:prstGeom prst="rect">
+            <a:avLst/>
+          </a:prstGeom>
+        </p:spPr>
+        <p:txBody>
+          <a:bodyPr vert="horz" lIns="91440" tIns="45720" rIns="91440" bIns="45720" rtlCol="0"/>
+          <a:lstStyle>
+            <a:lvl1pPr algn="l">
+              <a:defRPr sz="1200"/>
+            </a:lvl1pPr>
+          </a:lstStyle>
+          <a:p>
+            <a:endParaRPr lang="en-US"/>
+          </a:p>
+        </p:txBody>
+      </p:sp>
+      <p:sp>
+        <p:nvSpPr>
+          <p:cNvPr id="3" name="Date Placeholder 2"/>
+          <p:cNvSpPr>
+            <a:spLocks noGrp="1"/>
+          </p:cNvSpPr>
+          <p:nvPr>
+            <p:ph type="dt" idx="1"/>
+          </p:nvPr>
+        </p:nvSpPr>
+        <p:spPr>
+          <a:xfrm>
+            <a:off x="3884613" y="0"/>
+            <a:ext cx="2971800" cy="458788"/>
+          </a:xfrm>
+          <a:prstGeom prst="rect">
+            <a:avLst/>
+          </a:prstGeom>
+        </p:spPr>
+        <p:txBody>
+          <a:bodyPr vert="horz" lIns="91440" tIns="45720" rIns="91440" bIns="45720" rtlCol="0"/>
+          <a:lstStyle>
+            <a:lvl1pPr algn="r">
+              <a:defRPr sz="1200"/>
+            </a:lvl1pPr>
+          </a:lstStyle>
+          <a:p>
+            <a:fld id="{2C25F384-62BF-47C8-B374-3D3B3A326DE5}" type="datetimeFigureOut">
+              <a:rPr lang="en-US" smtClean="0"/>
+              <a:t>12/10/2017</a:t>
+            </a:fld>
+            <a:endParaRPr lang="en-US"/>
+          </a:p>
+        </p:txBody>
+      </p:sp>
+      <p:sp>
+        <p:nvSpPr>
+          <p:cNvPr id="4" name="Slide Image Placeholder 3"/>
+          <p:cNvSpPr>
+            <a:spLocks noGrp="1" noRot="1" noChangeAspect="1"/>
+          </p:cNvSpPr>
+          <p:nvPr>
+            <p:ph type="sldImg" idx="2"/>
+          </p:nvPr>
+        </p:nvSpPr>
+        <p:spPr>
+          <a:xfrm>
+            <a:off x="685800" y="1143000"/>
+            <a:ext cx="5486400" cy="3086100"/>
+          </a:xfrm>
+          <a:prstGeom prst="rect">
+            <a:avLst/>
+          </a:prstGeom>
+          <a:noFill/>
+          <a:ln w="12700">
+            <a:solidFill>
+              <a:prstClr val="black"/>
+            </a:solidFill>
+          </a:ln>
+        </p:spPr>
+        <p:txBody>
+          <a:bodyPr vert="horz" lIns="91440" tIns="45720" rIns="91440" bIns="45720" rtlCol="0" anchor="ctr"/>
+          <a:lstStyle/>
+          <a:p>
+            <a:endParaRPr lang="en-US"/>
+          </a:p>
+        </p:txBody>
+      </p:sp>
+      <p:sp>
+        <p:nvSpPr>
+          <p:cNvPr id="5" name="Notes Placeholder 4"/>
+          <p:cNvSpPr>
+            <a:spLocks noGrp="1"/>
+          </p:cNvSpPr>
+          <p:nvPr>
+            <p:ph type="body" sz="quarter" idx="3"/>
+          </p:nvPr>
+        </p:nvSpPr>
+        <p:spPr>
+          <a:xfrm>
+            <a:off x="685800" y="4400550"/>
+            <a:ext cx="5486400" cy="3600450"/>
+          </a:xfrm>
+          <a:prstGeom prst="rect">
+            <a:avLst/>
+          </a:prstGeom>
+        </p:spPr>
+        <p:txBody>
+          <a:bodyPr vert="horz" lIns="91440" tIns="45720" rIns="91440" bIns="45720" rtlCol="0"/>
+          <a:lstStyle/>
+          <a:p>
+            <a:pPr lvl="0"/>
+            <a:r>
+              <a:rPr lang="en-US" smtClean="0"/>
+              <a:t>Click to edit Master text styles</a:t>
+            </a:r>
+          </a:p>
+          <a:p>
+            <a:pPr lvl="1"/>
+            <a:r>
+              <a:rPr lang="en-US" smtClean="0"/>
+              <a:t>Second level</a:t>
+            </a:r>
+          </a:p>
+          <a:p>
+            <a:pPr lvl="2"/>
+            <a:r>
+              <a:rPr lang="en-US" smtClean="0"/>
+              <a:t>Third level</a:t>
+            </a:r>
+          </a:p>
+          <a:p>
+            <a:pPr lvl="3"/>
+            <a:r>
+              <a:rPr lang="en-US" smtClean="0"/>
+              <a:t>Fourth level</a:t>
+            </a:r>
+          </a:p>
+          <a:p>
+            <a:pPr lvl="4"/>
+            <a:r>
+              <a:rPr lang="en-US" smtClean="0"/>
+              <a:t>Fifth level</a:t>
+            </a:r>
+            <a:endParaRPr lang="en-US"/>
+          </a:p>
+        </p:txBody>
+      </p:sp>
+      <p:sp>
+        <p:nvSpPr>
+          <p:cNvPr id="6" name="Footer Placeholder 5"/>
+          <p:cNvSpPr>
+            <a:spLocks noGrp="1"/>
+          </p:cNvSpPr>
+          <p:nvPr>
+            <p:ph type="ftr" sz="quarter" idx="4"/>
+          </p:nvPr>
+        </p:nvSpPr>
+        <p:spPr>
+          <a:xfrm>
+            <a:off x="0" y="8685213"/>
+            <a:ext cx="2971800" cy="458787"/>
+          </a:xfrm>
+          <a:prstGeom prst="rect">
+            <a:avLst/>
+          </a:prstGeom>
+        </p:spPr>
+        <p:txBody>
+          <a:bodyPr vert="horz" lIns="91440" tIns="45720" rIns="91440" bIns="45720" rtlCol="0" anchor="b"/>
+          <a:lstStyle>
+            <a:lvl1pPr algn="l">
+              <a:defRPr sz="1200"/>
+            </a:lvl1pPr>
+          </a:lstStyle>
+          <a:p>
+            <a:endParaRPr lang="en-US"/>
+          </a:p>
+        </p:txBody>
+      </p:sp>
+      <p:sp>
+        <p:nvSpPr>
+          <p:cNvPr id="7" name="Slide Number Placeholder 6"/>
+          <p:cNvSpPr>
+            <a:spLocks noGrp="1"/>
+          </p:cNvSpPr>
+          <p:nvPr>
+            <p:ph type="sldNum" sz="quarter" idx="5"/>
+          </p:nvPr>
+        </p:nvSpPr>
+        <p:spPr>
+          <a:xfrm>
+            <a:off x="3884613" y="8685213"/>
+            <a:ext cx="2971800" cy="458787"/>
+          </a:xfrm>
+          <a:prstGeom prst="rect">
+            <a:avLst/>
+          </a:prstGeom>
+        </p:spPr>
+        <p:txBody>
+          <a:bodyPr vert="horz" lIns="91440" tIns="45720" rIns="91440" bIns="45720" rtlCol="0" anchor="b"/>
+          <a:lstStyle>
+            <a:lvl1pPr algn="r">
+              <a:defRPr sz="1200"/>
+            </a:lvl1pPr>
+          </a:lstStyle>
+          <a:p>
+            <a:fld id="{82646705-BA89-465C-907A-34A200C8439B}" type="slidenum">
+              <a:rPr lang="en-US" smtClean="0"/>
+              <a:t>‹#›</a:t>
+            </a:fld>
+            <a:endParaRPr lang="en-US"/>
+          </a:p>
+        </p:txBody>
+      </p:sp>
+    </p:spTree>
+    <p:extLst>
+      <p:ext uri="{BB962C8B-B14F-4D97-AF65-F5344CB8AC3E}">
+        <p14:creationId xmlns:p14="http://schemas.microsoft.com/office/powerpoint/2010/main" val="3095843781"/>
+      </p:ext>
+    </p:extLst>
+  </p:cSld>
+  <p:clrMap bg1="lt1" tx1="dk1" bg2="lt2" tx2="dk2" accent1="accent1" accent2="accent2" accent3="accent3" accent4="accent4" accent5="accent5" accent6="accent6" hlink="hlink" folHlink="folHlink"/>
+  <p:notesStyle>
+    <a:lvl1pPr marL="0" algn="l" defTabSz="914400" rtl="0" eaLnBrk="1" latinLnBrk="0" hangingPunct="1">
+      <a:defRPr sz="1200" kern="1200">
+        <a:solidFill>
+          <a:schemeClr val="tx1"/>
+        </a:solidFill>
+        <a:latin typeface="+mn-lt"/>
+        <a:ea typeface="+mn-ea"/>
+        <a:cs typeface="+mn-cs"/>
+      </a:defRPr>
+    </a:lvl1pPr>
+    <a:lvl2pPr marL="457200" algn="l" defTabSz="914400" rtl="0" eaLnBrk="1" latinLnBrk="0" hangingPunct="1">
+      <a:defRPr sz="1200" kern="1200">
+        <a:solidFill>
+          <a:schemeClr val="tx1"/>
+        </a:solidFill>
+        <a:latin typeface="+mn-lt"/>
+        <a:ea typeface="+mn-ea"/>
+        <a:cs typeface="+mn-cs"/>
+      </a:defRPr>
+    </a:lvl2pPr>
+    <a:lvl3pPr marL="914400" algn="l" defTabSz="914400" rtl="0" eaLnBrk="1" latinLnBrk="0" hangingPunct="1">
+      <a:defRPr sz="1200" kern="1200">
+        <a:solidFill>
+          <a:schemeClr val="tx1"/>
+        </a:solidFill>
+        <a:latin typeface="+mn-lt"/>
+        <a:ea typeface="+mn-ea"/>
+        <a:cs typeface="+mn-cs"/>
+      </a:defRPr>
+    </a:lvl3pPr>
+    <a:lvl4pPr marL="1371600" algn="l" defTabSz="914400" rtl="0" eaLnBrk="1" latinLnBrk="0" hangingPunct="1">
+      <a:defRPr sz="1200" kern="1200">
+        <a:solidFill>
+          <a:schemeClr val="tx1"/>
+        </a:solidFill>
+        <a:latin typeface="+mn-lt"/>
+        <a:ea typeface="+mn-ea"/>
+        <a:cs typeface="+mn-cs"/>
+      </a:defRPr>
+    </a:lvl4pPr>
+    <a:lvl5pPr marL="1828800" algn="l" defTabSz="914400" rtl="0" eaLnBrk="1" latinLnBrk="0" hangingPunct="1">
+      <a:defRPr sz="1200" kern="1200">
+        <a:solidFill>
+          <a:schemeClr val="tx1"/>
+        </a:solidFill>
+        <a:latin typeface="+mn-lt"/>
+        <a:ea typeface="+mn-ea"/>
+        <a:cs typeface="+mn-cs"/>
+      </a:defRPr>
+    </a:lvl5pPr>
+    <a:lvl6pPr marL="2286000" algn="l" defTabSz="914400" rtl="0" eaLnBrk="1" latinLnBrk="0" hangingPunct="1">
+      <a:defRPr sz="1200" kern="1200">
+        <a:solidFill>
+          <a:schemeClr val="tx1"/>
+        </a:solidFill>
+        <a:latin typeface="+mn-lt"/>
+        <a:ea typeface="+mn-ea"/>
+        <a:cs typeface="+mn-cs"/>
+      </a:defRPr>
+    </a:lvl6pPr>
+    <a:lvl7pPr marL="2743200" algn="l" defTabSz="914400" rtl="0" eaLnBrk="1" latinLnBrk="0" hangingPunct="1">
+      <a:defRPr sz="1200" kern="1200">
+        <a:solidFill>
+          <a:schemeClr val="tx1"/>
+        </a:solidFill>
+        <a:latin typeface="+mn-lt"/>
+        <a:ea typeface="+mn-ea"/>
+        <a:cs typeface="+mn-cs"/>
+      </a:defRPr>
+    </a:lvl7pPr>
+    <a:lvl8pPr marL="3200400" algn="l" defTabSz="914400" rtl="0" eaLnBrk="1" latinLnBrk="0" hangingPunct="1">
+      <a:defRPr sz="1200" kern="1200">
+        <a:solidFill>
+          <a:schemeClr val="tx1"/>
+        </a:solidFill>
+        <a:latin typeface="+mn-lt"/>
+        <a:ea typeface="+mn-ea"/>
+        <a:cs typeface="+mn-cs"/>
+      </a:defRPr>
+    </a:lvl8pPr>
+    <a:lvl9pPr marL="3657600" algn="l" defTabSz="914400" rtl="0" eaLnBrk="1" latinLnBrk="0" hangingPunct="1">
+      <a:defRPr sz="1200" kern="1200">
+        <a:solidFill>
+          <a:schemeClr val="tx1"/>
+        </a:solidFill>
+        <a:latin typeface="+mn-lt"/>
+        <a:ea typeface="+mn-ea"/>
+        <a:cs typeface="+mn-cs"/>
+      </a:defRPr>
+    </a:lvl9pPr>
+  </p:notesStyle>
+</p:notesMaster>
+</file>
+
+<file path=ppt/notesSlides/notesSlide1.xml><?xml version="1.0" encoding="utf-8"?>
+<p:notes xmlns:a="http://schemas.openxmlformats.org/drawingml/2006/main" xmlns:r="http://schemas.openxmlformats.org/officeDocument/2006/relationships" xmlns:p="http://schemas.openxmlformats.org/presentationml/2006/main">
+  <p:cSld>
+    <p:spTree>
+      <p:nvGrpSpPr>
+        <p:cNvPr id="1" name=""/>
+        <p:cNvGrpSpPr/>
+        <p:nvPr/>
+      </p:nvGrpSpPr>
+      <p:grpSpPr>
+        <a:xfrm>
+          <a:off x="0" y="0"/>
+          <a:ext cx="0" cy="0"/>
+          <a:chOff x="0" y="0"/>
+          <a:chExt cx="0" cy="0"/>
+        </a:xfrm>
+      </p:grpSpPr>
+      <p:sp>
+        <p:nvSpPr>
+          <p:cNvPr id="2" name="Slide Image Placeholder 1"/>
+          <p:cNvSpPr>
+            <a:spLocks noGrp="1" noRot="1" noChangeAspect="1"/>
+          </p:cNvSpPr>
+          <p:nvPr>
+            <p:ph type="sldImg"/>
+          </p:nvPr>
+        </p:nvSpPr>
+        <p:spPr/>
+      </p:sp>
+      <p:sp>
+        <p:nvSpPr>
+          <p:cNvPr id="3" name="Notes Placeholder 2"/>
+          <p:cNvSpPr>
+            <a:spLocks noGrp="1"/>
+          </p:cNvSpPr>
+          <p:nvPr>
+            <p:ph type="body" idx="1"/>
+          </p:nvPr>
+        </p:nvSpPr>
+        <p:spPr/>
+        <p:txBody>
+          <a:bodyPr/>
+          <a:lstStyle/>
+          <a:p>
+            <a:endParaRPr lang="en-US"/>
+          </a:p>
+        </p:txBody>
+      </p:sp>
+      <p:sp>
+        <p:nvSpPr>
+          <p:cNvPr id="4" name="Slide Number Placeholder 3"/>
+          <p:cNvSpPr>
+            <a:spLocks noGrp="1"/>
+          </p:cNvSpPr>
+          <p:nvPr>
+            <p:ph type="sldNum" sz="quarter" idx="10"/>
+          </p:nvPr>
+        </p:nvSpPr>
+        <p:spPr/>
+        <p:txBody>
+          <a:bodyPr/>
+          <a:lstStyle/>
+          <a:p>
+            <a:fld id="{82646705-BA89-465C-907A-34A200C8439B}" type="slidenum">
+              <a:rPr lang="en-US" smtClean="0"/>
+              <a:t>1</a:t>
+            </a:fld>
+            <a:endParaRPr lang="en-US"/>
+          </a:p>
+        </p:txBody>
+      </p:sp>
+    </p:spTree>
+    <p:extLst>
+      <p:ext uri="{BB962C8B-B14F-4D97-AF65-F5344CB8AC3E}">
+        <p14:creationId xmlns:p14="http://schemas.microsoft.com/office/powerpoint/2010/main" val="1310857988"/>
+      </p:ext>
+    </p:extLst>
+  </p:cSld>
+  <p:clrMapOvr>
+    <a:masterClrMapping/>
+  </p:clrMapOvr>
+</p:notes>
+</file>
+
+<file path=ppt/notesSlides/notesSlide2.xml><?xml version="1.0" encoding="utf-8"?>
+<p:notes xmlns:a="http://schemas.openxmlformats.org/drawingml/2006/main" xmlns:r="http://schemas.openxmlformats.org/officeDocument/2006/relationships" xmlns:p="http://schemas.openxmlformats.org/presentationml/2006/main">
+  <p:cSld>
+    <p:spTree>
+      <p:nvGrpSpPr>
+        <p:cNvPr id="1" name=""/>
+        <p:cNvGrpSpPr/>
+        <p:nvPr/>
+      </p:nvGrpSpPr>
+      <p:grpSpPr>
+        <a:xfrm>
+          <a:off x="0" y="0"/>
+          <a:ext cx="0" cy="0"/>
+          <a:chOff x="0" y="0"/>
+          <a:chExt cx="0" cy="0"/>
+        </a:xfrm>
+      </p:grpSpPr>
+      <p:sp>
+        <p:nvSpPr>
+          <p:cNvPr id="2" name="Slide Image Placeholder 1"/>
+          <p:cNvSpPr>
+            <a:spLocks noGrp="1" noRot="1" noChangeAspect="1"/>
+          </p:cNvSpPr>
+          <p:nvPr>
+            <p:ph type="sldImg"/>
+          </p:nvPr>
+        </p:nvSpPr>
+        <p:spPr/>
+      </p:sp>
+      <p:sp>
+        <p:nvSpPr>
+          <p:cNvPr id="3" name="Notes Placeholder 2"/>
+          <p:cNvSpPr>
+            <a:spLocks noGrp="1"/>
+          </p:cNvSpPr>
+          <p:nvPr>
+            <p:ph type="body" idx="1"/>
+          </p:nvPr>
+        </p:nvSpPr>
+        <p:spPr/>
+        <p:txBody>
+          <a:bodyPr/>
+          <a:lstStyle/>
+          <a:p>
+            <a:endParaRPr lang="en-US"/>
+          </a:p>
+        </p:txBody>
+      </p:sp>
+      <p:sp>
+        <p:nvSpPr>
+          <p:cNvPr id="4" name="Slide Number Placeholder 3"/>
+          <p:cNvSpPr>
+            <a:spLocks noGrp="1"/>
+          </p:cNvSpPr>
+          <p:nvPr>
+            <p:ph type="sldNum" sz="quarter" idx="10"/>
+          </p:nvPr>
+        </p:nvSpPr>
+        <p:spPr/>
+        <p:txBody>
+          <a:bodyPr/>
+          <a:lstStyle/>
+          <a:p>
+            <a:fld id="{82646705-BA89-465C-907A-34A200C8439B}" type="slidenum">
+              <a:rPr lang="en-US" smtClean="0"/>
+              <a:t>8</a:t>
+            </a:fld>
+            <a:endParaRPr lang="en-US"/>
+          </a:p>
+        </p:txBody>
+      </p:sp>
+    </p:spTree>
+    <p:extLst>
+      <p:ext uri="{BB962C8B-B14F-4D97-AF65-F5344CB8AC3E}">
+        <p14:creationId xmlns:p14="http://schemas.microsoft.com/office/powerpoint/2010/main" val="66435132"/>
+      </p:ext>
+    </p:extLst>
+  </p:cSld>
+  <p:clrMapOvr>
+    <a:masterClrMapping/>
+  </p:clrMapOvr>
+</p:notes>
 </file>
 
 <file path=ppt/slideLayouts/slideLayout1.xml><?xml version="1.0" encoding="utf-8"?>
@@ -692,7 +1218,7 @@
           </a:lstStyle>
           <a:p>
             <a:r>
-              <a:rPr lang="en-US" smtClean="0"/>
+              <a:rPr lang="en-US" dirty="0" smtClean="0"/>
               <a:t>Click to edit Master title style</a:t>
             </a:r>
             <a:endParaRPr lang="en-US" dirty="0"/>
@@ -834,7 +1360,7 @@
           <a:bodyPr/>
           <a:lstStyle/>
           <a:p>
-            <a:fld id="{15C5615F-D1D5-4FCD-8759-99B68FE7C325}" type="datetimeFigureOut">
+            <a:fld id="{BAE983EF-3867-4A31-9BF6-DD88443D7BA6}" type="datetime1">
               <a:rPr lang="en-US" smtClean="0"/>
               <a:t>12/10/2017</a:t>
             </a:fld>
@@ -871,16 +1397,26 @@
             <p:ph type="sldNum" sz="quarter" idx="12"/>
           </p:nvPr>
         </p:nvSpPr>
-        <p:spPr/>
+        <p:spPr>
+          <a:xfrm>
+            <a:off x="10636611" y="5852591"/>
+            <a:ext cx="1355380" cy="742665"/>
+          </a:xfrm>
+        </p:spPr>
         <p:txBody>
           <a:bodyPr/>
           <a:lstStyle/>
           <a:p>
             <a:fld id="{1BBF5D34-C2F9-436F-BF81-84F3DC08A16D}" type="slidenum">
               <a:rPr lang="en-US" smtClean="0"/>
+              <a:pPr/>
               <a:t>‹#›</a:t>
             </a:fld>
-            <a:endParaRPr lang="en-US"/>
+            <a:r>
+              <a:rPr lang="en-US" dirty="0" smtClean="0"/>
+              <a:t>/8</a:t>
+            </a:r>
+            <a:endParaRPr lang="en-US" dirty="0"/>
           </a:p>
         </p:txBody>
       </p:sp>
@@ -894,1975 +1430,19 @@
   <p:clrMapOvr>
     <a:masterClrMapping/>
   </p:clrMapOvr>
-</p:sldLayout>
-</file>
-
-<file path=ppt/slideLayouts/slideLayout10.xml><?xml version="1.0" encoding="utf-8"?>
-<p:sldLayout xmlns:a="http://schemas.openxmlformats.org/drawingml/2006/main" xmlns:r="http://schemas.openxmlformats.org/officeDocument/2006/relationships" xmlns:p="http://schemas.openxmlformats.org/presentationml/2006/main" preserve="1">
-  <p:cSld name="Title and Caption">
-    <p:spTree>
-      <p:nvGrpSpPr>
-        <p:cNvPr id="1" name=""/>
-        <p:cNvGrpSpPr/>
-        <p:nvPr/>
-      </p:nvGrpSpPr>
-      <p:grpSpPr>
-        <a:xfrm>
-          <a:off x="0" y="0"/>
-          <a:ext cx="0" cy="0"/>
-          <a:chOff x="0" y="0"/>
-          <a:chExt cx="0" cy="0"/>
-        </a:xfrm>
-      </p:grpSpPr>
-      <p:sp>
-        <p:nvSpPr>
-          <p:cNvPr id="2" name="Title 1"/>
-          <p:cNvSpPr>
-            <a:spLocks noGrp="1"/>
-          </p:cNvSpPr>
-          <p:nvPr>
-            <p:ph type="title"/>
-          </p:nvPr>
-        </p:nvSpPr>
-        <p:spPr>
-          <a:xfrm>
-            <a:off x="677335" y="609600"/>
-            <a:ext cx="8596668" cy="3403600"/>
-          </a:xfrm>
-        </p:spPr>
-        <p:txBody>
-          <a:bodyPr anchor="ctr">
-            <a:normAutofit/>
-          </a:bodyPr>
-          <a:lstStyle>
-            <a:lvl1pPr algn="l">
-              <a:defRPr sz="4400" b="0" cap="none"/>
-            </a:lvl1pPr>
-          </a:lstStyle>
-          <a:p>
-            <a:r>
-              <a:rPr lang="en-US" smtClean="0"/>
-              <a:t>Click to edit Master title style</a:t>
-            </a:r>
-            <a:endParaRPr lang="en-US" dirty="0"/>
-          </a:p>
-        </p:txBody>
-      </p:sp>
-      <p:sp>
-        <p:nvSpPr>
-          <p:cNvPr id="3" name="Text Placeholder 2"/>
-          <p:cNvSpPr>
-            <a:spLocks noGrp="1"/>
-          </p:cNvSpPr>
-          <p:nvPr>
-            <p:ph type="body" idx="1"/>
-          </p:nvPr>
-        </p:nvSpPr>
-        <p:spPr>
-          <a:xfrm>
-            <a:off x="677335" y="4470400"/>
-            <a:ext cx="8596668" cy="1570962"/>
-          </a:xfrm>
-        </p:spPr>
-        <p:txBody>
-          <a:bodyPr anchor="ctr">
-            <a:normAutofit/>
-          </a:bodyPr>
-          <a:lstStyle>
-            <a:lvl1pPr marL="0" indent="0" algn="l">
-              <a:buNone/>
-              <a:defRPr sz="1800">
-                <a:solidFill>
-                  <a:schemeClr val="tx1">
-                    <a:lumMod val="75000"/>
-                    <a:lumOff val="25000"/>
-                  </a:schemeClr>
-                </a:solidFill>
-              </a:defRPr>
-            </a:lvl1pPr>
-            <a:lvl2pPr marL="457200" indent="0">
-              <a:buNone/>
-              <a:defRPr sz="1800">
-                <a:solidFill>
-                  <a:schemeClr val="tx1">
-                    <a:tint val="75000"/>
-                  </a:schemeClr>
-                </a:solidFill>
-              </a:defRPr>
-            </a:lvl2pPr>
-            <a:lvl3pPr marL="914400" indent="0">
-              <a:buNone/>
-              <a:defRPr sz="1600">
-                <a:solidFill>
-                  <a:schemeClr val="tx1">
-                    <a:tint val="75000"/>
-                  </a:schemeClr>
-                </a:solidFill>
-              </a:defRPr>
-            </a:lvl3pPr>
-            <a:lvl4pPr marL="1371600" indent="0">
-              <a:buNone/>
-              <a:defRPr sz="1400">
-                <a:solidFill>
-                  <a:schemeClr val="tx1">
-                    <a:tint val="75000"/>
-                  </a:schemeClr>
-                </a:solidFill>
-              </a:defRPr>
-            </a:lvl4pPr>
-            <a:lvl5pPr marL="1828800" indent="0">
-              <a:buNone/>
-              <a:defRPr sz="1400">
-                <a:solidFill>
-                  <a:schemeClr val="tx1">
-                    <a:tint val="75000"/>
-                  </a:schemeClr>
-                </a:solidFill>
-              </a:defRPr>
-            </a:lvl5pPr>
-            <a:lvl6pPr marL="2286000" indent="0">
-              <a:buNone/>
-              <a:defRPr sz="1400">
-                <a:solidFill>
-                  <a:schemeClr val="tx1">
-                    <a:tint val="75000"/>
-                  </a:schemeClr>
-                </a:solidFill>
-              </a:defRPr>
-            </a:lvl6pPr>
-            <a:lvl7pPr marL="2743200" indent="0">
-              <a:buNone/>
-              <a:defRPr sz="1400">
-                <a:solidFill>
-                  <a:schemeClr val="tx1">
-                    <a:tint val="75000"/>
-                  </a:schemeClr>
-                </a:solidFill>
-              </a:defRPr>
-            </a:lvl7pPr>
-            <a:lvl8pPr marL="3200400" indent="0">
-              <a:buNone/>
-              <a:defRPr sz="1400">
-                <a:solidFill>
-                  <a:schemeClr val="tx1">
-                    <a:tint val="75000"/>
-                  </a:schemeClr>
-                </a:solidFill>
-              </a:defRPr>
-            </a:lvl8pPr>
-            <a:lvl9pPr marL="3657600" indent="0">
-              <a:buNone/>
-              <a:defRPr sz="1400">
-                <a:solidFill>
-                  <a:schemeClr val="tx1">
-                    <a:tint val="75000"/>
-                  </a:schemeClr>
-                </a:solidFill>
-              </a:defRPr>
-            </a:lvl9pPr>
-          </a:lstStyle>
-          <a:p>
-            <a:pPr lvl="0"/>
-            <a:r>
-              <a:rPr lang="en-US" smtClean="0"/>
-              <a:t>Click to edit Master text styles</a:t>
-            </a:r>
-          </a:p>
-        </p:txBody>
-      </p:sp>
-      <p:sp>
-        <p:nvSpPr>
-          <p:cNvPr id="4" name="Date Placeholder 3"/>
-          <p:cNvSpPr>
-            <a:spLocks noGrp="1"/>
-          </p:cNvSpPr>
-          <p:nvPr>
-            <p:ph type="dt" sz="half" idx="10"/>
-          </p:nvPr>
-        </p:nvSpPr>
-        <p:spPr/>
-        <p:txBody>
-          <a:bodyPr/>
-          <a:lstStyle/>
-          <a:p>
-            <a:fld id="{15C5615F-D1D5-4FCD-8759-99B68FE7C325}" type="datetimeFigureOut">
-              <a:rPr lang="en-US" smtClean="0"/>
-              <a:t>12/10/2017</a:t>
-            </a:fld>
-            <a:endParaRPr lang="en-US"/>
-          </a:p>
-        </p:txBody>
-      </p:sp>
-      <p:sp>
-        <p:nvSpPr>
-          <p:cNvPr id="5" name="Footer Placeholder 4"/>
-          <p:cNvSpPr>
-            <a:spLocks noGrp="1"/>
-          </p:cNvSpPr>
-          <p:nvPr>
-            <p:ph type="ftr" sz="quarter" idx="11"/>
-          </p:nvPr>
-        </p:nvSpPr>
-        <p:spPr/>
-        <p:txBody>
-          <a:bodyPr/>
-          <a:lstStyle/>
-          <a:p>
-            <a:endParaRPr lang="en-US"/>
-          </a:p>
-        </p:txBody>
-      </p:sp>
-      <p:sp>
-        <p:nvSpPr>
-          <p:cNvPr id="6" name="Slide Number Placeholder 5"/>
-          <p:cNvSpPr>
-            <a:spLocks noGrp="1"/>
-          </p:cNvSpPr>
-          <p:nvPr>
-            <p:ph type="sldNum" sz="quarter" idx="12"/>
-          </p:nvPr>
-        </p:nvSpPr>
-        <p:spPr/>
-        <p:txBody>
-          <a:bodyPr/>
-          <a:lstStyle/>
-          <a:p>
-            <a:fld id="{1BBF5D34-C2F9-436F-BF81-84F3DC08A16D}" type="slidenum">
-              <a:rPr lang="en-US" smtClean="0"/>
-              <a:t>‹#›</a:t>
-            </a:fld>
-            <a:endParaRPr lang="en-US"/>
-          </a:p>
-        </p:txBody>
-      </p:sp>
-    </p:spTree>
-    <p:extLst>
-      <p:ext uri="{BB962C8B-B14F-4D97-AF65-F5344CB8AC3E}">
-        <p14:creationId xmlns:p14="http://schemas.microsoft.com/office/powerpoint/2010/main" val="2211723451"/>
-      </p:ext>
-    </p:extLst>
-  </p:cSld>
-  <p:clrMapOvr>
-    <a:masterClrMapping/>
-  </p:clrMapOvr>
-</p:sldLayout>
-</file>
-
-<file path=ppt/slideLayouts/slideLayout11.xml><?xml version="1.0" encoding="utf-8"?>
-<p:sldLayout xmlns:a="http://schemas.openxmlformats.org/drawingml/2006/main" xmlns:r="http://schemas.openxmlformats.org/officeDocument/2006/relationships" xmlns:p="http://schemas.openxmlformats.org/presentationml/2006/main" preserve="1">
-  <p:cSld name="Quote with Caption">
-    <p:spTree>
-      <p:nvGrpSpPr>
-        <p:cNvPr id="1" name=""/>
-        <p:cNvGrpSpPr/>
-        <p:nvPr/>
-      </p:nvGrpSpPr>
-      <p:grpSpPr>
-        <a:xfrm>
-          <a:off x="0" y="0"/>
-          <a:ext cx="0" cy="0"/>
-          <a:chOff x="0" y="0"/>
-          <a:chExt cx="0" cy="0"/>
-        </a:xfrm>
-      </p:grpSpPr>
-      <p:sp>
-        <p:nvSpPr>
-          <p:cNvPr id="2" name="Title 1"/>
-          <p:cNvSpPr>
-            <a:spLocks noGrp="1"/>
-          </p:cNvSpPr>
-          <p:nvPr>
-            <p:ph type="title"/>
-          </p:nvPr>
-        </p:nvSpPr>
-        <p:spPr>
-          <a:xfrm>
-            <a:off x="931334" y="609600"/>
-            <a:ext cx="8094134" cy="3022600"/>
-          </a:xfrm>
-        </p:spPr>
-        <p:txBody>
-          <a:bodyPr anchor="ctr">
-            <a:normAutofit/>
-          </a:bodyPr>
-          <a:lstStyle>
-            <a:lvl1pPr algn="l">
-              <a:defRPr sz="4400" b="0" cap="none"/>
-            </a:lvl1pPr>
-          </a:lstStyle>
-          <a:p>
-            <a:r>
-              <a:rPr lang="en-US" smtClean="0"/>
-              <a:t>Click to edit Master title style</a:t>
-            </a:r>
-            <a:endParaRPr lang="en-US" dirty="0"/>
-          </a:p>
-        </p:txBody>
-      </p:sp>
-      <p:sp>
-        <p:nvSpPr>
-          <p:cNvPr id="23" name="Text Placeholder 9"/>
-          <p:cNvSpPr>
-            <a:spLocks noGrp="1"/>
-          </p:cNvSpPr>
-          <p:nvPr>
-            <p:ph type="body" sz="quarter" idx="13"/>
-          </p:nvPr>
-        </p:nvSpPr>
-        <p:spPr>
-          <a:xfrm>
-            <a:off x="1366139" y="3632200"/>
-            <a:ext cx="7224524" cy="381000"/>
-          </a:xfrm>
-        </p:spPr>
-        <p:txBody>
-          <a:bodyPr anchor="ctr">
-            <a:noAutofit/>
-          </a:bodyPr>
-          <a:lstStyle>
-            <a:lvl1pPr marL="0" indent="0">
-              <a:buFontTx/>
-              <a:buNone/>
-              <a:defRPr sz="1600">
-                <a:solidFill>
-                  <a:schemeClr val="tx1">
-                    <a:lumMod val="50000"/>
-                    <a:lumOff val="50000"/>
-                  </a:schemeClr>
-                </a:solidFill>
-              </a:defRPr>
-            </a:lvl1pPr>
-            <a:lvl2pPr marL="457200" indent="0">
-              <a:buFontTx/>
-              <a:buNone/>
-              <a:defRPr/>
-            </a:lvl2pPr>
-            <a:lvl3pPr marL="914400" indent="0">
-              <a:buFontTx/>
-              <a:buNone/>
-              <a:defRPr/>
-            </a:lvl3pPr>
-            <a:lvl4pPr marL="1371600" indent="0">
-              <a:buFontTx/>
-              <a:buNone/>
-              <a:defRPr/>
-            </a:lvl4pPr>
-            <a:lvl5pPr marL="1828800" indent="0">
-              <a:buFontTx/>
-              <a:buNone/>
-              <a:defRPr/>
-            </a:lvl5pPr>
-          </a:lstStyle>
-          <a:p>
-            <a:pPr lvl="0"/>
-            <a:r>
-              <a:rPr lang="en-US" smtClean="0"/>
-              <a:t>Click to edit Master text styles</a:t>
-            </a:r>
-          </a:p>
-        </p:txBody>
-      </p:sp>
-      <p:sp>
-        <p:nvSpPr>
-          <p:cNvPr id="3" name="Text Placeholder 2"/>
-          <p:cNvSpPr>
-            <a:spLocks noGrp="1"/>
-          </p:cNvSpPr>
-          <p:nvPr>
-            <p:ph type="body" idx="1"/>
-          </p:nvPr>
-        </p:nvSpPr>
-        <p:spPr>
-          <a:xfrm>
-            <a:off x="677335" y="4470400"/>
-            <a:ext cx="8596668" cy="1570962"/>
-          </a:xfrm>
-        </p:spPr>
-        <p:txBody>
-          <a:bodyPr anchor="ctr">
-            <a:normAutofit/>
-          </a:bodyPr>
-          <a:lstStyle>
-            <a:lvl1pPr marL="0" indent="0" algn="l">
-              <a:buNone/>
-              <a:defRPr sz="1800">
-                <a:solidFill>
-                  <a:schemeClr val="tx1">
-                    <a:lumMod val="75000"/>
-                    <a:lumOff val="25000"/>
-                  </a:schemeClr>
-                </a:solidFill>
-              </a:defRPr>
-            </a:lvl1pPr>
-            <a:lvl2pPr marL="457200" indent="0">
-              <a:buNone/>
-              <a:defRPr sz="1800">
-                <a:solidFill>
-                  <a:schemeClr val="tx1">
-                    <a:tint val="75000"/>
-                  </a:schemeClr>
-                </a:solidFill>
-              </a:defRPr>
-            </a:lvl2pPr>
-            <a:lvl3pPr marL="914400" indent="0">
-              <a:buNone/>
-              <a:defRPr sz="1600">
-                <a:solidFill>
-                  <a:schemeClr val="tx1">
-                    <a:tint val="75000"/>
-                  </a:schemeClr>
-                </a:solidFill>
-              </a:defRPr>
-            </a:lvl3pPr>
-            <a:lvl4pPr marL="1371600" indent="0">
-              <a:buNone/>
-              <a:defRPr sz="1400">
-                <a:solidFill>
-                  <a:schemeClr val="tx1">
-                    <a:tint val="75000"/>
-                  </a:schemeClr>
-                </a:solidFill>
-              </a:defRPr>
-            </a:lvl4pPr>
-            <a:lvl5pPr marL="1828800" indent="0">
-              <a:buNone/>
-              <a:defRPr sz="1400">
-                <a:solidFill>
-                  <a:schemeClr val="tx1">
-                    <a:tint val="75000"/>
-                  </a:schemeClr>
-                </a:solidFill>
-              </a:defRPr>
-            </a:lvl5pPr>
-            <a:lvl6pPr marL="2286000" indent="0">
-              <a:buNone/>
-              <a:defRPr sz="1400">
-                <a:solidFill>
-                  <a:schemeClr val="tx1">
-                    <a:tint val="75000"/>
-                  </a:schemeClr>
-                </a:solidFill>
-              </a:defRPr>
-            </a:lvl6pPr>
-            <a:lvl7pPr marL="2743200" indent="0">
-              <a:buNone/>
-              <a:defRPr sz="1400">
-                <a:solidFill>
-                  <a:schemeClr val="tx1">
-                    <a:tint val="75000"/>
-                  </a:schemeClr>
-                </a:solidFill>
-              </a:defRPr>
-            </a:lvl7pPr>
-            <a:lvl8pPr marL="3200400" indent="0">
-              <a:buNone/>
-              <a:defRPr sz="1400">
-                <a:solidFill>
-                  <a:schemeClr val="tx1">
-                    <a:tint val="75000"/>
-                  </a:schemeClr>
-                </a:solidFill>
-              </a:defRPr>
-            </a:lvl8pPr>
-            <a:lvl9pPr marL="3657600" indent="0">
-              <a:buNone/>
-              <a:defRPr sz="1400">
-                <a:solidFill>
-                  <a:schemeClr val="tx1">
-                    <a:tint val="75000"/>
-                  </a:schemeClr>
-                </a:solidFill>
-              </a:defRPr>
-            </a:lvl9pPr>
-          </a:lstStyle>
-          <a:p>
-            <a:pPr lvl="0"/>
-            <a:r>
-              <a:rPr lang="en-US" smtClean="0"/>
-              <a:t>Click to edit Master text styles</a:t>
-            </a:r>
-          </a:p>
-        </p:txBody>
-      </p:sp>
-      <p:sp>
-        <p:nvSpPr>
-          <p:cNvPr id="4" name="Date Placeholder 3"/>
-          <p:cNvSpPr>
-            <a:spLocks noGrp="1"/>
-          </p:cNvSpPr>
-          <p:nvPr>
-            <p:ph type="dt" sz="half" idx="10"/>
-          </p:nvPr>
-        </p:nvSpPr>
-        <p:spPr/>
-        <p:txBody>
-          <a:bodyPr/>
-          <a:lstStyle/>
-          <a:p>
-            <a:fld id="{15C5615F-D1D5-4FCD-8759-99B68FE7C325}" type="datetimeFigureOut">
-              <a:rPr lang="en-US" smtClean="0"/>
-              <a:t>12/10/2017</a:t>
-            </a:fld>
-            <a:endParaRPr lang="en-US"/>
-          </a:p>
-        </p:txBody>
-      </p:sp>
-      <p:sp>
-        <p:nvSpPr>
-          <p:cNvPr id="5" name="Footer Placeholder 4"/>
-          <p:cNvSpPr>
-            <a:spLocks noGrp="1"/>
-          </p:cNvSpPr>
-          <p:nvPr>
-            <p:ph type="ftr" sz="quarter" idx="11"/>
-          </p:nvPr>
-        </p:nvSpPr>
-        <p:spPr/>
-        <p:txBody>
-          <a:bodyPr/>
-          <a:lstStyle/>
-          <a:p>
-            <a:endParaRPr lang="en-US"/>
-          </a:p>
-        </p:txBody>
-      </p:sp>
-      <p:sp>
-        <p:nvSpPr>
-          <p:cNvPr id="6" name="Slide Number Placeholder 5"/>
-          <p:cNvSpPr>
-            <a:spLocks noGrp="1"/>
-          </p:cNvSpPr>
-          <p:nvPr>
-            <p:ph type="sldNum" sz="quarter" idx="12"/>
-          </p:nvPr>
-        </p:nvSpPr>
-        <p:spPr/>
-        <p:txBody>
-          <a:bodyPr/>
-          <a:lstStyle/>
-          <a:p>
-            <a:fld id="{1BBF5D34-C2F9-436F-BF81-84F3DC08A16D}" type="slidenum">
-              <a:rPr lang="en-US" smtClean="0"/>
-              <a:t>‹#›</a:t>
-            </a:fld>
-            <a:endParaRPr lang="en-US"/>
-          </a:p>
-        </p:txBody>
-      </p:sp>
-      <p:sp>
-        <p:nvSpPr>
-          <p:cNvPr id="20" name="TextBox 19"/>
-          <p:cNvSpPr txBox="1"/>
-          <p:nvPr/>
-        </p:nvSpPr>
-        <p:spPr>
-          <a:xfrm>
-            <a:off x="541870" y="790378"/>
-            <a:ext cx="609600" cy="584776"/>
-          </a:xfrm>
-          <a:prstGeom prst="rect">
-            <a:avLst/>
-          </a:prstGeom>
-        </p:spPr>
-        <p:txBody>
-          <a:bodyPr vert="horz" lIns="91440" tIns="45720" rIns="91440" bIns="45720" rtlCol="0" anchor="ctr">
-            <a:noAutofit/>
-          </a:bodyPr>
-          <a:lstStyle/>
-          <a:p>
-            <a:pPr lvl="0"/>
-            <a:r>
-              <a:rPr lang="en-US" sz="8000" baseline="0" dirty="0">
-                <a:ln w="3175" cmpd="sng">
-                  <a:noFill/>
-                </a:ln>
-                <a:solidFill>
-                  <a:schemeClr val="accent1">
-                    <a:lumMod val="60000"/>
-                    <a:lumOff val="40000"/>
-                  </a:schemeClr>
-                </a:solidFill>
-                <a:effectLst/>
-                <a:latin typeface="Arial"/>
-              </a:rPr>
-              <a:t>“</a:t>
-            </a:r>
-          </a:p>
-        </p:txBody>
-      </p:sp>
-      <p:sp>
-        <p:nvSpPr>
-          <p:cNvPr id="22" name="TextBox 21"/>
-          <p:cNvSpPr txBox="1"/>
-          <p:nvPr/>
-        </p:nvSpPr>
-        <p:spPr>
-          <a:xfrm>
-            <a:off x="8893011" y="2886556"/>
-            <a:ext cx="609600" cy="584776"/>
-          </a:xfrm>
-          <a:prstGeom prst="rect">
-            <a:avLst/>
-          </a:prstGeom>
-        </p:spPr>
-        <p:txBody>
-          <a:bodyPr vert="horz" lIns="91440" tIns="45720" rIns="91440" bIns="45720" rtlCol="0" anchor="ctr">
-            <a:noAutofit/>
-          </a:bodyPr>
-          <a:lstStyle/>
-          <a:p>
-            <a:pPr lvl="0"/>
-            <a:r>
-              <a:rPr lang="en-US" sz="8000" baseline="0" dirty="0">
-                <a:ln w="3175" cmpd="sng">
-                  <a:noFill/>
-                </a:ln>
-                <a:solidFill>
-                  <a:schemeClr val="accent1">
-                    <a:lumMod val="60000"/>
-                    <a:lumOff val="40000"/>
-                  </a:schemeClr>
-                </a:solidFill>
-                <a:latin typeface="Arial"/>
-              </a:rPr>
-              <a:t>”</a:t>
-            </a:r>
-            <a:endParaRPr lang="en-US" dirty="0">
-              <a:solidFill>
-                <a:schemeClr val="accent1">
-                  <a:lumMod val="60000"/>
-                  <a:lumOff val="40000"/>
-                </a:schemeClr>
-              </a:solidFill>
-              <a:latin typeface="Arial"/>
-            </a:endParaRPr>
-          </a:p>
-        </p:txBody>
-      </p:sp>
-    </p:spTree>
-    <p:extLst>
-      <p:ext uri="{BB962C8B-B14F-4D97-AF65-F5344CB8AC3E}">
-        <p14:creationId xmlns:p14="http://schemas.microsoft.com/office/powerpoint/2010/main" val="1811212344"/>
-      </p:ext>
-    </p:extLst>
-  </p:cSld>
-  <p:clrMapOvr>
-    <a:masterClrMapping/>
-  </p:clrMapOvr>
-</p:sldLayout>
-</file>
-
-<file path=ppt/slideLayouts/slideLayout12.xml><?xml version="1.0" encoding="utf-8"?>
-<p:sldLayout xmlns:a="http://schemas.openxmlformats.org/drawingml/2006/main" xmlns:r="http://schemas.openxmlformats.org/officeDocument/2006/relationships" xmlns:p="http://schemas.openxmlformats.org/presentationml/2006/main" preserve="1">
-  <p:cSld name="Name Card">
-    <p:spTree>
-      <p:nvGrpSpPr>
-        <p:cNvPr id="1" name=""/>
-        <p:cNvGrpSpPr/>
-        <p:nvPr/>
-      </p:nvGrpSpPr>
-      <p:grpSpPr>
-        <a:xfrm>
-          <a:off x="0" y="0"/>
-          <a:ext cx="0" cy="0"/>
-          <a:chOff x="0" y="0"/>
-          <a:chExt cx="0" cy="0"/>
-        </a:xfrm>
-      </p:grpSpPr>
-      <p:sp>
-        <p:nvSpPr>
-          <p:cNvPr id="2" name="Title 1"/>
-          <p:cNvSpPr>
-            <a:spLocks noGrp="1"/>
-          </p:cNvSpPr>
-          <p:nvPr>
-            <p:ph type="title"/>
-          </p:nvPr>
-        </p:nvSpPr>
-        <p:spPr>
-          <a:xfrm>
-            <a:off x="677335" y="1931988"/>
-            <a:ext cx="8596668" cy="2595460"/>
-          </a:xfrm>
-        </p:spPr>
-        <p:txBody>
-          <a:bodyPr anchor="b">
-            <a:normAutofit/>
-          </a:bodyPr>
-          <a:lstStyle>
-            <a:lvl1pPr algn="l">
-              <a:defRPr sz="4400" b="0" cap="none"/>
-            </a:lvl1pPr>
-          </a:lstStyle>
-          <a:p>
-            <a:r>
-              <a:rPr lang="en-US" smtClean="0"/>
-              <a:t>Click to edit Master title style</a:t>
-            </a:r>
-            <a:endParaRPr lang="en-US" dirty="0"/>
-          </a:p>
-        </p:txBody>
-      </p:sp>
-      <p:sp>
-        <p:nvSpPr>
-          <p:cNvPr id="3" name="Text Placeholder 2"/>
-          <p:cNvSpPr>
-            <a:spLocks noGrp="1"/>
-          </p:cNvSpPr>
-          <p:nvPr>
-            <p:ph type="body" idx="1"/>
-          </p:nvPr>
-        </p:nvSpPr>
-        <p:spPr>
-          <a:xfrm>
-            <a:off x="677335" y="4527448"/>
-            <a:ext cx="8596668" cy="1513914"/>
-          </a:xfrm>
-        </p:spPr>
-        <p:txBody>
-          <a:bodyPr anchor="t">
-            <a:normAutofit/>
-          </a:bodyPr>
-          <a:lstStyle>
-            <a:lvl1pPr marL="0" indent="0" algn="l">
-              <a:buNone/>
-              <a:defRPr sz="1800">
-                <a:solidFill>
-                  <a:schemeClr val="tx1">
-                    <a:lumMod val="75000"/>
-                    <a:lumOff val="25000"/>
-                  </a:schemeClr>
-                </a:solidFill>
-              </a:defRPr>
-            </a:lvl1pPr>
-            <a:lvl2pPr marL="457200" indent="0">
-              <a:buNone/>
-              <a:defRPr sz="1800">
-                <a:solidFill>
-                  <a:schemeClr val="tx1">
-                    <a:tint val="75000"/>
-                  </a:schemeClr>
-                </a:solidFill>
-              </a:defRPr>
-            </a:lvl2pPr>
-            <a:lvl3pPr marL="914400" indent="0">
-              <a:buNone/>
-              <a:defRPr sz="1600">
-                <a:solidFill>
-                  <a:schemeClr val="tx1">
-                    <a:tint val="75000"/>
-                  </a:schemeClr>
-                </a:solidFill>
-              </a:defRPr>
-            </a:lvl3pPr>
-            <a:lvl4pPr marL="1371600" indent="0">
-              <a:buNone/>
-              <a:defRPr sz="1400">
-                <a:solidFill>
-                  <a:schemeClr val="tx1">
-                    <a:tint val="75000"/>
-                  </a:schemeClr>
-                </a:solidFill>
-              </a:defRPr>
-            </a:lvl4pPr>
-            <a:lvl5pPr marL="1828800" indent="0">
-              <a:buNone/>
-              <a:defRPr sz="1400">
-                <a:solidFill>
-                  <a:schemeClr val="tx1">
-                    <a:tint val="75000"/>
-                  </a:schemeClr>
-                </a:solidFill>
-              </a:defRPr>
-            </a:lvl5pPr>
-            <a:lvl6pPr marL="2286000" indent="0">
-              <a:buNone/>
-              <a:defRPr sz="1400">
-                <a:solidFill>
-                  <a:schemeClr val="tx1">
-                    <a:tint val="75000"/>
-                  </a:schemeClr>
-                </a:solidFill>
-              </a:defRPr>
-            </a:lvl6pPr>
-            <a:lvl7pPr marL="2743200" indent="0">
-              <a:buNone/>
-              <a:defRPr sz="1400">
-                <a:solidFill>
-                  <a:schemeClr val="tx1">
-                    <a:tint val="75000"/>
-                  </a:schemeClr>
-                </a:solidFill>
-              </a:defRPr>
-            </a:lvl7pPr>
-            <a:lvl8pPr marL="3200400" indent="0">
-              <a:buNone/>
-              <a:defRPr sz="1400">
-                <a:solidFill>
-                  <a:schemeClr val="tx1">
-                    <a:tint val="75000"/>
-                  </a:schemeClr>
-                </a:solidFill>
-              </a:defRPr>
-            </a:lvl8pPr>
-            <a:lvl9pPr marL="3657600" indent="0">
-              <a:buNone/>
-              <a:defRPr sz="1400">
-                <a:solidFill>
-                  <a:schemeClr val="tx1">
-                    <a:tint val="75000"/>
-                  </a:schemeClr>
-                </a:solidFill>
-              </a:defRPr>
-            </a:lvl9pPr>
-          </a:lstStyle>
-          <a:p>
-            <a:pPr lvl="0"/>
-            <a:r>
-              <a:rPr lang="en-US" smtClean="0"/>
-              <a:t>Click to edit Master text styles</a:t>
-            </a:r>
-          </a:p>
-        </p:txBody>
-      </p:sp>
-      <p:sp>
-        <p:nvSpPr>
-          <p:cNvPr id="4" name="Date Placeholder 3"/>
-          <p:cNvSpPr>
-            <a:spLocks noGrp="1"/>
-          </p:cNvSpPr>
-          <p:nvPr>
-            <p:ph type="dt" sz="half" idx="10"/>
-          </p:nvPr>
-        </p:nvSpPr>
-        <p:spPr/>
-        <p:txBody>
-          <a:bodyPr/>
-          <a:lstStyle/>
-          <a:p>
-            <a:fld id="{15C5615F-D1D5-4FCD-8759-99B68FE7C325}" type="datetimeFigureOut">
-              <a:rPr lang="en-US" smtClean="0"/>
-              <a:t>12/10/2017</a:t>
-            </a:fld>
-            <a:endParaRPr lang="en-US"/>
-          </a:p>
-        </p:txBody>
-      </p:sp>
-      <p:sp>
-        <p:nvSpPr>
-          <p:cNvPr id="5" name="Footer Placeholder 4"/>
-          <p:cNvSpPr>
-            <a:spLocks noGrp="1"/>
-          </p:cNvSpPr>
-          <p:nvPr>
-            <p:ph type="ftr" sz="quarter" idx="11"/>
-          </p:nvPr>
-        </p:nvSpPr>
-        <p:spPr/>
-        <p:txBody>
-          <a:bodyPr/>
-          <a:lstStyle/>
-          <a:p>
-            <a:endParaRPr lang="en-US"/>
-          </a:p>
-        </p:txBody>
-      </p:sp>
-      <p:sp>
-        <p:nvSpPr>
-          <p:cNvPr id="6" name="Slide Number Placeholder 5"/>
-          <p:cNvSpPr>
-            <a:spLocks noGrp="1"/>
-          </p:cNvSpPr>
-          <p:nvPr>
-            <p:ph type="sldNum" sz="quarter" idx="12"/>
-          </p:nvPr>
-        </p:nvSpPr>
-        <p:spPr/>
-        <p:txBody>
-          <a:bodyPr/>
-          <a:lstStyle/>
-          <a:p>
-            <a:fld id="{1BBF5D34-C2F9-436F-BF81-84F3DC08A16D}" type="slidenum">
-              <a:rPr lang="en-US" smtClean="0"/>
-              <a:t>‹#›</a:t>
-            </a:fld>
-            <a:endParaRPr lang="en-US"/>
-          </a:p>
-        </p:txBody>
-      </p:sp>
-    </p:spTree>
-    <p:extLst>
-      <p:ext uri="{BB962C8B-B14F-4D97-AF65-F5344CB8AC3E}">
-        <p14:creationId xmlns:p14="http://schemas.microsoft.com/office/powerpoint/2010/main" val="3946772965"/>
-      </p:ext>
-    </p:extLst>
-  </p:cSld>
-  <p:clrMapOvr>
-    <a:masterClrMapping/>
-  </p:clrMapOvr>
-</p:sldLayout>
-</file>
-
-<file path=ppt/slideLayouts/slideLayout13.xml><?xml version="1.0" encoding="utf-8"?>
-<p:sldLayout xmlns:a="http://schemas.openxmlformats.org/drawingml/2006/main" xmlns:r="http://schemas.openxmlformats.org/officeDocument/2006/relationships" xmlns:p="http://schemas.openxmlformats.org/presentationml/2006/main" preserve="1">
-  <p:cSld name="Quote Name Card">
-    <p:spTree>
-      <p:nvGrpSpPr>
-        <p:cNvPr id="1" name=""/>
-        <p:cNvGrpSpPr/>
-        <p:nvPr/>
-      </p:nvGrpSpPr>
-      <p:grpSpPr>
-        <a:xfrm>
-          <a:off x="0" y="0"/>
-          <a:ext cx="0" cy="0"/>
-          <a:chOff x="0" y="0"/>
-          <a:chExt cx="0" cy="0"/>
-        </a:xfrm>
-      </p:grpSpPr>
-      <p:sp>
-        <p:nvSpPr>
-          <p:cNvPr id="2" name="Title 1"/>
-          <p:cNvSpPr>
-            <a:spLocks noGrp="1"/>
-          </p:cNvSpPr>
-          <p:nvPr>
-            <p:ph type="title"/>
-          </p:nvPr>
-        </p:nvSpPr>
-        <p:spPr>
-          <a:xfrm>
-            <a:off x="931334" y="609600"/>
-            <a:ext cx="8094134" cy="3022600"/>
-          </a:xfrm>
-        </p:spPr>
-        <p:txBody>
-          <a:bodyPr anchor="ctr">
-            <a:normAutofit/>
-          </a:bodyPr>
-          <a:lstStyle>
-            <a:lvl1pPr algn="l">
-              <a:defRPr sz="4400" b="0" cap="none"/>
-            </a:lvl1pPr>
-          </a:lstStyle>
-          <a:p>
-            <a:r>
-              <a:rPr lang="en-US" smtClean="0"/>
-              <a:t>Click to edit Master title style</a:t>
-            </a:r>
-            <a:endParaRPr lang="en-US" dirty="0"/>
-          </a:p>
-        </p:txBody>
-      </p:sp>
-      <p:sp>
-        <p:nvSpPr>
-          <p:cNvPr id="23" name="Text Placeholder 9"/>
-          <p:cNvSpPr>
-            <a:spLocks noGrp="1"/>
-          </p:cNvSpPr>
-          <p:nvPr>
-            <p:ph type="body" sz="quarter" idx="13"/>
-          </p:nvPr>
-        </p:nvSpPr>
-        <p:spPr>
-          <a:xfrm>
-            <a:off x="677332" y="4013200"/>
-            <a:ext cx="8596669" cy="514248"/>
-          </a:xfrm>
-        </p:spPr>
-        <p:txBody>
-          <a:bodyPr anchor="b">
-            <a:noAutofit/>
-          </a:bodyPr>
-          <a:lstStyle>
-            <a:lvl1pPr marL="0" indent="0">
-              <a:buFontTx/>
-              <a:buNone/>
-              <a:defRPr sz="2400">
-                <a:solidFill>
-                  <a:schemeClr val="tx1">
-                    <a:lumMod val="75000"/>
-                    <a:lumOff val="25000"/>
-                  </a:schemeClr>
-                </a:solidFill>
-              </a:defRPr>
-            </a:lvl1pPr>
-            <a:lvl2pPr marL="457200" indent="0">
-              <a:buFontTx/>
-              <a:buNone/>
-              <a:defRPr/>
-            </a:lvl2pPr>
-            <a:lvl3pPr marL="914400" indent="0">
-              <a:buFontTx/>
-              <a:buNone/>
-              <a:defRPr/>
-            </a:lvl3pPr>
-            <a:lvl4pPr marL="1371600" indent="0">
-              <a:buFontTx/>
-              <a:buNone/>
-              <a:defRPr/>
-            </a:lvl4pPr>
-            <a:lvl5pPr marL="1828800" indent="0">
-              <a:buFontTx/>
-              <a:buNone/>
-              <a:defRPr/>
-            </a:lvl5pPr>
-          </a:lstStyle>
-          <a:p>
-            <a:pPr lvl="0"/>
-            <a:r>
-              <a:rPr lang="en-US" smtClean="0"/>
-              <a:t>Click to edit Master text styles</a:t>
-            </a:r>
-          </a:p>
-        </p:txBody>
-      </p:sp>
-      <p:sp>
-        <p:nvSpPr>
-          <p:cNvPr id="3" name="Text Placeholder 2"/>
-          <p:cNvSpPr>
-            <a:spLocks noGrp="1"/>
-          </p:cNvSpPr>
-          <p:nvPr>
-            <p:ph type="body" idx="1"/>
-          </p:nvPr>
-        </p:nvSpPr>
-        <p:spPr>
-          <a:xfrm>
-            <a:off x="677335" y="4527448"/>
-            <a:ext cx="8596668" cy="1513914"/>
-          </a:xfrm>
-        </p:spPr>
-        <p:txBody>
-          <a:bodyPr anchor="t">
-            <a:normAutofit/>
-          </a:bodyPr>
-          <a:lstStyle>
-            <a:lvl1pPr marL="0" indent="0" algn="l">
-              <a:buNone/>
-              <a:defRPr sz="1800">
-                <a:solidFill>
-                  <a:schemeClr val="tx1">
-                    <a:lumMod val="50000"/>
-                    <a:lumOff val="50000"/>
-                  </a:schemeClr>
-                </a:solidFill>
-              </a:defRPr>
-            </a:lvl1pPr>
-            <a:lvl2pPr marL="457200" indent="0">
-              <a:buNone/>
-              <a:defRPr sz="1800">
-                <a:solidFill>
-                  <a:schemeClr val="tx1">
-                    <a:tint val="75000"/>
-                  </a:schemeClr>
-                </a:solidFill>
-              </a:defRPr>
-            </a:lvl2pPr>
-            <a:lvl3pPr marL="914400" indent="0">
-              <a:buNone/>
-              <a:defRPr sz="1600">
-                <a:solidFill>
-                  <a:schemeClr val="tx1">
-                    <a:tint val="75000"/>
-                  </a:schemeClr>
-                </a:solidFill>
-              </a:defRPr>
-            </a:lvl3pPr>
-            <a:lvl4pPr marL="1371600" indent="0">
-              <a:buNone/>
-              <a:defRPr sz="1400">
-                <a:solidFill>
-                  <a:schemeClr val="tx1">
-                    <a:tint val="75000"/>
-                  </a:schemeClr>
-                </a:solidFill>
-              </a:defRPr>
-            </a:lvl4pPr>
-            <a:lvl5pPr marL="1828800" indent="0">
-              <a:buNone/>
-              <a:defRPr sz="1400">
-                <a:solidFill>
-                  <a:schemeClr val="tx1">
-                    <a:tint val="75000"/>
-                  </a:schemeClr>
-                </a:solidFill>
-              </a:defRPr>
-            </a:lvl5pPr>
-            <a:lvl6pPr marL="2286000" indent="0">
-              <a:buNone/>
-              <a:defRPr sz="1400">
-                <a:solidFill>
-                  <a:schemeClr val="tx1">
-                    <a:tint val="75000"/>
-                  </a:schemeClr>
-                </a:solidFill>
-              </a:defRPr>
-            </a:lvl6pPr>
-            <a:lvl7pPr marL="2743200" indent="0">
-              <a:buNone/>
-              <a:defRPr sz="1400">
-                <a:solidFill>
-                  <a:schemeClr val="tx1">
-                    <a:tint val="75000"/>
-                  </a:schemeClr>
-                </a:solidFill>
-              </a:defRPr>
-            </a:lvl7pPr>
-            <a:lvl8pPr marL="3200400" indent="0">
-              <a:buNone/>
-              <a:defRPr sz="1400">
-                <a:solidFill>
-                  <a:schemeClr val="tx1">
-                    <a:tint val="75000"/>
-                  </a:schemeClr>
-                </a:solidFill>
-              </a:defRPr>
-            </a:lvl8pPr>
-            <a:lvl9pPr marL="3657600" indent="0">
-              <a:buNone/>
-              <a:defRPr sz="1400">
-                <a:solidFill>
-                  <a:schemeClr val="tx1">
-                    <a:tint val="75000"/>
-                  </a:schemeClr>
-                </a:solidFill>
-              </a:defRPr>
-            </a:lvl9pPr>
-          </a:lstStyle>
-          <a:p>
-            <a:pPr lvl="0"/>
-            <a:r>
-              <a:rPr lang="en-US" smtClean="0"/>
-              <a:t>Click to edit Master text styles</a:t>
-            </a:r>
-          </a:p>
-        </p:txBody>
-      </p:sp>
-      <p:sp>
-        <p:nvSpPr>
-          <p:cNvPr id="4" name="Date Placeholder 3"/>
-          <p:cNvSpPr>
-            <a:spLocks noGrp="1"/>
-          </p:cNvSpPr>
-          <p:nvPr>
-            <p:ph type="dt" sz="half" idx="10"/>
-          </p:nvPr>
-        </p:nvSpPr>
-        <p:spPr/>
-        <p:txBody>
-          <a:bodyPr/>
-          <a:lstStyle/>
-          <a:p>
-            <a:fld id="{15C5615F-D1D5-4FCD-8759-99B68FE7C325}" type="datetimeFigureOut">
-              <a:rPr lang="en-US" smtClean="0"/>
-              <a:t>12/10/2017</a:t>
-            </a:fld>
-            <a:endParaRPr lang="en-US"/>
-          </a:p>
-        </p:txBody>
-      </p:sp>
-      <p:sp>
-        <p:nvSpPr>
-          <p:cNvPr id="5" name="Footer Placeholder 4"/>
-          <p:cNvSpPr>
-            <a:spLocks noGrp="1"/>
-          </p:cNvSpPr>
-          <p:nvPr>
-            <p:ph type="ftr" sz="quarter" idx="11"/>
-          </p:nvPr>
-        </p:nvSpPr>
-        <p:spPr/>
-        <p:txBody>
-          <a:bodyPr/>
-          <a:lstStyle/>
-          <a:p>
-            <a:endParaRPr lang="en-US"/>
-          </a:p>
-        </p:txBody>
-      </p:sp>
-      <p:sp>
-        <p:nvSpPr>
-          <p:cNvPr id="6" name="Slide Number Placeholder 5"/>
-          <p:cNvSpPr>
-            <a:spLocks noGrp="1"/>
-          </p:cNvSpPr>
-          <p:nvPr>
-            <p:ph type="sldNum" sz="quarter" idx="12"/>
-          </p:nvPr>
-        </p:nvSpPr>
-        <p:spPr/>
-        <p:txBody>
-          <a:bodyPr/>
-          <a:lstStyle/>
-          <a:p>
-            <a:fld id="{1BBF5D34-C2F9-436F-BF81-84F3DC08A16D}" type="slidenum">
-              <a:rPr lang="en-US" smtClean="0"/>
-              <a:t>‹#›</a:t>
-            </a:fld>
-            <a:endParaRPr lang="en-US"/>
-          </a:p>
-        </p:txBody>
-      </p:sp>
-      <p:sp>
-        <p:nvSpPr>
-          <p:cNvPr id="24" name="TextBox 23"/>
-          <p:cNvSpPr txBox="1"/>
-          <p:nvPr/>
-        </p:nvSpPr>
-        <p:spPr>
-          <a:xfrm>
-            <a:off x="541870" y="790378"/>
-            <a:ext cx="609600" cy="584776"/>
-          </a:xfrm>
-          <a:prstGeom prst="rect">
-            <a:avLst/>
-          </a:prstGeom>
-        </p:spPr>
-        <p:txBody>
-          <a:bodyPr vert="horz" lIns="91440" tIns="45720" rIns="91440" bIns="45720" rtlCol="0" anchor="ctr">
-            <a:noAutofit/>
-          </a:bodyPr>
-          <a:lstStyle/>
-          <a:p>
-            <a:pPr lvl="0"/>
-            <a:r>
-              <a:rPr lang="en-US" sz="8000" baseline="0" dirty="0">
-                <a:ln w="3175" cmpd="sng">
-                  <a:noFill/>
-                </a:ln>
-                <a:solidFill>
-                  <a:schemeClr val="accent1">
-                    <a:lumMod val="60000"/>
-                    <a:lumOff val="40000"/>
-                  </a:schemeClr>
-                </a:solidFill>
-                <a:effectLst/>
-                <a:latin typeface="Arial"/>
-              </a:rPr>
-              <a:t>“</a:t>
-            </a:r>
-          </a:p>
-        </p:txBody>
-      </p:sp>
-      <p:sp>
-        <p:nvSpPr>
-          <p:cNvPr id="25" name="TextBox 24"/>
-          <p:cNvSpPr txBox="1"/>
-          <p:nvPr/>
-        </p:nvSpPr>
-        <p:spPr>
-          <a:xfrm>
-            <a:off x="8893011" y="2886556"/>
-            <a:ext cx="609600" cy="584776"/>
-          </a:xfrm>
-          <a:prstGeom prst="rect">
-            <a:avLst/>
-          </a:prstGeom>
-        </p:spPr>
-        <p:txBody>
-          <a:bodyPr vert="horz" lIns="91440" tIns="45720" rIns="91440" bIns="45720" rtlCol="0" anchor="ctr">
-            <a:noAutofit/>
-          </a:bodyPr>
-          <a:lstStyle/>
-          <a:p>
-            <a:pPr lvl="0"/>
-            <a:r>
-              <a:rPr lang="en-US" sz="8000" baseline="0" dirty="0">
-                <a:ln w="3175" cmpd="sng">
-                  <a:noFill/>
-                </a:ln>
-                <a:solidFill>
-                  <a:schemeClr val="accent1">
-                    <a:lumMod val="60000"/>
-                    <a:lumOff val="40000"/>
-                  </a:schemeClr>
-                </a:solidFill>
-                <a:effectLst/>
-                <a:latin typeface="Arial"/>
-              </a:rPr>
-              <a:t>”</a:t>
-            </a:r>
-          </a:p>
-        </p:txBody>
-      </p:sp>
-    </p:spTree>
-    <p:extLst>
-      <p:ext uri="{BB962C8B-B14F-4D97-AF65-F5344CB8AC3E}">
-        <p14:creationId xmlns:p14="http://schemas.microsoft.com/office/powerpoint/2010/main" val="4162671264"/>
-      </p:ext>
-    </p:extLst>
-  </p:cSld>
-  <p:clrMapOvr>
-    <a:masterClrMapping/>
-  </p:clrMapOvr>
-</p:sldLayout>
-</file>
-
-<file path=ppt/slideLayouts/slideLayout14.xml><?xml version="1.0" encoding="utf-8"?>
-<p:sldLayout xmlns:a="http://schemas.openxmlformats.org/drawingml/2006/main" xmlns:r="http://schemas.openxmlformats.org/officeDocument/2006/relationships" xmlns:p="http://schemas.openxmlformats.org/presentationml/2006/main" preserve="1">
-  <p:cSld name="True or False">
-    <p:spTree>
-      <p:nvGrpSpPr>
-        <p:cNvPr id="1" name=""/>
-        <p:cNvGrpSpPr/>
-        <p:nvPr/>
-      </p:nvGrpSpPr>
-      <p:grpSpPr>
-        <a:xfrm>
-          <a:off x="0" y="0"/>
-          <a:ext cx="0" cy="0"/>
-          <a:chOff x="0" y="0"/>
-          <a:chExt cx="0" cy="0"/>
-        </a:xfrm>
-      </p:grpSpPr>
-      <p:sp>
-        <p:nvSpPr>
-          <p:cNvPr id="2" name="Title 1"/>
-          <p:cNvSpPr>
-            <a:spLocks noGrp="1"/>
-          </p:cNvSpPr>
-          <p:nvPr>
-            <p:ph type="title"/>
-          </p:nvPr>
-        </p:nvSpPr>
-        <p:spPr>
-          <a:xfrm>
-            <a:off x="685799" y="609600"/>
-            <a:ext cx="8588203" cy="3022600"/>
-          </a:xfrm>
-        </p:spPr>
-        <p:txBody>
-          <a:bodyPr anchor="ctr">
-            <a:normAutofit/>
-          </a:bodyPr>
-          <a:lstStyle>
-            <a:lvl1pPr algn="l">
-              <a:defRPr sz="4400" b="0" cap="none"/>
-            </a:lvl1pPr>
-          </a:lstStyle>
-          <a:p>
-            <a:r>
-              <a:rPr lang="en-US" smtClean="0"/>
-              <a:t>Click to edit Master title style</a:t>
-            </a:r>
-            <a:endParaRPr lang="en-US" dirty="0"/>
-          </a:p>
-        </p:txBody>
-      </p:sp>
-      <p:sp>
-        <p:nvSpPr>
-          <p:cNvPr id="23" name="Text Placeholder 9"/>
-          <p:cNvSpPr>
-            <a:spLocks noGrp="1"/>
-          </p:cNvSpPr>
-          <p:nvPr>
-            <p:ph type="body" sz="quarter" idx="13"/>
-          </p:nvPr>
-        </p:nvSpPr>
-        <p:spPr>
-          <a:xfrm>
-            <a:off x="677332" y="4013200"/>
-            <a:ext cx="8596669" cy="514248"/>
-          </a:xfrm>
-        </p:spPr>
-        <p:txBody>
-          <a:bodyPr anchor="b">
-            <a:noAutofit/>
-          </a:bodyPr>
-          <a:lstStyle>
-            <a:lvl1pPr marL="0" indent="0">
-              <a:buFontTx/>
-              <a:buNone/>
-              <a:defRPr sz="2400">
-                <a:solidFill>
-                  <a:schemeClr val="accent1"/>
-                </a:solidFill>
-              </a:defRPr>
-            </a:lvl1pPr>
-            <a:lvl2pPr marL="457200" indent="0">
-              <a:buFontTx/>
-              <a:buNone/>
-              <a:defRPr/>
-            </a:lvl2pPr>
-            <a:lvl3pPr marL="914400" indent="0">
-              <a:buFontTx/>
-              <a:buNone/>
-              <a:defRPr/>
-            </a:lvl3pPr>
-            <a:lvl4pPr marL="1371600" indent="0">
-              <a:buFontTx/>
-              <a:buNone/>
-              <a:defRPr/>
-            </a:lvl4pPr>
-            <a:lvl5pPr marL="1828800" indent="0">
-              <a:buFontTx/>
-              <a:buNone/>
-              <a:defRPr/>
-            </a:lvl5pPr>
-          </a:lstStyle>
-          <a:p>
-            <a:pPr lvl="0"/>
-            <a:r>
-              <a:rPr lang="en-US" smtClean="0"/>
-              <a:t>Click to edit Master text styles</a:t>
-            </a:r>
-          </a:p>
-        </p:txBody>
-      </p:sp>
-      <p:sp>
-        <p:nvSpPr>
-          <p:cNvPr id="3" name="Text Placeholder 2"/>
-          <p:cNvSpPr>
-            <a:spLocks noGrp="1"/>
-          </p:cNvSpPr>
-          <p:nvPr>
-            <p:ph type="body" idx="1"/>
-          </p:nvPr>
-        </p:nvSpPr>
-        <p:spPr>
-          <a:xfrm>
-            <a:off x="677335" y="4527448"/>
-            <a:ext cx="8596668" cy="1513914"/>
-          </a:xfrm>
-        </p:spPr>
-        <p:txBody>
-          <a:bodyPr anchor="t">
-            <a:normAutofit/>
-          </a:bodyPr>
-          <a:lstStyle>
-            <a:lvl1pPr marL="0" indent="0" algn="l">
-              <a:buNone/>
-              <a:defRPr sz="1800">
-                <a:solidFill>
-                  <a:schemeClr val="tx1">
-                    <a:lumMod val="50000"/>
-                    <a:lumOff val="50000"/>
-                  </a:schemeClr>
-                </a:solidFill>
-              </a:defRPr>
-            </a:lvl1pPr>
-            <a:lvl2pPr marL="457200" indent="0">
-              <a:buNone/>
-              <a:defRPr sz="1800">
-                <a:solidFill>
-                  <a:schemeClr val="tx1">
-                    <a:tint val="75000"/>
-                  </a:schemeClr>
-                </a:solidFill>
-              </a:defRPr>
-            </a:lvl2pPr>
-            <a:lvl3pPr marL="914400" indent="0">
-              <a:buNone/>
-              <a:defRPr sz="1600">
-                <a:solidFill>
-                  <a:schemeClr val="tx1">
-                    <a:tint val="75000"/>
-                  </a:schemeClr>
-                </a:solidFill>
-              </a:defRPr>
-            </a:lvl3pPr>
-            <a:lvl4pPr marL="1371600" indent="0">
-              <a:buNone/>
-              <a:defRPr sz="1400">
-                <a:solidFill>
-                  <a:schemeClr val="tx1">
-                    <a:tint val="75000"/>
-                  </a:schemeClr>
-                </a:solidFill>
-              </a:defRPr>
-            </a:lvl4pPr>
-            <a:lvl5pPr marL="1828800" indent="0">
-              <a:buNone/>
-              <a:defRPr sz="1400">
-                <a:solidFill>
-                  <a:schemeClr val="tx1">
-                    <a:tint val="75000"/>
-                  </a:schemeClr>
-                </a:solidFill>
-              </a:defRPr>
-            </a:lvl5pPr>
-            <a:lvl6pPr marL="2286000" indent="0">
-              <a:buNone/>
-              <a:defRPr sz="1400">
-                <a:solidFill>
-                  <a:schemeClr val="tx1">
-                    <a:tint val="75000"/>
-                  </a:schemeClr>
-                </a:solidFill>
-              </a:defRPr>
-            </a:lvl6pPr>
-            <a:lvl7pPr marL="2743200" indent="0">
-              <a:buNone/>
-              <a:defRPr sz="1400">
-                <a:solidFill>
-                  <a:schemeClr val="tx1">
-                    <a:tint val="75000"/>
-                  </a:schemeClr>
-                </a:solidFill>
-              </a:defRPr>
-            </a:lvl7pPr>
-            <a:lvl8pPr marL="3200400" indent="0">
-              <a:buNone/>
-              <a:defRPr sz="1400">
-                <a:solidFill>
-                  <a:schemeClr val="tx1">
-                    <a:tint val="75000"/>
-                  </a:schemeClr>
-                </a:solidFill>
-              </a:defRPr>
-            </a:lvl8pPr>
-            <a:lvl9pPr marL="3657600" indent="0">
-              <a:buNone/>
-              <a:defRPr sz="1400">
-                <a:solidFill>
-                  <a:schemeClr val="tx1">
-                    <a:tint val="75000"/>
-                  </a:schemeClr>
-                </a:solidFill>
-              </a:defRPr>
-            </a:lvl9pPr>
-          </a:lstStyle>
-          <a:p>
-            <a:pPr lvl="0"/>
-            <a:r>
-              <a:rPr lang="en-US" smtClean="0"/>
-              <a:t>Click to edit Master text styles</a:t>
-            </a:r>
-          </a:p>
-        </p:txBody>
-      </p:sp>
-      <p:sp>
-        <p:nvSpPr>
-          <p:cNvPr id="4" name="Date Placeholder 3"/>
-          <p:cNvSpPr>
-            <a:spLocks noGrp="1"/>
-          </p:cNvSpPr>
-          <p:nvPr>
-            <p:ph type="dt" sz="half" idx="10"/>
-          </p:nvPr>
-        </p:nvSpPr>
-        <p:spPr/>
-        <p:txBody>
-          <a:bodyPr/>
-          <a:lstStyle/>
-          <a:p>
-            <a:fld id="{15C5615F-D1D5-4FCD-8759-99B68FE7C325}" type="datetimeFigureOut">
-              <a:rPr lang="en-US" smtClean="0"/>
-              <a:t>12/10/2017</a:t>
-            </a:fld>
-            <a:endParaRPr lang="en-US"/>
-          </a:p>
-        </p:txBody>
-      </p:sp>
-      <p:sp>
-        <p:nvSpPr>
-          <p:cNvPr id="5" name="Footer Placeholder 4"/>
-          <p:cNvSpPr>
-            <a:spLocks noGrp="1"/>
-          </p:cNvSpPr>
-          <p:nvPr>
-            <p:ph type="ftr" sz="quarter" idx="11"/>
-          </p:nvPr>
-        </p:nvSpPr>
-        <p:spPr/>
-        <p:txBody>
-          <a:bodyPr/>
-          <a:lstStyle/>
-          <a:p>
-            <a:endParaRPr lang="en-US"/>
-          </a:p>
-        </p:txBody>
-      </p:sp>
-      <p:sp>
-        <p:nvSpPr>
-          <p:cNvPr id="6" name="Slide Number Placeholder 5"/>
-          <p:cNvSpPr>
-            <a:spLocks noGrp="1"/>
-          </p:cNvSpPr>
-          <p:nvPr>
-            <p:ph type="sldNum" sz="quarter" idx="12"/>
-          </p:nvPr>
-        </p:nvSpPr>
-        <p:spPr/>
-        <p:txBody>
-          <a:bodyPr/>
-          <a:lstStyle/>
-          <a:p>
-            <a:fld id="{1BBF5D34-C2F9-436F-BF81-84F3DC08A16D}" type="slidenum">
-              <a:rPr lang="en-US" smtClean="0"/>
-              <a:t>‹#›</a:t>
-            </a:fld>
-            <a:endParaRPr lang="en-US"/>
-          </a:p>
-        </p:txBody>
-      </p:sp>
-    </p:spTree>
-    <p:extLst>
-      <p:ext uri="{BB962C8B-B14F-4D97-AF65-F5344CB8AC3E}">
-        <p14:creationId xmlns:p14="http://schemas.microsoft.com/office/powerpoint/2010/main" val="2372274044"/>
-      </p:ext>
-    </p:extLst>
-  </p:cSld>
-  <p:clrMapOvr>
-    <a:masterClrMapping/>
-  </p:clrMapOvr>
-</p:sldLayout>
-</file>
-
-<file path=ppt/slideLayouts/slideLayout15.xml><?xml version="1.0" encoding="utf-8"?>
-<p:sldLayout xmlns:a="http://schemas.openxmlformats.org/drawingml/2006/main" xmlns:r="http://schemas.openxmlformats.org/officeDocument/2006/relationships" xmlns:p="http://schemas.openxmlformats.org/presentationml/2006/main" type="vertTx" preserve="1">
-  <p:cSld name="Title and Vertical Text">
-    <p:spTree>
-      <p:nvGrpSpPr>
-        <p:cNvPr id="1" name=""/>
-        <p:cNvGrpSpPr/>
-        <p:nvPr/>
-      </p:nvGrpSpPr>
-      <p:grpSpPr>
-        <a:xfrm>
-          <a:off x="0" y="0"/>
-          <a:ext cx="0" cy="0"/>
-          <a:chOff x="0" y="0"/>
-          <a:chExt cx="0" cy="0"/>
-        </a:xfrm>
-      </p:grpSpPr>
-      <p:sp>
-        <p:nvSpPr>
-          <p:cNvPr id="2" name="Title 1"/>
-          <p:cNvSpPr>
-            <a:spLocks noGrp="1"/>
-          </p:cNvSpPr>
-          <p:nvPr>
-            <p:ph type="title"/>
-          </p:nvPr>
-        </p:nvSpPr>
-        <p:spPr/>
-        <p:txBody>
-          <a:bodyPr/>
-          <a:lstStyle/>
-          <a:p>
-            <a:r>
-              <a:rPr lang="en-US" smtClean="0"/>
-              <a:t>Click to edit Master title style</a:t>
-            </a:r>
-            <a:endParaRPr lang="en-US" dirty="0"/>
-          </a:p>
-        </p:txBody>
-      </p:sp>
-      <p:sp>
-        <p:nvSpPr>
-          <p:cNvPr id="3" name="Vertical Text Placeholder 2"/>
-          <p:cNvSpPr>
-            <a:spLocks noGrp="1"/>
-          </p:cNvSpPr>
-          <p:nvPr>
-            <p:ph type="body" orient="vert" idx="1"/>
-          </p:nvPr>
-        </p:nvSpPr>
-        <p:spPr/>
-        <p:txBody>
-          <a:bodyPr vert="eaVert"/>
-          <a:lstStyle/>
-          <a:p>
-            <a:pPr lvl="0"/>
-            <a:r>
-              <a:rPr lang="en-US" smtClean="0"/>
-              <a:t>Click to edit Master text styles</a:t>
-            </a:r>
-          </a:p>
-          <a:p>
-            <a:pPr lvl="1"/>
-            <a:r>
-              <a:rPr lang="en-US" smtClean="0"/>
-              <a:t>Second level</a:t>
-            </a:r>
-          </a:p>
-          <a:p>
-            <a:pPr lvl="2"/>
-            <a:r>
-              <a:rPr lang="en-US" smtClean="0"/>
-              <a:t>Third level</a:t>
-            </a:r>
-          </a:p>
-          <a:p>
-            <a:pPr lvl="3"/>
-            <a:r>
-              <a:rPr lang="en-US" smtClean="0"/>
-              <a:t>Fourth level</a:t>
-            </a:r>
-          </a:p>
-          <a:p>
-            <a:pPr lvl="4"/>
-            <a:r>
-              <a:rPr lang="en-US" smtClean="0"/>
-              <a:t>Fifth level</a:t>
-            </a:r>
-            <a:endParaRPr lang="en-US" dirty="0"/>
-          </a:p>
-        </p:txBody>
-      </p:sp>
-      <p:sp>
-        <p:nvSpPr>
-          <p:cNvPr id="4" name="Date Placeholder 3"/>
-          <p:cNvSpPr>
-            <a:spLocks noGrp="1"/>
-          </p:cNvSpPr>
-          <p:nvPr>
-            <p:ph type="dt" sz="half" idx="10"/>
-          </p:nvPr>
-        </p:nvSpPr>
-        <p:spPr/>
-        <p:txBody>
-          <a:bodyPr/>
-          <a:lstStyle/>
-          <a:p>
-            <a:fld id="{15C5615F-D1D5-4FCD-8759-99B68FE7C325}" type="datetimeFigureOut">
-              <a:rPr lang="en-US" smtClean="0"/>
-              <a:t>12/10/2017</a:t>
-            </a:fld>
-            <a:endParaRPr lang="en-US"/>
-          </a:p>
-        </p:txBody>
-      </p:sp>
-      <p:sp>
-        <p:nvSpPr>
-          <p:cNvPr id="5" name="Footer Placeholder 4"/>
-          <p:cNvSpPr>
-            <a:spLocks noGrp="1"/>
-          </p:cNvSpPr>
-          <p:nvPr>
-            <p:ph type="ftr" sz="quarter" idx="11"/>
-          </p:nvPr>
-        </p:nvSpPr>
-        <p:spPr/>
-        <p:txBody>
-          <a:bodyPr/>
-          <a:lstStyle/>
-          <a:p>
-            <a:endParaRPr lang="en-US"/>
-          </a:p>
-        </p:txBody>
-      </p:sp>
-      <p:sp>
-        <p:nvSpPr>
-          <p:cNvPr id="6" name="Slide Number Placeholder 5"/>
-          <p:cNvSpPr>
-            <a:spLocks noGrp="1"/>
-          </p:cNvSpPr>
-          <p:nvPr>
-            <p:ph type="sldNum" sz="quarter" idx="12"/>
-          </p:nvPr>
-        </p:nvSpPr>
-        <p:spPr/>
-        <p:txBody>
-          <a:bodyPr/>
-          <a:lstStyle/>
-          <a:p>
-            <a:fld id="{1BBF5D34-C2F9-436F-BF81-84F3DC08A16D}" type="slidenum">
-              <a:rPr lang="en-US" smtClean="0"/>
-              <a:t>‹#›</a:t>
-            </a:fld>
-            <a:endParaRPr lang="en-US"/>
-          </a:p>
-        </p:txBody>
-      </p:sp>
-    </p:spTree>
-    <p:extLst>
-      <p:ext uri="{BB962C8B-B14F-4D97-AF65-F5344CB8AC3E}">
-        <p14:creationId xmlns:p14="http://schemas.microsoft.com/office/powerpoint/2010/main" val="4021735769"/>
-      </p:ext>
-    </p:extLst>
-  </p:cSld>
-  <p:clrMapOvr>
-    <a:masterClrMapping/>
-  </p:clrMapOvr>
-</p:sldLayout>
-</file>
-
-<file path=ppt/slideLayouts/slideLayout16.xml><?xml version="1.0" encoding="utf-8"?>
-<p:sldLayout xmlns:a="http://schemas.openxmlformats.org/drawingml/2006/main" xmlns:r="http://schemas.openxmlformats.org/officeDocument/2006/relationships" xmlns:p="http://schemas.openxmlformats.org/presentationml/2006/main" type="vertTitleAndTx" preserve="1">
-  <p:cSld name="Vertical Title and Text">
-    <p:spTree>
-      <p:nvGrpSpPr>
-        <p:cNvPr id="1" name=""/>
-        <p:cNvGrpSpPr/>
-        <p:nvPr/>
-      </p:nvGrpSpPr>
-      <p:grpSpPr>
-        <a:xfrm>
-          <a:off x="0" y="0"/>
-          <a:ext cx="0" cy="0"/>
-          <a:chOff x="0" y="0"/>
-          <a:chExt cx="0" cy="0"/>
-        </a:xfrm>
-      </p:grpSpPr>
-      <p:sp>
-        <p:nvSpPr>
-          <p:cNvPr id="2" name="Vertical Title 1"/>
-          <p:cNvSpPr>
-            <a:spLocks noGrp="1"/>
-          </p:cNvSpPr>
-          <p:nvPr>
-            <p:ph type="title" orient="vert"/>
-          </p:nvPr>
-        </p:nvSpPr>
-        <p:spPr>
-          <a:xfrm>
-            <a:off x="7967673" y="609599"/>
-            <a:ext cx="1304743" cy="5251451"/>
-          </a:xfrm>
-        </p:spPr>
-        <p:txBody>
-          <a:bodyPr vert="eaVert" anchor="ctr"/>
-          <a:lstStyle/>
-          <a:p>
-            <a:r>
-              <a:rPr lang="en-US" smtClean="0"/>
-              <a:t>Click to edit Master title style</a:t>
-            </a:r>
-            <a:endParaRPr lang="en-US" dirty="0"/>
-          </a:p>
-        </p:txBody>
-      </p:sp>
-      <p:sp>
-        <p:nvSpPr>
-          <p:cNvPr id="3" name="Vertical Text Placeholder 2"/>
-          <p:cNvSpPr>
-            <a:spLocks noGrp="1"/>
-          </p:cNvSpPr>
-          <p:nvPr>
-            <p:ph type="body" orient="vert" idx="1"/>
-          </p:nvPr>
-        </p:nvSpPr>
-        <p:spPr>
-          <a:xfrm>
-            <a:off x="677335" y="609600"/>
-            <a:ext cx="7060150" cy="5251450"/>
-          </a:xfrm>
-        </p:spPr>
-        <p:txBody>
-          <a:bodyPr vert="eaVert"/>
-          <a:lstStyle/>
-          <a:p>
-            <a:pPr lvl="0"/>
-            <a:r>
-              <a:rPr lang="en-US" smtClean="0"/>
-              <a:t>Click to edit Master text styles</a:t>
-            </a:r>
-          </a:p>
-          <a:p>
-            <a:pPr lvl="1"/>
-            <a:r>
-              <a:rPr lang="en-US" smtClean="0"/>
-              <a:t>Second level</a:t>
-            </a:r>
-          </a:p>
-          <a:p>
-            <a:pPr lvl="2"/>
-            <a:r>
-              <a:rPr lang="en-US" smtClean="0"/>
-              <a:t>Third level</a:t>
-            </a:r>
-          </a:p>
-          <a:p>
-            <a:pPr lvl="3"/>
-            <a:r>
-              <a:rPr lang="en-US" smtClean="0"/>
-              <a:t>Fourth level</a:t>
-            </a:r>
-          </a:p>
-          <a:p>
-            <a:pPr lvl="4"/>
-            <a:r>
-              <a:rPr lang="en-US" smtClean="0"/>
-              <a:t>Fifth level</a:t>
-            </a:r>
-            <a:endParaRPr lang="en-US" dirty="0"/>
-          </a:p>
-        </p:txBody>
-      </p:sp>
-      <p:sp>
-        <p:nvSpPr>
-          <p:cNvPr id="4" name="Date Placeholder 3"/>
-          <p:cNvSpPr>
-            <a:spLocks noGrp="1"/>
-          </p:cNvSpPr>
-          <p:nvPr>
-            <p:ph type="dt" sz="half" idx="10"/>
-          </p:nvPr>
-        </p:nvSpPr>
-        <p:spPr/>
-        <p:txBody>
-          <a:bodyPr/>
-          <a:lstStyle/>
-          <a:p>
-            <a:fld id="{15C5615F-D1D5-4FCD-8759-99B68FE7C325}" type="datetimeFigureOut">
-              <a:rPr lang="en-US" smtClean="0"/>
-              <a:t>12/10/2017</a:t>
-            </a:fld>
-            <a:endParaRPr lang="en-US"/>
-          </a:p>
-        </p:txBody>
-      </p:sp>
-      <p:sp>
-        <p:nvSpPr>
-          <p:cNvPr id="5" name="Footer Placeholder 4"/>
-          <p:cNvSpPr>
-            <a:spLocks noGrp="1"/>
-          </p:cNvSpPr>
-          <p:nvPr>
-            <p:ph type="ftr" sz="quarter" idx="11"/>
-          </p:nvPr>
-        </p:nvSpPr>
-        <p:spPr/>
-        <p:txBody>
-          <a:bodyPr/>
-          <a:lstStyle/>
-          <a:p>
-            <a:endParaRPr lang="en-US"/>
-          </a:p>
-        </p:txBody>
-      </p:sp>
-      <p:sp>
-        <p:nvSpPr>
-          <p:cNvPr id="6" name="Slide Number Placeholder 5"/>
-          <p:cNvSpPr>
-            <a:spLocks noGrp="1"/>
-          </p:cNvSpPr>
-          <p:nvPr>
-            <p:ph type="sldNum" sz="quarter" idx="12"/>
-          </p:nvPr>
-        </p:nvSpPr>
-        <p:spPr/>
-        <p:txBody>
-          <a:bodyPr/>
-          <a:lstStyle/>
-          <a:p>
-            <a:fld id="{1BBF5D34-C2F9-436F-BF81-84F3DC08A16D}" type="slidenum">
-              <a:rPr lang="en-US" smtClean="0"/>
-              <a:t>‹#›</a:t>
-            </a:fld>
-            <a:endParaRPr lang="en-US"/>
-          </a:p>
-        </p:txBody>
-      </p:sp>
-    </p:spTree>
-    <p:extLst>
-      <p:ext uri="{BB962C8B-B14F-4D97-AF65-F5344CB8AC3E}">
-        <p14:creationId xmlns:p14="http://schemas.microsoft.com/office/powerpoint/2010/main" val="3995346869"/>
-      </p:ext>
-    </p:extLst>
-  </p:cSld>
-  <p:clrMapOvr>
-    <a:masterClrMapping/>
-  </p:clrMapOvr>
+  <p:timing>
+    <p:tnLst>
+      <p:par>
+        <p:cTn id="1" dur="indefinite" restart="never" nodeType="tmRoot"/>
+      </p:par>
+    </p:tnLst>
+  </p:timing>
 </p:sldLayout>
 </file>
 
 <file path=ppt/slideLayouts/slideLayout2.xml><?xml version="1.0" encoding="utf-8"?>
 <p:sldLayout xmlns:a="http://schemas.openxmlformats.org/drawingml/2006/main" xmlns:r="http://schemas.openxmlformats.org/officeDocument/2006/relationships" xmlns:p="http://schemas.openxmlformats.org/presentationml/2006/main" type="obj" preserve="1">
-  <p:cSld name="Title and Content">
+  <p:cSld name="numb">
     <p:spTree>
       <p:nvGrpSpPr>
         <p:cNvPr id="1" name=""/>
@@ -2973,7 +1553,7 @@
           <a:bodyPr/>
           <a:lstStyle/>
           <a:p>
-            <a:fld id="{15C5615F-D1D5-4FCD-8759-99B68FE7C325}" type="datetimeFigureOut">
+            <a:fld id="{5E81F514-CF3F-40A9-AA57-475D9E4558A0}" type="datetime1">
               <a:rPr lang="en-US" smtClean="0"/>
               <a:t>12/10/2017</a:t>
             </a:fld>
@@ -3010,16 +1590,26 @@
             <p:ph type="sldNum" sz="quarter" idx="12"/>
           </p:nvPr>
         </p:nvSpPr>
-        <p:spPr/>
+        <p:spPr>
+          <a:xfrm>
+            <a:off x="10440537" y="5786651"/>
+            <a:ext cx="1610435" cy="775647"/>
+          </a:xfrm>
+        </p:spPr>
         <p:txBody>
           <a:bodyPr/>
           <a:lstStyle/>
           <a:p>
             <a:fld id="{1BBF5D34-C2F9-436F-BF81-84F3DC08A16D}" type="slidenum">
               <a:rPr lang="en-US" smtClean="0"/>
+              <a:pPr/>
               <a:t>‹#›</a:t>
             </a:fld>
-            <a:endParaRPr lang="en-US"/>
+            <a:r>
+              <a:rPr lang="en-US" dirty="0" smtClean="0"/>
+              <a:t>/8</a:t>
+            </a:r>
+            <a:endParaRPr lang="en-US" dirty="0"/>
           </a:p>
         </p:txBody>
       </p:sp>
@@ -3033,1595 +1623,13 @@
   <p:clrMapOvr>
     <a:masterClrMapping/>
   </p:clrMapOvr>
-</p:sldLayout>
-</file>
-
-<file path=ppt/slideLayouts/slideLayout3.xml><?xml version="1.0" encoding="utf-8"?>
-<p:sldLayout xmlns:a="http://schemas.openxmlformats.org/drawingml/2006/main" xmlns:r="http://schemas.openxmlformats.org/officeDocument/2006/relationships" xmlns:p="http://schemas.openxmlformats.org/presentationml/2006/main" type="secHead" preserve="1">
-  <p:cSld name="Section Header">
-    <p:spTree>
-      <p:nvGrpSpPr>
-        <p:cNvPr id="1" name=""/>
-        <p:cNvGrpSpPr/>
-        <p:nvPr/>
-      </p:nvGrpSpPr>
-      <p:grpSpPr>
-        <a:xfrm>
-          <a:off x="0" y="0"/>
-          <a:ext cx="0" cy="0"/>
-          <a:chOff x="0" y="0"/>
-          <a:chExt cx="0" cy="0"/>
-        </a:xfrm>
-      </p:grpSpPr>
-      <p:sp>
-        <p:nvSpPr>
-          <p:cNvPr id="2" name="Title 1"/>
-          <p:cNvSpPr>
-            <a:spLocks noGrp="1"/>
-          </p:cNvSpPr>
-          <p:nvPr>
-            <p:ph type="title"/>
-          </p:nvPr>
-        </p:nvSpPr>
-        <p:spPr>
-          <a:xfrm>
-            <a:off x="677335" y="2700867"/>
-            <a:ext cx="8596668" cy="1826581"/>
-          </a:xfrm>
-        </p:spPr>
-        <p:txBody>
-          <a:bodyPr anchor="b"/>
-          <a:lstStyle>
-            <a:lvl1pPr algn="l">
-              <a:defRPr sz="4000" b="0" cap="none"/>
-            </a:lvl1pPr>
-          </a:lstStyle>
-          <a:p>
-            <a:r>
-              <a:rPr lang="en-US" smtClean="0"/>
-              <a:t>Click to edit Master title style</a:t>
-            </a:r>
-            <a:endParaRPr lang="en-US" dirty="0"/>
-          </a:p>
-        </p:txBody>
-      </p:sp>
-      <p:sp>
-        <p:nvSpPr>
-          <p:cNvPr id="3" name="Text Placeholder 2"/>
-          <p:cNvSpPr>
-            <a:spLocks noGrp="1"/>
-          </p:cNvSpPr>
-          <p:nvPr>
-            <p:ph type="body" idx="1"/>
-          </p:nvPr>
-        </p:nvSpPr>
-        <p:spPr>
-          <a:xfrm>
-            <a:off x="677335" y="4527448"/>
-            <a:ext cx="8596668" cy="860400"/>
-          </a:xfrm>
-        </p:spPr>
-        <p:txBody>
-          <a:bodyPr anchor="t"/>
-          <a:lstStyle>
-            <a:lvl1pPr marL="0" indent="0" algn="l">
-              <a:buNone/>
-              <a:defRPr sz="2000">
-                <a:solidFill>
-                  <a:schemeClr val="tx1">
-                    <a:lumMod val="50000"/>
-                    <a:lumOff val="50000"/>
-                  </a:schemeClr>
-                </a:solidFill>
-              </a:defRPr>
-            </a:lvl1pPr>
-            <a:lvl2pPr marL="457200" indent="0">
-              <a:buNone/>
-              <a:defRPr sz="1800">
-                <a:solidFill>
-                  <a:schemeClr val="tx1">
-                    <a:tint val="75000"/>
-                  </a:schemeClr>
-                </a:solidFill>
-              </a:defRPr>
-            </a:lvl2pPr>
-            <a:lvl3pPr marL="914400" indent="0">
-              <a:buNone/>
-              <a:defRPr sz="1600">
-                <a:solidFill>
-                  <a:schemeClr val="tx1">
-                    <a:tint val="75000"/>
-                  </a:schemeClr>
-                </a:solidFill>
-              </a:defRPr>
-            </a:lvl3pPr>
-            <a:lvl4pPr marL="1371600" indent="0">
-              <a:buNone/>
-              <a:defRPr sz="1400">
-                <a:solidFill>
-                  <a:schemeClr val="tx1">
-                    <a:tint val="75000"/>
-                  </a:schemeClr>
-                </a:solidFill>
-              </a:defRPr>
-            </a:lvl4pPr>
-            <a:lvl5pPr marL="1828800" indent="0">
-              <a:buNone/>
-              <a:defRPr sz="1400">
-                <a:solidFill>
-                  <a:schemeClr val="tx1">
-                    <a:tint val="75000"/>
-                  </a:schemeClr>
-                </a:solidFill>
-              </a:defRPr>
-            </a:lvl5pPr>
-            <a:lvl6pPr marL="2286000" indent="0">
-              <a:buNone/>
-              <a:defRPr sz="1400">
-                <a:solidFill>
-                  <a:schemeClr val="tx1">
-                    <a:tint val="75000"/>
-                  </a:schemeClr>
-                </a:solidFill>
-              </a:defRPr>
-            </a:lvl6pPr>
-            <a:lvl7pPr marL="2743200" indent="0">
-              <a:buNone/>
-              <a:defRPr sz="1400">
-                <a:solidFill>
-                  <a:schemeClr val="tx1">
-                    <a:tint val="75000"/>
-                  </a:schemeClr>
-                </a:solidFill>
-              </a:defRPr>
-            </a:lvl7pPr>
-            <a:lvl8pPr marL="3200400" indent="0">
-              <a:buNone/>
-              <a:defRPr sz="1400">
-                <a:solidFill>
-                  <a:schemeClr val="tx1">
-                    <a:tint val="75000"/>
-                  </a:schemeClr>
-                </a:solidFill>
-              </a:defRPr>
-            </a:lvl8pPr>
-            <a:lvl9pPr marL="3657600" indent="0">
-              <a:buNone/>
-              <a:defRPr sz="1400">
-                <a:solidFill>
-                  <a:schemeClr val="tx1">
-                    <a:tint val="75000"/>
-                  </a:schemeClr>
-                </a:solidFill>
-              </a:defRPr>
-            </a:lvl9pPr>
-          </a:lstStyle>
-          <a:p>
-            <a:pPr lvl="0"/>
-            <a:r>
-              <a:rPr lang="en-US" smtClean="0"/>
-              <a:t>Click to edit Master text styles</a:t>
-            </a:r>
-          </a:p>
-        </p:txBody>
-      </p:sp>
-      <p:sp>
-        <p:nvSpPr>
-          <p:cNvPr id="4" name="Date Placeholder 3"/>
-          <p:cNvSpPr>
-            <a:spLocks noGrp="1"/>
-          </p:cNvSpPr>
-          <p:nvPr>
-            <p:ph type="dt" sz="half" idx="10"/>
-          </p:nvPr>
-        </p:nvSpPr>
-        <p:spPr/>
-        <p:txBody>
-          <a:bodyPr/>
-          <a:lstStyle/>
-          <a:p>
-            <a:fld id="{15C5615F-D1D5-4FCD-8759-99B68FE7C325}" type="datetimeFigureOut">
-              <a:rPr lang="en-US" smtClean="0"/>
-              <a:t>12/10/2017</a:t>
-            </a:fld>
-            <a:endParaRPr lang="en-US"/>
-          </a:p>
-        </p:txBody>
-      </p:sp>
-      <p:sp>
-        <p:nvSpPr>
-          <p:cNvPr id="5" name="Footer Placeholder 4"/>
-          <p:cNvSpPr>
-            <a:spLocks noGrp="1"/>
-          </p:cNvSpPr>
-          <p:nvPr>
-            <p:ph type="ftr" sz="quarter" idx="11"/>
-          </p:nvPr>
-        </p:nvSpPr>
-        <p:spPr/>
-        <p:txBody>
-          <a:bodyPr/>
-          <a:lstStyle/>
-          <a:p>
-            <a:endParaRPr lang="en-US"/>
-          </a:p>
-        </p:txBody>
-      </p:sp>
-      <p:sp>
-        <p:nvSpPr>
-          <p:cNvPr id="6" name="Slide Number Placeholder 5"/>
-          <p:cNvSpPr>
-            <a:spLocks noGrp="1"/>
-          </p:cNvSpPr>
-          <p:nvPr>
-            <p:ph type="sldNum" sz="quarter" idx="12"/>
-          </p:nvPr>
-        </p:nvSpPr>
-        <p:spPr/>
-        <p:txBody>
-          <a:bodyPr/>
-          <a:lstStyle/>
-          <a:p>
-            <a:fld id="{1BBF5D34-C2F9-436F-BF81-84F3DC08A16D}" type="slidenum">
-              <a:rPr lang="en-US" smtClean="0"/>
-              <a:t>‹#›</a:t>
-            </a:fld>
-            <a:endParaRPr lang="en-US"/>
-          </a:p>
-        </p:txBody>
-      </p:sp>
-    </p:spTree>
-    <p:extLst>
-      <p:ext uri="{BB962C8B-B14F-4D97-AF65-F5344CB8AC3E}">
-        <p14:creationId xmlns:p14="http://schemas.microsoft.com/office/powerpoint/2010/main" val="3728766615"/>
-      </p:ext>
-    </p:extLst>
-  </p:cSld>
-  <p:clrMapOvr>
-    <a:masterClrMapping/>
-  </p:clrMapOvr>
-</p:sldLayout>
-</file>
-
-<file path=ppt/slideLayouts/slideLayout4.xml><?xml version="1.0" encoding="utf-8"?>
-<p:sldLayout xmlns:a="http://schemas.openxmlformats.org/drawingml/2006/main" xmlns:r="http://schemas.openxmlformats.org/officeDocument/2006/relationships" xmlns:p="http://schemas.openxmlformats.org/presentationml/2006/main" type="twoObj" preserve="1">
-  <p:cSld name="Two Content">
-    <p:spTree>
-      <p:nvGrpSpPr>
-        <p:cNvPr id="1" name=""/>
-        <p:cNvGrpSpPr/>
-        <p:nvPr/>
-      </p:nvGrpSpPr>
-      <p:grpSpPr>
-        <a:xfrm>
-          <a:off x="0" y="0"/>
-          <a:ext cx="0" cy="0"/>
-          <a:chOff x="0" y="0"/>
-          <a:chExt cx="0" cy="0"/>
-        </a:xfrm>
-      </p:grpSpPr>
-      <p:sp>
-        <p:nvSpPr>
-          <p:cNvPr id="2" name="Title 1"/>
-          <p:cNvSpPr>
-            <a:spLocks noGrp="1"/>
-          </p:cNvSpPr>
-          <p:nvPr>
-            <p:ph type="title"/>
-          </p:nvPr>
-        </p:nvSpPr>
-        <p:spPr/>
-        <p:txBody>
-          <a:bodyPr/>
-          <a:lstStyle/>
-          <a:p>
-            <a:r>
-              <a:rPr lang="en-US" smtClean="0"/>
-              <a:t>Click to edit Master title style</a:t>
-            </a:r>
-            <a:endParaRPr lang="en-US" dirty="0"/>
-          </a:p>
-        </p:txBody>
-      </p:sp>
-      <p:sp>
-        <p:nvSpPr>
-          <p:cNvPr id="3" name="Content Placeholder 2"/>
-          <p:cNvSpPr>
-            <a:spLocks noGrp="1"/>
-          </p:cNvSpPr>
-          <p:nvPr>
-            <p:ph sz="half" idx="1"/>
-          </p:nvPr>
-        </p:nvSpPr>
-        <p:spPr>
-          <a:xfrm>
-            <a:off x="677334" y="2160589"/>
-            <a:ext cx="4184035" cy="3880772"/>
-          </a:xfrm>
-        </p:spPr>
-        <p:txBody>
-          <a:bodyPr/>
-          <a:lstStyle/>
-          <a:p>
-            <a:pPr lvl="0"/>
-            <a:r>
-              <a:rPr lang="en-US" smtClean="0"/>
-              <a:t>Click to edit Master text styles</a:t>
-            </a:r>
-          </a:p>
-          <a:p>
-            <a:pPr lvl="1"/>
-            <a:r>
-              <a:rPr lang="en-US" smtClean="0"/>
-              <a:t>Second level</a:t>
-            </a:r>
-          </a:p>
-          <a:p>
-            <a:pPr lvl="2"/>
-            <a:r>
-              <a:rPr lang="en-US" smtClean="0"/>
-              <a:t>Third level</a:t>
-            </a:r>
-          </a:p>
-          <a:p>
-            <a:pPr lvl="3"/>
-            <a:r>
-              <a:rPr lang="en-US" smtClean="0"/>
-              <a:t>Fourth level</a:t>
-            </a:r>
-          </a:p>
-          <a:p>
-            <a:pPr lvl="4"/>
-            <a:r>
-              <a:rPr lang="en-US" smtClean="0"/>
-              <a:t>Fifth level</a:t>
-            </a:r>
-            <a:endParaRPr lang="en-US" dirty="0"/>
-          </a:p>
-        </p:txBody>
-      </p:sp>
-      <p:sp>
-        <p:nvSpPr>
-          <p:cNvPr id="4" name="Content Placeholder 3"/>
-          <p:cNvSpPr>
-            <a:spLocks noGrp="1"/>
-          </p:cNvSpPr>
-          <p:nvPr>
-            <p:ph sz="half" idx="2"/>
-          </p:nvPr>
-        </p:nvSpPr>
-        <p:spPr>
-          <a:xfrm>
-            <a:off x="5089970" y="2160589"/>
-            <a:ext cx="4184034" cy="3880773"/>
-          </a:xfrm>
-        </p:spPr>
-        <p:txBody>
-          <a:bodyPr/>
-          <a:lstStyle/>
-          <a:p>
-            <a:pPr lvl="0"/>
-            <a:r>
-              <a:rPr lang="en-US" smtClean="0"/>
-              <a:t>Click to edit Master text styles</a:t>
-            </a:r>
-          </a:p>
-          <a:p>
-            <a:pPr lvl="1"/>
-            <a:r>
-              <a:rPr lang="en-US" smtClean="0"/>
-              <a:t>Second level</a:t>
-            </a:r>
-          </a:p>
-          <a:p>
-            <a:pPr lvl="2"/>
-            <a:r>
-              <a:rPr lang="en-US" smtClean="0"/>
-              <a:t>Third level</a:t>
-            </a:r>
-          </a:p>
-          <a:p>
-            <a:pPr lvl="3"/>
-            <a:r>
-              <a:rPr lang="en-US" smtClean="0"/>
-              <a:t>Fourth level</a:t>
-            </a:r>
-          </a:p>
-          <a:p>
-            <a:pPr lvl="4"/>
-            <a:r>
-              <a:rPr lang="en-US" smtClean="0"/>
-              <a:t>Fifth level</a:t>
-            </a:r>
-            <a:endParaRPr lang="en-US" dirty="0"/>
-          </a:p>
-        </p:txBody>
-      </p:sp>
-      <p:sp>
-        <p:nvSpPr>
-          <p:cNvPr id="5" name="Date Placeholder 4"/>
-          <p:cNvSpPr>
-            <a:spLocks noGrp="1"/>
-          </p:cNvSpPr>
-          <p:nvPr>
-            <p:ph type="dt" sz="half" idx="10"/>
-          </p:nvPr>
-        </p:nvSpPr>
-        <p:spPr/>
-        <p:txBody>
-          <a:bodyPr/>
-          <a:lstStyle/>
-          <a:p>
-            <a:fld id="{15C5615F-D1D5-4FCD-8759-99B68FE7C325}" type="datetimeFigureOut">
-              <a:rPr lang="en-US" smtClean="0"/>
-              <a:t>12/10/2017</a:t>
-            </a:fld>
-            <a:endParaRPr lang="en-US"/>
-          </a:p>
-        </p:txBody>
-      </p:sp>
-      <p:sp>
-        <p:nvSpPr>
-          <p:cNvPr id="6" name="Footer Placeholder 5"/>
-          <p:cNvSpPr>
-            <a:spLocks noGrp="1"/>
-          </p:cNvSpPr>
-          <p:nvPr>
-            <p:ph type="ftr" sz="quarter" idx="11"/>
-          </p:nvPr>
-        </p:nvSpPr>
-        <p:spPr/>
-        <p:txBody>
-          <a:bodyPr/>
-          <a:lstStyle/>
-          <a:p>
-            <a:endParaRPr lang="en-US"/>
-          </a:p>
-        </p:txBody>
-      </p:sp>
-      <p:sp>
-        <p:nvSpPr>
-          <p:cNvPr id="7" name="Slide Number Placeholder 6"/>
-          <p:cNvSpPr>
-            <a:spLocks noGrp="1"/>
-          </p:cNvSpPr>
-          <p:nvPr>
-            <p:ph type="sldNum" sz="quarter" idx="12"/>
-          </p:nvPr>
-        </p:nvSpPr>
-        <p:spPr/>
-        <p:txBody>
-          <a:bodyPr/>
-          <a:lstStyle/>
-          <a:p>
-            <a:fld id="{1BBF5D34-C2F9-436F-BF81-84F3DC08A16D}" type="slidenum">
-              <a:rPr lang="en-US" smtClean="0"/>
-              <a:t>‹#›</a:t>
-            </a:fld>
-            <a:endParaRPr lang="en-US"/>
-          </a:p>
-        </p:txBody>
-      </p:sp>
-    </p:spTree>
-    <p:extLst>
-      <p:ext uri="{BB962C8B-B14F-4D97-AF65-F5344CB8AC3E}">
-        <p14:creationId xmlns:p14="http://schemas.microsoft.com/office/powerpoint/2010/main" val="2210067065"/>
-      </p:ext>
-    </p:extLst>
-  </p:cSld>
-  <p:clrMapOvr>
-    <a:masterClrMapping/>
-  </p:clrMapOvr>
-</p:sldLayout>
-</file>
-
-<file path=ppt/slideLayouts/slideLayout5.xml><?xml version="1.0" encoding="utf-8"?>
-<p:sldLayout xmlns:a="http://schemas.openxmlformats.org/drawingml/2006/main" xmlns:r="http://schemas.openxmlformats.org/officeDocument/2006/relationships" xmlns:p="http://schemas.openxmlformats.org/presentationml/2006/main" type="twoTxTwoObj" preserve="1">
-  <p:cSld name="Comparison">
-    <p:spTree>
-      <p:nvGrpSpPr>
-        <p:cNvPr id="1" name=""/>
-        <p:cNvGrpSpPr/>
-        <p:nvPr/>
-      </p:nvGrpSpPr>
-      <p:grpSpPr>
-        <a:xfrm>
-          <a:off x="0" y="0"/>
-          <a:ext cx="0" cy="0"/>
-          <a:chOff x="0" y="0"/>
-          <a:chExt cx="0" cy="0"/>
-        </a:xfrm>
-      </p:grpSpPr>
-      <p:sp>
-        <p:nvSpPr>
-          <p:cNvPr id="2" name="Title 1"/>
-          <p:cNvSpPr>
-            <a:spLocks noGrp="1"/>
-          </p:cNvSpPr>
-          <p:nvPr>
-            <p:ph type="title"/>
-          </p:nvPr>
-        </p:nvSpPr>
-        <p:spPr/>
-        <p:txBody>
-          <a:bodyPr/>
-          <a:lstStyle>
-            <a:lvl1pPr>
-              <a:defRPr/>
-            </a:lvl1pPr>
-          </a:lstStyle>
-          <a:p>
-            <a:r>
-              <a:rPr lang="en-US" smtClean="0"/>
-              <a:t>Click to edit Master title style</a:t>
-            </a:r>
-            <a:endParaRPr lang="en-US" dirty="0"/>
-          </a:p>
-        </p:txBody>
-      </p:sp>
-      <p:sp>
-        <p:nvSpPr>
-          <p:cNvPr id="3" name="Text Placeholder 2"/>
-          <p:cNvSpPr>
-            <a:spLocks noGrp="1"/>
-          </p:cNvSpPr>
-          <p:nvPr>
-            <p:ph type="body" idx="1"/>
-          </p:nvPr>
-        </p:nvSpPr>
-        <p:spPr>
-          <a:xfrm>
-            <a:off x="675745" y="2160983"/>
-            <a:ext cx="4185623" cy="576262"/>
-          </a:xfrm>
-        </p:spPr>
-        <p:txBody>
-          <a:bodyPr anchor="b">
-            <a:noAutofit/>
-          </a:bodyPr>
-          <a:lstStyle>
-            <a:lvl1pPr marL="0" indent="0">
-              <a:buNone/>
-              <a:defRPr sz="2400" b="0"/>
-            </a:lvl1pPr>
-            <a:lvl2pPr marL="457200" indent="0">
-              <a:buNone/>
-              <a:defRPr sz="2000" b="1"/>
-            </a:lvl2pPr>
-            <a:lvl3pPr marL="914400" indent="0">
-              <a:buNone/>
-              <a:defRPr sz="1800" b="1"/>
-            </a:lvl3pPr>
-            <a:lvl4pPr marL="1371600" indent="0">
-              <a:buNone/>
-              <a:defRPr sz="1600" b="1"/>
-            </a:lvl4pPr>
-            <a:lvl5pPr marL="1828800" indent="0">
-              <a:buNone/>
-              <a:defRPr sz="1600" b="1"/>
-            </a:lvl5pPr>
-            <a:lvl6pPr marL="2286000" indent="0">
-              <a:buNone/>
-              <a:defRPr sz="1600" b="1"/>
-            </a:lvl6pPr>
-            <a:lvl7pPr marL="2743200" indent="0">
-              <a:buNone/>
-              <a:defRPr sz="1600" b="1"/>
-            </a:lvl7pPr>
-            <a:lvl8pPr marL="3200400" indent="0">
-              <a:buNone/>
-              <a:defRPr sz="1600" b="1"/>
-            </a:lvl8pPr>
-            <a:lvl9pPr marL="3657600" indent="0">
-              <a:buNone/>
-              <a:defRPr sz="1600" b="1"/>
-            </a:lvl9pPr>
-          </a:lstStyle>
-          <a:p>
-            <a:pPr lvl="0"/>
-            <a:r>
-              <a:rPr lang="en-US" smtClean="0"/>
-              <a:t>Click to edit Master text styles</a:t>
-            </a:r>
-          </a:p>
-        </p:txBody>
-      </p:sp>
-      <p:sp>
-        <p:nvSpPr>
-          <p:cNvPr id="4" name="Content Placeholder 3"/>
-          <p:cNvSpPr>
-            <a:spLocks noGrp="1"/>
-          </p:cNvSpPr>
-          <p:nvPr>
-            <p:ph sz="half" idx="2"/>
-          </p:nvPr>
-        </p:nvSpPr>
-        <p:spPr>
-          <a:xfrm>
-            <a:off x="675745" y="2737245"/>
-            <a:ext cx="4185623" cy="3304117"/>
-          </a:xfrm>
-        </p:spPr>
-        <p:txBody>
-          <a:bodyPr>
-            <a:normAutofit/>
-          </a:bodyPr>
-          <a:lstStyle/>
-          <a:p>
-            <a:pPr lvl="0"/>
-            <a:r>
-              <a:rPr lang="en-US" smtClean="0"/>
-              <a:t>Click to edit Master text styles</a:t>
-            </a:r>
-          </a:p>
-          <a:p>
-            <a:pPr lvl="1"/>
-            <a:r>
-              <a:rPr lang="en-US" smtClean="0"/>
-              <a:t>Second level</a:t>
-            </a:r>
-          </a:p>
-          <a:p>
-            <a:pPr lvl="2"/>
-            <a:r>
-              <a:rPr lang="en-US" smtClean="0"/>
-              <a:t>Third level</a:t>
-            </a:r>
-          </a:p>
-          <a:p>
-            <a:pPr lvl="3"/>
-            <a:r>
-              <a:rPr lang="en-US" smtClean="0"/>
-              <a:t>Fourth level</a:t>
-            </a:r>
-          </a:p>
-          <a:p>
-            <a:pPr lvl="4"/>
-            <a:r>
-              <a:rPr lang="en-US" smtClean="0"/>
-              <a:t>Fifth level</a:t>
-            </a:r>
-            <a:endParaRPr lang="en-US" dirty="0"/>
-          </a:p>
-        </p:txBody>
-      </p:sp>
-      <p:sp>
-        <p:nvSpPr>
-          <p:cNvPr id="5" name="Text Placeholder 4"/>
-          <p:cNvSpPr>
-            <a:spLocks noGrp="1"/>
-          </p:cNvSpPr>
-          <p:nvPr>
-            <p:ph type="body" sz="quarter" idx="3"/>
-          </p:nvPr>
-        </p:nvSpPr>
-        <p:spPr>
-          <a:xfrm>
-            <a:off x="5088383" y="2160983"/>
-            <a:ext cx="4185618" cy="576262"/>
-          </a:xfrm>
-        </p:spPr>
-        <p:txBody>
-          <a:bodyPr anchor="b">
-            <a:noAutofit/>
-          </a:bodyPr>
-          <a:lstStyle>
-            <a:lvl1pPr marL="0" indent="0">
-              <a:buNone/>
-              <a:defRPr sz="2400" b="0"/>
-            </a:lvl1pPr>
-            <a:lvl2pPr marL="457200" indent="0">
-              <a:buNone/>
-              <a:defRPr sz="2000" b="1"/>
-            </a:lvl2pPr>
-            <a:lvl3pPr marL="914400" indent="0">
-              <a:buNone/>
-              <a:defRPr sz="1800" b="1"/>
-            </a:lvl3pPr>
-            <a:lvl4pPr marL="1371600" indent="0">
-              <a:buNone/>
-              <a:defRPr sz="1600" b="1"/>
-            </a:lvl4pPr>
-            <a:lvl5pPr marL="1828800" indent="0">
-              <a:buNone/>
-              <a:defRPr sz="1600" b="1"/>
-            </a:lvl5pPr>
-            <a:lvl6pPr marL="2286000" indent="0">
-              <a:buNone/>
-              <a:defRPr sz="1600" b="1"/>
-            </a:lvl6pPr>
-            <a:lvl7pPr marL="2743200" indent="0">
-              <a:buNone/>
-              <a:defRPr sz="1600" b="1"/>
-            </a:lvl7pPr>
-            <a:lvl8pPr marL="3200400" indent="0">
-              <a:buNone/>
-              <a:defRPr sz="1600" b="1"/>
-            </a:lvl8pPr>
-            <a:lvl9pPr marL="3657600" indent="0">
-              <a:buNone/>
-              <a:defRPr sz="1600" b="1"/>
-            </a:lvl9pPr>
-          </a:lstStyle>
-          <a:p>
-            <a:pPr lvl="0"/>
-            <a:r>
-              <a:rPr lang="en-US" smtClean="0"/>
-              <a:t>Click to edit Master text styles</a:t>
-            </a:r>
-          </a:p>
-        </p:txBody>
-      </p:sp>
-      <p:sp>
-        <p:nvSpPr>
-          <p:cNvPr id="6" name="Content Placeholder 5"/>
-          <p:cNvSpPr>
-            <a:spLocks noGrp="1"/>
-          </p:cNvSpPr>
-          <p:nvPr>
-            <p:ph sz="quarter" idx="4"/>
-          </p:nvPr>
-        </p:nvSpPr>
-        <p:spPr>
-          <a:xfrm>
-            <a:off x="5088384" y="2737245"/>
-            <a:ext cx="4185617" cy="3304117"/>
-          </a:xfrm>
-        </p:spPr>
-        <p:txBody>
-          <a:bodyPr>
-            <a:normAutofit/>
-          </a:bodyPr>
-          <a:lstStyle/>
-          <a:p>
-            <a:pPr lvl="0"/>
-            <a:r>
-              <a:rPr lang="en-US" smtClean="0"/>
-              <a:t>Click to edit Master text styles</a:t>
-            </a:r>
-          </a:p>
-          <a:p>
-            <a:pPr lvl="1"/>
-            <a:r>
-              <a:rPr lang="en-US" smtClean="0"/>
-              <a:t>Second level</a:t>
-            </a:r>
-          </a:p>
-          <a:p>
-            <a:pPr lvl="2"/>
-            <a:r>
-              <a:rPr lang="en-US" smtClean="0"/>
-              <a:t>Third level</a:t>
-            </a:r>
-          </a:p>
-          <a:p>
-            <a:pPr lvl="3"/>
-            <a:r>
-              <a:rPr lang="en-US" smtClean="0"/>
-              <a:t>Fourth level</a:t>
-            </a:r>
-          </a:p>
-          <a:p>
-            <a:pPr lvl="4"/>
-            <a:r>
-              <a:rPr lang="en-US" smtClean="0"/>
-              <a:t>Fifth level</a:t>
-            </a:r>
-            <a:endParaRPr lang="en-US" dirty="0"/>
-          </a:p>
-        </p:txBody>
-      </p:sp>
-      <p:sp>
-        <p:nvSpPr>
-          <p:cNvPr id="7" name="Date Placeholder 6"/>
-          <p:cNvSpPr>
-            <a:spLocks noGrp="1"/>
-          </p:cNvSpPr>
-          <p:nvPr>
-            <p:ph type="dt" sz="half" idx="10"/>
-          </p:nvPr>
-        </p:nvSpPr>
-        <p:spPr/>
-        <p:txBody>
-          <a:bodyPr/>
-          <a:lstStyle/>
-          <a:p>
-            <a:fld id="{15C5615F-D1D5-4FCD-8759-99B68FE7C325}" type="datetimeFigureOut">
-              <a:rPr lang="en-US" smtClean="0"/>
-              <a:t>12/10/2017</a:t>
-            </a:fld>
-            <a:endParaRPr lang="en-US"/>
-          </a:p>
-        </p:txBody>
-      </p:sp>
-      <p:sp>
-        <p:nvSpPr>
-          <p:cNvPr id="8" name="Footer Placeholder 7"/>
-          <p:cNvSpPr>
-            <a:spLocks noGrp="1"/>
-          </p:cNvSpPr>
-          <p:nvPr>
-            <p:ph type="ftr" sz="quarter" idx="11"/>
-          </p:nvPr>
-        </p:nvSpPr>
-        <p:spPr/>
-        <p:txBody>
-          <a:bodyPr/>
-          <a:lstStyle/>
-          <a:p>
-            <a:endParaRPr lang="en-US"/>
-          </a:p>
-        </p:txBody>
-      </p:sp>
-      <p:sp>
-        <p:nvSpPr>
-          <p:cNvPr id="9" name="Slide Number Placeholder 8"/>
-          <p:cNvSpPr>
-            <a:spLocks noGrp="1"/>
-          </p:cNvSpPr>
-          <p:nvPr>
-            <p:ph type="sldNum" sz="quarter" idx="12"/>
-          </p:nvPr>
-        </p:nvSpPr>
-        <p:spPr/>
-        <p:txBody>
-          <a:bodyPr/>
-          <a:lstStyle/>
-          <a:p>
-            <a:fld id="{1BBF5D34-C2F9-436F-BF81-84F3DC08A16D}" type="slidenum">
-              <a:rPr lang="en-US" smtClean="0"/>
-              <a:t>‹#›</a:t>
-            </a:fld>
-            <a:endParaRPr lang="en-US"/>
-          </a:p>
-        </p:txBody>
-      </p:sp>
-    </p:spTree>
-    <p:extLst>
-      <p:ext uri="{BB962C8B-B14F-4D97-AF65-F5344CB8AC3E}">
-        <p14:creationId xmlns:p14="http://schemas.microsoft.com/office/powerpoint/2010/main" val="1655299811"/>
-      </p:ext>
-    </p:extLst>
-  </p:cSld>
-  <p:clrMapOvr>
-    <a:masterClrMapping/>
-  </p:clrMapOvr>
-</p:sldLayout>
-</file>
-
-<file path=ppt/slideLayouts/slideLayout6.xml><?xml version="1.0" encoding="utf-8"?>
-<p:sldLayout xmlns:a="http://schemas.openxmlformats.org/drawingml/2006/main" xmlns:r="http://schemas.openxmlformats.org/officeDocument/2006/relationships" xmlns:p="http://schemas.openxmlformats.org/presentationml/2006/main" type="titleOnly" preserve="1">
-  <p:cSld name="Title Only">
-    <p:spTree>
-      <p:nvGrpSpPr>
-        <p:cNvPr id="1" name=""/>
-        <p:cNvGrpSpPr/>
-        <p:nvPr/>
-      </p:nvGrpSpPr>
-      <p:grpSpPr>
-        <a:xfrm>
-          <a:off x="0" y="0"/>
-          <a:ext cx="0" cy="0"/>
-          <a:chOff x="0" y="0"/>
-          <a:chExt cx="0" cy="0"/>
-        </a:xfrm>
-      </p:grpSpPr>
-      <p:sp>
-        <p:nvSpPr>
-          <p:cNvPr id="2" name="Title 1"/>
-          <p:cNvSpPr>
-            <a:spLocks noGrp="1"/>
-          </p:cNvSpPr>
-          <p:nvPr>
-            <p:ph type="title"/>
-          </p:nvPr>
-        </p:nvSpPr>
-        <p:spPr>
-          <a:xfrm>
-            <a:off x="677334" y="609600"/>
-            <a:ext cx="8596668" cy="1320800"/>
-          </a:xfrm>
-        </p:spPr>
-        <p:txBody>
-          <a:bodyPr/>
-          <a:lstStyle/>
-          <a:p>
-            <a:r>
-              <a:rPr lang="en-US" smtClean="0"/>
-              <a:t>Click to edit Master title style</a:t>
-            </a:r>
-            <a:endParaRPr lang="en-US" dirty="0"/>
-          </a:p>
-        </p:txBody>
-      </p:sp>
-      <p:sp>
-        <p:nvSpPr>
-          <p:cNvPr id="3" name="Date Placeholder 2"/>
-          <p:cNvSpPr>
-            <a:spLocks noGrp="1"/>
-          </p:cNvSpPr>
-          <p:nvPr>
-            <p:ph type="dt" sz="half" idx="10"/>
-          </p:nvPr>
-        </p:nvSpPr>
-        <p:spPr/>
-        <p:txBody>
-          <a:bodyPr/>
-          <a:lstStyle/>
-          <a:p>
-            <a:fld id="{15C5615F-D1D5-4FCD-8759-99B68FE7C325}" type="datetimeFigureOut">
-              <a:rPr lang="en-US" smtClean="0"/>
-              <a:t>12/10/2017</a:t>
-            </a:fld>
-            <a:endParaRPr lang="en-US"/>
-          </a:p>
-        </p:txBody>
-      </p:sp>
-      <p:sp>
-        <p:nvSpPr>
-          <p:cNvPr id="4" name="Footer Placeholder 3"/>
-          <p:cNvSpPr>
-            <a:spLocks noGrp="1"/>
-          </p:cNvSpPr>
-          <p:nvPr>
-            <p:ph type="ftr" sz="quarter" idx="11"/>
-          </p:nvPr>
-        </p:nvSpPr>
-        <p:spPr/>
-        <p:txBody>
-          <a:bodyPr/>
-          <a:lstStyle/>
-          <a:p>
-            <a:endParaRPr lang="en-US"/>
-          </a:p>
-        </p:txBody>
-      </p:sp>
-      <p:sp>
-        <p:nvSpPr>
-          <p:cNvPr id="5" name="Slide Number Placeholder 4"/>
-          <p:cNvSpPr>
-            <a:spLocks noGrp="1"/>
-          </p:cNvSpPr>
-          <p:nvPr>
-            <p:ph type="sldNum" sz="quarter" idx="12"/>
-          </p:nvPr>
-        </p:nvSpPr>
-        <p:spPr/>
-        <p:txBody>
-          <a:bodyPr/>
-          <a:lstStyle/>
-          <a:p>
-            <a:fld id="{1BBF5D34-C2F9-436F-BF81-84F3DC08A16D}" type="slidenum">
-              <a:rPr lang="en-US" smtClean="0"/>
-              <a:t>‹#›</a:t>
-            </a:fld>
-            <a:endParaRPr lang="en-US"/>
-          </a:p>
-        </p:txBody>
-      </p:sp>
-    </p:spTree>
-    <p:extLst>
-      <p:ext uri="{BB962C8B-B14F-4D97-AF65-F5344CB8AC3E}">
-        <p14:creationId xmlns:p14="http://schemas.microsoft.com/office/powerpoint/2010/main" val="1925652870"/>
-      </p:ext>
-    </p:extLst>
-  </p:cSld>
-  <p:clrMapOvr>
-    <a:masterClrMapping/>
-  </p:clrMapOvr>
-</p:sldLayout>
-</file>
-
-<file path=ppt/slideLayouts/slideLayout7.xml><?xml version="1.0" encoding="utf-8"?>
-<p:sldLayout xmlns:a="http://schemas.openxmlformats.org/drawingml/2006/main" xmlns:r="http://schemas.openxmlformats.org/officeDocument/2006/relationships" xmlns:p="http://schemas.openxmlformats.org/presentationml/2006/main" type="blank" preserve="1">
-  <p:cSld name="Blank">
-    <p:spTree>
-      <p:nvGrpSpPr>
-        <p:cNvPr id="1" name=""/>
-        <p:cNvGrpSpPr/>
-        <p:nvPr/>
-      </p:nvGrpSpPr>
-      <p:grpSpPr>
-        <a:xfrm>
-          <a:off x="0" y="0"/>
-          <a:ext cx="0" cy="0"/>
-          <a:chOff x="0" y="0"/>
-          <a:chExt cx="0" cy="0"/>
-        </a:xfrm>
-      </p:grpSpPr>
-      <p:sp>
-        <p:nvSpPr>
-          <p:cNvPr id="2" name="Date Placeholder 1"/>
-          <p:cNvSpPr>
-            <a:spLocks noGrp="1"/>
-          </p:cNvSpPr>
-          <p:nvPr>
-            <p:ph type="dt" sz="half" idx="10"/>
-          </p:nvPr>
-        </p:nvSpPr>
-        <p:spPr/>
-        <p:txBody>
-          <a:bodyPr/>
-          <a:lstStyle/>
-          <a:p>
-            <a:fld id="{15C5615F-D1D5-4FCD-8759-99B68FE7C325}" type="datetimeFigureOut">
-              <a:rPr lang="en-US" smtClean="0"/>
-              <a:t>12/10/2017</a:t>
-            </a:fld>
-            <a:endParaRPr lang="en-US"/>
-          </a:p>
-        </p:txBody>
-      </p:sp>
-      <p:sp>
-        <p:nvSpPr>
-          <p:cNvPr id="3" name="Footer Placeholder 2"/>
-          <p:cNvSpPr>
-            <a:spLocks noGrp="1"/>
-          </p:cNvSpPr>
-          <p:nvPr>
-            <p:ph type="ftr" sz="quarter" idx="11"/>
-          </p:nvPr>
-        </p:nvSpPr>
-        <p:spPr/>
-        <p:txBody>
-          <a:bodyPr/>
-          <a:lstStyle/>
-          <a:p>
-            <a:endParaRPr lang="en-US"/>
-          </a:p>
-        </p:txBody>
-      </p:sp>
-      <p:sp>
-        <p:nvSpPr>
-          <p:cNvPr id="4" name="Slide Number Placeholder 3"/>
-          <p:cNvSpPr>
-            <a:spLocks noGrp="1"/>
-          </p:cNvSpPr>
-          <p:nvPr>
-            <p:ph type="sldNum" sz="quarter" idx="12"/>
-          </p:nvPr>
-        </p:nvSpPr>
-        <p:spPr/>
-        <p:txBody>
-          <a:bodyPr/>
-          <a:lstStyle/>
-          <a:p>
-            <a:fld id="{1BBF5D34-C2F9-436F-BF81-84F3DC08A16D}" type="slidenum">
-              <a:rPr lang="en-US" smtClean="0"/>
-              <a:t>‹#›</a:t>
-            </a:fld>
-            <a:endParaRPr lang="en-US"/>
-          </a:p>
-        </p:txBody>
-      </p:sp>
-    </p:spTree>
-    <p:extLst>
-      <p:ext uri="{BB962C8B-B14F-4D97-AF65-F5344CB8AC3E}">
-        <p14:creationId xmlns:p14="http://schemas.microsoft.com/office/powerpoint/2010/main" val="2873550393"/>
-      </p:ext>
-    </p:extLst>
-  </p:cSld>
-  <p:clrMapOvr>
-    <a:masterClrMapping/>
-  </p:clrMapOvr>
-</p:sldLayout>
-</file>
-
-<file path=ppt/slideLayouts/slideLayout8.xml><?xml version="1.0" encoding="utf-8"?>
-<p:sldLayout xmlns:a="http://schemas.openxmlformats.org/drawingml/2006/main" xmlns:r="http://schemas.openxmlformats.org/officeDocument/2006/relationships" xmlns:p="http://schemas.openxmlformats.org/presentationml/2006/main" type="objTx" preserve="1">
-  <p:cSld name="Content with Caption">
-    <p:spTree>
-      <p:nvGrpSpPr>
-        <p:cNvPr id="1" name=""/>
-        <p:cNvGrpSpPr/>
-        <p:nvPr/>
-      </p:nvGrpSpPr>
-      <p:grpSpPr>
-        <a:xfrm>
-          <a:off x="0" y="0"/>
-          <a:ext cx="0" cy="0"/>
-          <a:chOff x="0" y="0"/>
-          <a:chExt cx="0" cy="0"/>
-        </a:xfrm>
-      </p:grpSpPr>
-      <p:sp>
-        <p:nvSpPr>
-          <p:cNvPr id="2" name="Title 1"/>
-          <p:cNvSpPr>
-            <a:spLocks noGrp="1"/>
-          </p:cNvSpPr>
-          <p:nvPr>
-            <p:ph type="title"/>
-          </p:nvPr>
-        </p:nvSpPr>
-        <p:spPr>
-          <a:xfrm>
-            <a:off x="677334" y="1498604"/>
-            <a:ext cx="3854528" cy="1278466"/>
-          </a:xfrm>
-        </p:spPr>
-        <p:txBody>
-          <a:bodyPr anchor="b">
-            <a:normAutofit/>
-          </a:bodyPr>
-          <a:lstStyle>
-            <a:lvl1pPr>
-              <a:defRPr sz="2000"/>
-            </a:lvl1pPr>
-          </a:lstStyle>
-          <a:p>
-            <a:r>
-              <a:rPr lang="en-US" smtClean="0"/>
-              <a:t>Click to edit Master title style</a:t>
-            </a:r>
-            <a:endParaRPr lang="en-US" dirty="0"/>
-          </a:p>
-        </p:txBody>
-      </p:sp>
-      <p:sp>
-        <p:nvSpPr>
-          <p:cNvPr id="3" name="Content Placeholder 2"/>
-          <p:cNvSpPr>
-            <a:spLocks noGrp="1"/>
-          </p:cNvSpPr>
-          <p:nvPr>
-            <p:ph idx="1"/>
-          </p:nvPr>
-        </p:nvSpPr>
-        <p:spPr>
-          <a:xfrm>
-            <a:off x="4760461" y="514924"/>
-            <a:ext cx="4513541" cy="5526437"/>
-          </a:xfrm>
-        </p:spPr>
-        <p:txBody>
-          <a:bodyPr>
-            <a:normAutofit/>
-          </a:bodyPr>
-          <a:lstStyle/>
-          <a:p>
-            <a:pPr lvl="0"/>
-            <a:r>
-              <a:rPr lang="en-US" smtClean="0"/>
-              <a:t>Click to edit Master text styles</a:t>
-            </a:r>
-          </a:p>
-          <a:p>
-            <a:pPr lvl="1"/>
-            <a:r>
-              <a:rPr lang="en-US" smtClean="0"/>
-              <a:t>Second level</a:t>
-            </a:r>
-          </a:p>
-          <a:p>
-            <a:pPr lvl="2"/>
-            <a:r>
-              <a:rPr lang="en-US" smtClean="0"/>
-              <a:t>Third level</a:t>
-            </a:r>
-          </a:p>
-          <a:p>
-            <a:pPr lvl="3"/>
-            <a:r>
-              <a:rPr lang="en-US" smtClean="0"/>
-              <a:t>Fourth level</a:t>
-            </a:r>
-          </a:p>
-          <a:p>
-            <a:pPr lvl="4"/>
-            <a:r>
-              <a:rPr lang="en-US" smtClean="0"/>
-              <a:t>Fifth level</a:t>
-            </a:r>
-            <a:endParaRPr lang="en-US" dirty="0"/>
-          </a:p>
-        </p:txBody>
-      </p:sp>
-      <p:sp>
-        <p:nvSpPr>
-          <p:cNvPr id="4" name="Text Placeholder 3"/>
-          <p:cNvSpPr>
-            <a:spLocks noGrp="1"/>
-          </p:cNvSpPr>
-          <p:nvPr>
-            <p:ph type="body" sz="half" idx="2"/>
-          </p:nvPr>
-        </p:nvSpPr>
-        <p:spPr>
-          <a:xfrm>
-            <a:off x="677334" y="2777069"/>
-            <a:ext cx="3854528" cy="2584449"/>
-          </a:xfrm>
-        </p:spPr>
-        <p:txBody>
-          <a:bodyPr>
-            <a:normAutofit/>
-          </a:bodyPr>
-          <a:lstStyle>
-            <a:lvl1pPr marL="0" indent="0">
-              <a:buNone/>
-              <a:defRPr sz="1400"/>
-            </a:lvl1pPr>
-            <a:lvl2pPr marL="457063" indent="0">
-              <a:buNone/>
-              <a:defRPr sz="1400"/>
-            </a:lvl2pPr>
-            <a:lvl3pPr marL="914126" indent="0">
-              <a:buNone/>
-              <a:defRPr sz="1200"/>
-            </a:lvl3pPr>
-            <a:lvl4pPr marL="1371189" indent="0">
-              <a:buNone/>
-              <a:defRPr sz="1000"/>
-            </a:lvl4pPr>
-            <a:lvl5pPr marL="1828251" indent="0">
-              <a:buNone/>
-              <a:defRPr sz="1000"/>
-            </a:lvl5pPr>
-            <a:lvl6pPr marL="2285314" indent="0">
-              <a:buNone/>
-              <a:defRPr sz="1000"/>
-            </a:lvl6pPr>
-            <a:lvl7pPr marL="2742377" indent="0">
-              <a:buNone/>
-              <a:defRPr sz="1000"/>
-            </a:lvl7pPr>
-            <a:lvl8pPr marL="3199440" indent="0">
-              <a:buNone/>
-              <a:defRPr sz="1000"/>
-            </a:lvl8pPr>
-            <a:lvl9pPr marL="3656503" indent="0">
-              <a:buNone/>
-              <a:defRPr sz="1000"/>
-            </a:lvl9pPr>
-          </a:lstStyle>
-          <a:p>
-            <a:pPr lvl="0"/>
-            <a:r>
-              <a:rPr lang="en-US" smtClean="0"/>
-              <a:t>Click to edit Master text styles</a:t>
-            </a:r>
-          </a:p>
-        </p:txBody>
-      </p:sp>
-      <p:sp>
-        <p:nvSpPr>
-          <p:cNvPr id="5" name="Date Placeholder 4"/>
-          <p:cNvSpPr>
-            <a:spLocks noGrp="1"/>
-          </p:cNvSpPr>
-          <p:nvPr>
-            <p:ph type="dt" sz="half" idx="10"/>
-          </p:nvPr>
-        </p:nvSpPr>
-        <p:spPr/>
-        <p:txBody>
-          <a:bodyPr/>
-          <a:lstStyle/>
-          <a:p>
-            <a:fld id="{15C5615F-D1D5-4FCD-8759-99B68FE7C325}" type="datetimeFigureOut">
-              <a:rPr lang="en-US" smtClean="0"/>
-              <a:t>12/10/2017</a:t>
-            </a:fld>
-            <a:endParaRPr lang="en-US"/>
-          </a:p>
-        </p:txBody>
-      </p:sp>
-      <p:sp>
-        <p:nvSpPr>
-          <p:cNvPr id="6" name="Footer Placeholder 5"/>
-          <p:cNvSpPr>
-            <a:spLocks noGrp="1"/>
-          </p:cNvSpPr>
-          <p:nvPr>
-            <p:ph type="ftr" sz="quarter" idx="11"/>
-          </p:nvPr>
-        </p:nvSpPr>
-        <p:spPr/>
-        <p:txBody>
-          <a:bodyPr/>
-          <a:lstStyle/>
-          <a:p>
-            <a:endParaRPr lang="en-US"/>
-          </a:p>
-        </p:txBody>
-      </p:sp>
-      <p:sp>
-        <p:nvSpPr>
-          <p:cNvPr id="7" name="Slide Number Placeholder 6"/>
-          <p:cNvSpPr>
-            <a:spLocks noGrp="1"/>
-          </p:cNvSpPr>
-          <p:nvPr>
-            <p:ph type="sldNum" sz="quarter" idx="12"/>
-          </p:nvPr>
-        </p:nvSpPr>
-        <p:spPr/>
-        <p:txBody>
-          <a:bodyPr/>
-          <a:lstStyle/>
-          <a:p>
-            <a:fld id="{1BBF5D34-C2F9-436F-BF81-84F3DC08A16D}" type="slidenum">
-              <a:rPr lang="en-US" smtClean="0"/>
-              <a:t>‹#›</a:t>
-            </a:fld>
-            <a:endParaRPr lang="en-US"/>
-          </a:p>
-        </p:txBody>
-      </p:sp>
-    </p:spTree>
-    <p:extLst>
-      <p:ext uri="{BB962C8B-B14F-4D97-AF65-F5344CB8AC3E}">
-        <p14:creationId xmlns:p14="http://schemas.microsoft.com/office/powerpoint/2010/main" val="2799947820"/>
-      </p:ext>
-    </p:extLst>
-  </p:cSld>
-  <p:clrMapOvr>
-    <a:masterClrMapping/>
-  </p:clrMapOvr>
-</p:sldLayout>
-</file>
-
-<file path=ppt/slideLayouts/slideLayout9.xml><?xml version="1.0" encoding="utf-8"?>
-<p:sldLayout xmlns:a="http://schemas.openxmlformats.org/drawingml/2006/main" xmlns:r="http://schemas.openxmlformats.org/officeDocument/2006/relationships" xmlns:p="http://schemas.openxmlformats.org/presentationml/2006/main" type="picTx" preserve="1">
-  <p:cSld name="Picture with Caption">
-    <p:spTree>
-      <p:nvGrpSpPr>
-        <p:cNvPr id="1" name=""/>
-        <p:cNvGrpSpPr/>
-        <p:nvPr/>
-      </p:nvGrpSpPr>
-      <p:grpSpPr>
-        <a:xfrm>
-          <a:off x="0" y="0"/>
-          <a:ext cx="0" cy="0"/>
-          <a:chOff x="0" y="0"/>
-          <a:chExt cx="0" cy="0"/>
-        </a:xfrm>
-      </p:grpSpPr>
-      <p:sp>
-        <p:nvSpPr>
-          <p:cNvPr id="2" name="Title 1"/>
-          <p:cNvSpPr>
-            <a:spLocks noGrp="1"/>
-          </p:cNvSpPr>
-          <p:nvPr>
-            <p:ph type="title"/>
-          </p:nvPr>
-        </p:nvSpPr>
-        <p:spPr>
-          <a:xfrm>
-            <a:off x="677334" y="4800600"/>
-            <a:ext cx="8596667" cy="566738"/>
-          </a:xfrm>
-        </p:spPr>
-        <p:txBody>
-          <a:bodyPr anchor="b">
-            <a:normAutofit/>
-          </a:bodyPr>
-          <a:lstStyle>
-            <a:lvl1pPr algn="l">
-              <a:defRPr sz="2400" b="0"/>
-            </a:lvl1pPr>
-          </a:lstStyle>
-          <a:p>
-            <a:r>
-              <a:rPr lang="en-US" smtClean="0"/>
-              <a:t>Click to edit Master title style</a:t>
-            </a:r>
-            <a:endParaRPr lang="en-US" dirty="0"/>
-          </a:p>
-        </p:txBody>
-      </p:sp>
-      <p:sp>
-        <p:nvSpPr>
-          <p:cNvPr id="3" name="Picture Placeholder 2"/>
-          <p:cNvSpPr>
-            <a:spLocks noGrp="1" noChangeAspect="1"/>
-          </p:cNvSpPr>
-          <p:nvPr>
-            <p:ph type="pic" idx="1"/>
-          </p:nvPr>
-        </p:nvSpPr>
-        <p:spPr>
-          <a:xfrm>
-            <a:off x="677334" y="609600"/>
-            <a:ext cx="8596668" cy="3845718"/>
-          </a:xfrm>
-        </p:spPr>
-        <p:txBody>
-          <a:bodyPr anchor="t">
-            <a:normAutofit/>
-          </a:bodyPr>
-          <a:lstStyle>
-            <a:lvl1pPr marL="0" indent="0" algn="ctr">
-              <a:buNone/>
-              <a:defRPr sz="1600"/>
-            </a:lvl1pPr>
-            <a:lvl2pPr marL="457200" indent="0">
-              <a:buNone/>
-              <a:defRPr sz="1600"/>
-            </a:lvl2pPr>
-            <a:lvl3pPr marL="914400" indent="0">
-              <a:buNone/>
-              <a:defRPr sz="1600"/>
-            </a:lvl3pPr>
-            <a:lvl4pPr marL="1371600" indent="0">
-              <a:buNone/>
-              <a:defRPr sz="1600"/>
-            </a:lvl4pPr>
-            <a:lvl5pPr marL="1828800" indent="0">
-              <a:buNone/>
-              <a:defRPr sz="1600"/>
-            </a:lvl5pPr>
-            <a:lvl6pPr marL="2286000" indent="0">
-              <a:buNone/>
-              <a:defRPr sz="1600"/>
-            </a:lvl6pPr>
-            <a:lvl7pPr marL="2743200" indent="0">
-              <a:buNone/>
-              <a:defRPr sz="1600"/>
-            </a:lvl7pPr>
-            <a:lvl8pPr marL="3200400" indent="0">
-              <a:buNone/>
-              <a:defRPr sz="1600"/>
-            </a:lvl8pPr>
-            <a:lvl9pPr marL="3657600" indent="0">
-              <a:buNone/>
-              <a:defRPr sz="1600"/>
-            </a:lvl9pPr>
-          </a:lstStyle>
-          <a:p>
-            <a:r>
-              <a:rPr lang="en-US" smtClean="0"/>
-              <a:t>Click icon to add picture</a:t>
-            </a:r>
-            <a:endParaRPr lang="en-US" dirty="0"/>
-          </a:p>
-        </p:txBody>
-      </p:sp>
-      <p:sp>
-        <p:nvSpPr>
-          <p:cNvPr id="4" name="Text Placeholder 3"/>
-          <p:cNvSpPr>
-            <a:spLocks noGrp="1"/>
-          </p:cNvSpPr>
-          <p:nvPr>
-            <p:ph type="body" sz="half" idx="2"/>
-          </p:nvPr>
-        </p:nvSpPr>
-        <p:spPr>
-          <a:xfrm>
-            <a:off x="677334" y="5367338"/>
-            <a:ext cx="8596667" cy="674024"/>
-          </a:xfrm>
-        </p:spPr>
-        <p:txBody>
-          <a:bodyPr>
-            <a:normAutofit/>
-          </a:bodyPr>
-          <a:lstStyle>
-            <a:lvl1pPr marL="0" indent="0">
-              <a:buNone/>
-              <a:defRPr sz="1200"/>
-            </a:lvl1pPr>
-            <a:lvl2pPr marL="457200" indent="0">
-              <a:buNone/>
-              <a:defRPr sz="1200"/>
-            </a:lvl2pPr>
-            <a:lvl3pPr marL="914400" indent="0">
-              <a:buNone/>
-              <a:defRPr sz="1000"/>
-            </a:lvl3pPr>
-            <a:lvl4pPr marL="1371600" indent="0">
-              <a:buNone/>
-              <a:defRPr sz="900"/>
-            </a:lvl4pPr>
-            <a:lvl5pPr marL="1828800" indent="0">
-              <a:buNone/>
-              <a:defRPr sz="900"/>
-            </a:lvl5pPr>
-            <a:lvl6pPr marL="2286000" indent="0">
-              <a:buNone/>
-              <a:defRPr sz="900"/>
-            </a:lvl6pPr>
-            <a:lvl7pPr marL="2743200" indent="0">
-              <a:buNone/>
-              <a:defRPr sz="900"/>
-            </a:lvl7pPr>
-            <a:lvl8pPr marL="3200400" indent="0">
-              <a:buNone/>
-              <a:defRPr sz="900"/>
-            </a:lvl8pPr>
-            <a:lvl9pPr marL="3657600" indent="0">
-              <a:buNone/>
-              <a:defRPr sz="900"/>
-            </a:lvl9pPr>
-          </a:lstStyle>
-          <a:p>
-            <a:pPr lvl="0"/>
-            <a:r>
-              <a:rPr lang="en-US" smtClean="0"/>
-              <a:t>Click to edit Master text styles</a:t>
-            </a:r>
-          </a:p>
-        </p:txBody>
-      </p:sp>
-      <p:sp>
-        <p:nvSpPr>
-          <p:cNvPr id="5" name="Date Placeholder 4"/>
-          <p:cNvSpPr>
-            <a:spLocks noGrp="1"/>
-          </p:cNvSpPr>
-          <p:nvPr>
-            <p:ph type="dt" sz="half" idx="10"/>
-          </p:nvPr>
-        </p:nvSpPr>
-        <p:spPr/>
-        <p:txBody>
-          <a:bodyPr/>
-          <a:lstStyle/>
-          <a:p>
-            <a:fld id="{15C5615F-D1D5-4FCD-8759-99B68FE7C325}" type="datetimeFigureOut">
-              <a:rPr lang="en-US" smtClean="0"/>
-              <a:t>12/10/2017</a:t>
-            </a:fld>
-            <a:endParaRPr lang="en-US"/>
-          </a:p>
-        </p:txBody>
-      </p:sp>
-      <p:sp>
-        <p:nvSpPr>
-          <p:cNvPr id="6" name="Footer Placeholder 5"/>
-          <p:cNvSpPr>
-            <a:spLocks noGrp="1"/>
-          </p:cNvSpPr>
-          <p:nvPr>
-            <p:ph type="ftr" sz="quarter" idx="11"/>
-          </p:nvPr>
-        </p:nvSpPr>
-        <p:spPr/>
-        <p:txBody>
-          <a:bodyPr/>
-          <a:lstStyle/>
-          <a:p>
-            <a:endParaRPr lang="en-US"/>
-          </a:p>
-        </p:txBody>
-      </p:sp>
-      <p:sp>
-        <p:nvSpPr>
-          <p:cNvPr id="7" name="Slide Number Placeholder 6"/>
-          <p:cNvSpPr>
-            <a:spLocks noGrp="1"/>
-          </p:cNvSpPr>
-          <p:nvPr>
-            <p:ph type="sldNum" sz="quarter" idx="12"/>
-          </p:nvPr>
-        </p:nvSpPr>
-        <p:spPr/>
-        <p:txBody>
-          <a:bodyPr/>
-          <a:lstStyle/>
-          <a:p>
-            <a:fld id="{1BBF5D34-C2F9-436F-BF81-84F3DC08A16D}" type="slidenum">
-              <a:rPr lang="en-US" smtClean="0"/>
-              <a:t>‹#›</a:t>
-            </a:fld>
-            <a:endParaRPr lang="en-US"/>
-          </a:p>
-        </p:txBody>
-      </p:sp>
-    </p:spTree>
-    <p:extLst>
-      <p:ext uri="{BB962C8B-B14F-4D97-AF65-F5344CB8AC3E}">
-        <p14:creationId xmlns:p14="http://schemas.microsoft.com/office/powerpoint/2010/main" val="1391697916"/>
-      </p:ext>
-    </p:extLst>
-  </p:cSld>
-  <p:clrMapOvr>
-    <a:masterClrMapping/>
-  </p:clrMapOvr>
+  <p:timing>
+    <p:tnLst>
+      <p:par>
+        <p:cTn id="1" dur="indefinite" restart="never" nodeType="tmRoot"/>
+      </p:par>
+    </p:tnLst>
+  </p:timing>
 </p:sldLayout>
 </file>
 
@@ -5305,7 +2313,7 @@
             </a:lvl1pPr>
           </a:lstStyle>
           <a:p>
-            <a:fld id="{15C5615F-D1D5-4FCD-8759-99B68FE7C325}" type="datetimeFigureOut">
+            <a:fld id="{7BBA3F0D-73C6-4C4C-A4F0-268E6E12413F}" type="datetime1">
               <a:rPr lang="en-US" smtClean="0"/>
               <a:t>12/10/2017</a:t>
             </a:fld>
@@ -5362,8 +2370,8 @@
         </p:nvSpPr>
         <p:spPr>
           <a:xfrm>
-            <a:off x="8590663" y="6041362"/>
-            <a:ext cx="683339" cy="365125"/>
+            <a:off x="10368493" y="5663821"/>
+            <a:ext cx="1355380" cy="742665"/>
           </a:xfrm>
           <a:prstGeom prst="rect">
             <a:avLst/>
@@ -5373,9 +2381,9 @@
           <a:bodyPr vert="horz" lIns="91440" tIns="45720" rIns="91440" bIns="45720" rtlCol="0" anchor="ctr"/>
           <a:lstStyle>
             <a:lvl1pPr algn="r">
-              <a:defRPr sz="900">
+              <a:defRPr sz="3200">
                 <a:solidFill>
-                  <a:schemeClr val="accent1"/>
+                  <a:schemeClr val="bg1"/>
                 </a:solidFill>
               </a:defRPr>
             </a:lvl1pPr>
@@ -5383,9 +2391,14 @@
           <a:p>
             <a:fld id="{1BBF5D34-C2F9-436F-BF81-84F3DC08A16D}" type="slidenum">
               <a:rPr lang="en-US" smtClean="0"/>
+              <a:pPr/>
               <a:t>‹#›</a:t>
             </a:fld>
-            <a:endParaRPr lang="en-US"/>
+            <a:r>
+              <a:rPr lang="en-US" dirty="0" smtClean="0"/>
+              <a:t>/8</a:t>
+            </a:r>
+            <a:endParaRPr lang="en-US" dirty="0"/>
           </a:p>
         </p:txBody>
       </p:sp>
@@ -5400,21 +2413,15 @@
   <p:sldLayoutIdLst>
     <p:sldLayoutId id="2147483661" r:id="rId1"/>
     <p:sldLayoutId id="2147483662" r:id="rId2"/>
-    <p:sldLayoutId id="2147483663" r:id="rId3"/>
-    <p:sldLayoutId id="2147483664" r:id="rId4"/>
-    <p:sldLayoutId id="2147483665" r:id="rId5"/>
-    <p:sldLayoutId id="2147483666" r:id="rId6"/>
-    <p:sldLayoutId id="2147483667" r:id="rId7"/>
-    <p:sldLayoutId id="2147483668" r:id="rId8"/>
-    <p:sldLayoutId id="2147483669" r:id="rId9"/>
-    <p:sldLayoutId id="2147483670" r:id="rId10"/>
-    <p:sldLayoutId id="2147483671" r:id="rId11"/>
-    <p:sldLayoutId id="2147483672" r:id="rId12"/>
-    <p:sldLayoutId id="2147483673" r:id="rId13"/>
-    <p:sldLayoutId id="2147483674" r:id="rId14"/>
-    <p:sldLayoutId id="2147483675" r:id="rId15"/>
-    <p:sldLayoutId id="2147483676" r:id="rId16"/>
   </p:sldLayoutIdLst>
+  <p:timing>
+    <p:tnLst>
+      <p:par>
+        <p:cTn id="1" dur="indefinite" restart="never" nodeType="tmRoot"/>
+      </p:par>
+    </p:tnLst>
+  </p:timing>
+  <p:hf hdr="0" ftr="0" dt="0"/>
   <p:txStyles>
     <p:titleStyle>
       <a:lvl1pPr algn="l" defTabSz="457200" rtl="0" eaLnBrk="1" latinLnBrk="0" hangingPunct="1">
@@ -5905,8 +2912,8 @@
         </p:nvSpPr>
         <p:spPr>
           <a:xfrm>
-            <a:off x="899410" y="4347148"/>
-            <a:ext cx="8934138" cy="2329582"/>
+            <a:off x="464695" y="4347148"/>
+            <a:ext cx="9518754" cy="2329582"/>
           </a:xfrm>
         </p:spPr>
         <p:txBody>
@@ -5922,10 +2929,26 @@
                   <a:schemeClr val="accent2"/>
                 </a:solidFill>
               </a:rPr>
-              <a:t>Authors: Marina </a:t>
+              <a:t>Authors: </a:t>
+            </a:r>
+            <a:endParaRPr lang="en-US" sz="3200" b="1" dirty="0" smtClean="0">
+              <a:solidFill>
+                <a:schemeClr val="accent2"/>
+              </a:solidFill>
+            </a:endParaRPr>
+          </a:p>
+          <a:p>
+            <a:pPr algn="ctr"/>
+            <a:r>
+              <a:rPr lang="en-US" sz="3200" b="1" dirty="0" smtClean="0">
+                <a:solidFill>
+                  <a:schemeClr val="accent2"/>
+                </a:solidFill>
+              </a:rPr>
+              <a:t>Marina </a:t>
             </a:r>
             <a:r>
-              <a:rPr lang="en-US" sz="3200" b="1" dirty="0" err="1">
+              <a:rPr lang="en-US" sz="3200" b="1" dirty="0" err="1" smtClean="0">
                 <a:solidFill>
                   <a:schemeClr val="accent2"/>
                 </a:solidFill>
@@ -5938,7 +2961,23 @@
                   <a:schemeClr val="accent2"/>
                 </a:solidFill>
               </a:rPr>
-              <a:t>, </a:t>
+              <a:t> </a:t>
+            </a:r>
+            <a:r>
+              <a:rPr lang="en-US" sz="3200" b="1" dirty="0" smtClean="0">
+                <a:solidFill>
+                  <a:schemeClr val="accent2"/>
+                </a:solidFill>
+              </a:rPr>
+              <a:t>and</a:t>
+            </a:r>
+            <a:r>
+              <a:rPr lang="en-US" sz="3200" b="1" dirty="0" smtClean="0">
+                <a:solidFill>
+                  <a:schemeClr val="accent2"/>
+                </a:solidFill>
+              </a:rPr>
+              <a:t> </a:t>
             </a:r>
             <a:r>
               <a:rPr lang="en-US" sz="3200" b="1" dirty="0" err="1">
@@ -5982,6 +3021,368 @@
   <p:clrMapOvr>
     <a:masterClrMapping/>
   </p:clrMapOvr>
+  <p:timing>
+    <p:tnLst>
+      <p:par>
+        <p:cTn id="1" dur="indefinite" restart="never" nodeType="tmRoot">
+          <p:childTnLst>
+            <p:seq concurrent="1" nextAc="seek">
+              <p:cTn id="2" dur="indefinite" nodeType="mainSeq">
+                <p:childTnLst>
+                  <p:par>
+                    <p:cTn id="3" fill="hold">
+                      <p:stCondLst>
+                        <p:cond delay="indefinite"/>
+                      </p:stCondLst>
+                      <p:childTnLst>
+                        <p:par>
+                          <p:cTn id="4" fill="hold">
+                            <p:stCondLst>
+                              <p:cond delay="0"/>
+                            </p:stCondLst>
+                            <p:childTnLst>
+                              <p:par>
+                                <p:cTn id="5" presetID="42" presetClass="entr" presetSubtype="0" fill="hold" grpId="0" nodeType="clickEffect">
+                                  <p:stCondLst>
+                                    <p:cond delay="0"/>
+                                  </p:stCondLst>
+                                  <p:childTnLst>
+                                    <p:set>
+                                      <p:cBhvr>
+                                        <p:cTn id="6" dur="1" fill="hold">
+                                          <p:stCondLst>
+                                            <p:cond delay="0"/>
+                                          </p:stCondLst>
+                                        </p:cTn>
+                                        <p:tgtEl>
+                                          <p:spTgt spid="2"/>
+                                        </p:tgtEl>
+                                        <p:attrNameLst>
+                                          <p:attrName>style.visibility</p:attrName>
+                                        </p:attrNameLst>
+                                      </p:cBhvr>
+                                      <p:to>
+                                        <p:strVal val="visible"/>
+                                      </p:to>
+                                    </p:set>
+                                    <p:animEffect transition="in" filter="fade">
+                                      <p:cBhvr>
+                                        <p:cTn id="7" dur="1000"/>
+                                        <p:tgtEl>
+                                          <p:spTgt spid="2"/>
+                                        </p:tgtEl>
+                                      </p:cBhvr>
+                                    </p:animEffect>
+                                    <p:anim calcmode="lin" valueType="num">
+                                      <p:cBhvr>
+                                        <p:cTn id="8" dur="1000" fill="hold"/>
+                                        <p:tgtEl>
+                                          <p:spTgt spid="2"/>
+                                        </p:tgtEl>
+                                        <p:attrNameLst>
+                                          <p:attrName>ppt_x</p:attrName>
+                                        </p:attrNameLst>
+                                      </p:cBhvr>
+                                      <p:tavLst>
+                                        <p:tav tm="0">
+                                          <p:val>
+                                            <p:strVal val="#ppt_x"/>
+                                          </p:val>
+                                        </p:tav>
+                                        <p:tav tm="100000">
+                                          <p:val>
+                                            <p:strVal val="#ppt_x"/>
+                                          </p:val>
+                                        </p:tav>
+                                      </p:tavLst>
+                                    </p:anim>
+                                    <p:anim calcmode="lin" valueType="num">
+                                      <p:cBhvr>
+                                        <p:cTn id="9" dur="1000" fill="hold"/>
+                                        <p:tgtEl>
+                                          <p:spTgt spid="2"/>
+                                        </p:tgtEl>
+                                        <p:attrNameLst>
+                                          <p:attrName>ppt_y</p:attrName>
+                                        </p:attrNameLst>
+                                      </p:cBhvr>
+                                      <p:tavLst>
+                                        <p:tav tm="0">
+                                          <p:val>
+                                            <p:strVal val="#ppt_y+.1"/>
+                                          </p:val>
+                                        </p:tav>
+                                        <p:tav tm="100000">
+                                          <p:val>
+                                            <p:strVal val="#ppt_y"/>
+                                          </p:val>
+                                        </p:tav>
+                                      </p:tavLst>
+                                    </p:anim>
+                                  </p:childTnLst>
+                                </p:cTn>
+                              </p:par>
+                            </p:childTnLst>
+                          </p:cTn>
+                        </p:par>
+                      </p:childTnLst>
+                    </p:cTn>
+                  </p:par>
+                  <p:par>
+                    <p:cTn id="10" fill="hold">
+                      <p:stCondLst>
+                        <p:cond delay="indefinite"/>
+                      </p:stCondLst>
+                      <p:childTnLst>
+                        <p:par>
+                          <p:cTn id="11" fill="hold">
+                            <p:stCondLst>
+                              <p:cond delay="0"/>
+                            </p:stCondLst>
+                            <p:childTnLst>
+                              <p:par>
+                                <p:cTn id="12" presetID="42" presetClass="entr" presetSubtype="0" fill="hold" nodeType="clickEffect">
+                                  <p:stCondLst>
+                                    <p:cond delay="0"/>
+                                  </p:stCondLst>
+                                  <p:childTnLst>
+                                    <p:set>
+                                      <p:cBhvr>
+                                        <p:cTn id="13" dur="1" fill="hold">
+                                          <p:stCondLst>
+                                            <p:cond delay="0"/>
+                                          </p:stCondLst>
+                                        </p:cTn>
+                                        <p:tgtEl>
+                                          <p:spTgt spid="3">
+                                            <p:txEl>
+                                              <p:pRg st="0" end="0"/>
+                                            </p:txEl>
+                                          </p:spTgt>
+                                        </p:tgtEl>
+                                        <p:attrNameLst>
+                                          <p:attrName>style.visibility</p:attrName>
+                                        </p:attrNameLst>
+                                      </p:cBhvr>
+                                      <p:to>
+                                        <p:strVal val="visible"/>
+                                      </p:to>
+                                    </p:set>
+                                    <p:animEffect transition="in" filter="fade">
+                                      <p:cBhvr>
+                                        <p:cTn id="14" dur="1000"/>
+                                        <p:tgtEl>
+                                          <p:spTgt spid="3">
+                                            <p:txEl>
+                                              <p:pRg st="0" end="0"/>
+                                            </p:txEl>
+                                          </p:spTgt>
+                                        </p:tgtEl>
+                                      </p:cBhvr>
+                                    </p:animEffect>
+                                    <p:anim calcmode="lin" valueType="num">
+                                      <p:cBhvr>
+                                        <p:cTn id="15" dur="1000" fill="hold"/>
+                                        <p:tgtEl>
+                                          <p:spTgt spid="3">
+                                            <p:txEl>
+                                              <p:pRg st="0" end="0"/>
+                                            </p:txEl>
+                                          </p:spTgt>
+                                        </p:tgtEl>
+                                        <p:attrNameLst>
+                                          <p:attrName>ppt_x</p:attrName>
+                                        </p:attrNameLst>
+                                      </p:cBhvr>
+                                      <p:tavLst>
+                                        <p:tav tm="0">
+                                          <p:val>
+                                            <p:strVal val="#ppt_x"/>
+                                          </p:val>
+                                        </p:tav>
+                                        <p:tav tm="100000">
+                                          <p:val>
+                                            <p:strVal val="#ppt_x"/>
+                                          </p:val>
+                                        </p:tav>
+                                      </p:tavLst>
+                                    </p:anim>
+                                    <p:anim calcmode="lin" valueType="num">
+                                      <p:cBhvr>
+                                        <p:cTn id="16" dur="1000" fill="hold"/>
+                                        <p:tgtEl>
+                                          <p:spTgt spid="3">
+                                            <p:txEl>
+                                              <p:pRg st="0" end="0"/>
+                                            </p:txEl>
+                                          </p:spTgt>
+                                        </p:tgtEl>
+                                        <p:attrNameLst>
+                                          <p:attrName>ppt_y</p:attrName>
+                                        </p:attrNameLst>
+                                      </p:cBhvr>
+                                      <p:tavLst>
+                                        <p:tav tm="0">
+                                          <p:val>
+                                            <p:strVal val="#ppt_y+.1"/>
+                                          </p:val>
+                                        </p:tav>
+                                        <p:tav tm="100000">
+                                          <p:val>
+                                            <p:strVal val="#ppt_y"/>
+                                          </p:val>
+                                        </p:tav>
+                                      </p:tavLst>
+                                    </p:anim>
+                                  </p:childTnLst>
+                                </p:cTn>
+                              </p:par>
+                            </p:childTnLst>
+                          </p:cTn>
+                        </p:par>
+                      </p:childTnLst>
+                    </p:cTn>
+                  </p:par>
+                  <p:par>
+                    <p:cTn id="17" fill="hold">
+                      <p:stCondLst>
+                        <p:cond delay="indefinite"/>
+                      </p:stCondLst>
+                      <p:childTnLst>
+                        <p:par>
+                          <p:cTn id="18" fill="hold">
+                            <p:stCondLst>
+                              <p:cond delay="0"/>
+                            </p:stCondLst>
+                            <p:childTnLst>
+                              <p:par>
+                                <p:cTn id="19" presetID="42" presetClass="entr" presetSubtype="0" fill="hold" nodeType="clickEffect">
+                                  <p:stCondLst>
+                                    <p:cond delay="0"/>
+                                  </p:stCondLst>
+                                  <p:childTnLst>
+                                    <p:set>
+                                      <p:cBhvr>
+                                        <p:cTn id="20" dur="1" fill="hold">
+                                          <p:stCondLst>
+                                            <p:cond delay="0"/>
+                                          </p:stCondLst>
+                                        </p:cTn>
+                                        <p:tgtEl>
+                                          <p:spTgt spid="3">
+                                            <p:txEl>
+                                              <p:pRg st="1" end="1"/>
+                                            </p:txEl>
+                                          </p:spTgt>
+                                        </p:tgtEl>
+                                        <p:attrNameLst>
+                                          <p:attrName>style.visibility</p:attrName>
+                                        </p:attrNameLst>
+                                      </p:cBhvr>
+                                      <p:to>
+                                        <p:strVal val="visible"/>
+                                      </p:to>
+                                    </p:set>
+                                    <p:animEffect transition="in" filter="fade">
+                                      <p:cBhvr>
+                                        <p:cTn id="21" dur="1000"/>
+                                        <p:tgtEl>
+                                          <p:spTgt spid="3">
+                                            <p:txEl>
+                                              <p:pRg st="1" end="1"/>
+                                            </p:txEl>
+                                          </p:spTgt>
+                                        </p:tgtEl>
+                                      </p:cBhvr>
+                                    </p:animEffect>
+                                    <p:anim calcmode="lin" valueType="num">
+                                      <p:cBhvr>
+                                        <p:cTn id="22" dur="1000" fill="hold"/>
+                                        <p:tgtEl>
+                                          <p:spTgt spid="3">
+                                            <p:txEl>
+                                              <p:pRg st="1" end="1"/>
+                                            </p:txEl>
+                                          </p:spTgt>
+                                        </p:tgtEl>
+                                        <p:attrNameLst>
+                                          <p:attrName>ppt_x</p:attrName>
+                                        </p:attrNameLst>
+                                      </p:cBhvr>
+                                      <p:tavLst>
+                                        <p:tav tm="0">
+                                          <p:val>
+                                            <p:strVal val="#ppt_x"/>
+                                          </p:val>
+                                        </p:tav>
+                                        <p:tav tm="100000">
+                                          <p:val>
+                                            <p:strVal val="#ppt_x"/>
+                                          </p:val>
+                                        </p:tav>
+                                      </p:tavLst>
+                                    </p:anim>
+                                    <p:anim calcmode="lin" valueType="num">
+                                      <p:cBhvr>
+                                        <p:cTn id="23" dur="1000" fill="hold"/>
+                                        <p:tgtEl>
+                                          <p:spTgt spid="3">
+                                            <p:txEl>
+                                              <p:pRg st="1" end="1"/>
+                                            </p:txEl>
+                                          </p:spTgt>
+                                        </p:tgtEl>
+                                        <p:attrNameLst>
+                                          <p:attrName>ppt_y</p:attrName>
+                                        </p:attrNameLst>
+                                      </p:cBhvr>
+                                      <p:tavLst>
+                                        <p:tav tm="0">
+                                          <p:val>
+                                            <p:strVal val="#ppt_y+.1"/>
+                                          </p:val>
+                                        </p:tav>
+                                        <p:tav tm="100000">
+                                          <p:val>
+                                            <p:strVal val="#ppt_y"/>
+                                          </p:val>
+                                        </p:tav>
+                                      </p:tavLst>
+                                    </p:anim>
+                                  </p:childTnLst>
+                                </p:cTn>
+                              </p:par>
+                            </p:childTnLst>
+                          </p:cTn>
+                        </p:par>
+                      </p:childTnLst>
+                    </p:cTn>
+                  </p:par>
+                </p:childTnLst>
+              </p:cTn>
+              <p:prevCondLst>
+                <p:cond evt="onPrev" delay="0">
+                  <p:tgtEl>
+                    <p:sldTgt/>
+                  </p:tgtEl>
+                </p:cond>
+              </p:prevCondLst>
+              <p:nextCondLst>
+                <p:cond evt="onNext" delay="0">
+                  <p:tgtEl>
+                    <p:sldTgt/>
+                  </p:tgtEl>
+                </p:cond>
+              </p:nextCondLst>
+            </p:seq>
+          </p:childTnLst>
+        </p:cTn>
+      </p:par>
+    </p:tnLst>
+    <p:bldLst>
+      <p:bldP spid="2" grpId="0"/>
+    </p:bldLst>
+  </p:timing>
 </p:sld>
 </file>
 
@@ -6626,6 +4027,33 @@
           </a:graphicData>
         </a:graphic>
       </p:graphicFrame>
+      <p:sp>
+        <p:nvSpPr>
+          <p:cNvPr id="3" name="Slide Number Placeholder 2"/>
+          <p:cNvSpPr>
+            <a:spLocks noGrp="1"/>
+          </p:cNvSpPr>
+          <p:nvPr>
+            <p:ph type="sldNum" sz="quarter" idx="12"/>
+          </p:nvPr>
+        </p:nvSpPr>
+        <p:spPr/>
+        <p:txBody>
+          <a:bodyPr/>
+          <a:lstStyle/>
+          <a:p>
+            <a:fld id="{1BBF5D34-C2F9-436F-BF81-84F3DC08A16D}" type="slidenum">
+              <a:rPr lang="en-US" smtClean="0"/>
+              <a:t>2</a:t>
+            </a:fld>
+            <a:r>
+              <a:rPr lang="en-US" dirty="0" smtClean="0"/>
+              <a:t>/8</a:t>
+            </a:r>
+            <a:endParaRPr lang="en-US" dirty="0"/>
+          </a:p>
+        </p:txBody>
+      </p:sp>
     </p:spTree>
     <p:extLst>
       <p:ext uri="{BB962C8B-B14F-4D97-AF65-F5344CB8AC3E}">
@@ -6636,6 +4064,237 @@
   <p:clrMapOvr>
     <a:masterClrMapping/>
   </p:clrMapOvr>
+  <p:timing>
+    <p:tnLst>
+      <p:par>
+        <p:cTn id="1" dur="indefinite" restart="never" nodeType="tmRoot">
+          <p:childTnLst>
+            <p:seq concurrent="1" nextAc="seek">
+              <p:cTn id="2" dur="indefinite" nodeType="mainSeq">
+                <p:childTnLst>
+                  <p:par>
+                    <p:cTn id="3" fill="hold">
+                      <p:stCondLst>
+                        <p:cond delay="indefinite"/>
+                      </p:stCondLst>
+                      <p:childTnLst>
+                        <p:par>
+                          <p:cTn id="4" fill="hold">
+                            <p:stCondLst>
+                              <p:cond delay="0"/>
+                            </p:stCondLst>
+                            <p:childTnLst>
+                              <p:par>
+                                <p:cTn id="5" presetID="42" presetClass="entr" presetSubtype="0" fill="hold" grpId="0" nodeType="clickEffect">
+                                  <p:stCondLst>
+                                    <p:cond delay="0"/>
+                                  </p:stCondLst>
+                                  <p:childTnLst>
+                                    <p:set>
+                                      <p:cBhvr>
+                                        <p:cTn id="6" dur="1" fill="hold">
+                                          <p:stCondLst>
+                                            <p:cond delay="0"/>
+                                          </p:stCondLst>
+                                        </p:cTn>
+                                        <p:tgtEl>
+                                          <p:spTgt spid="2"/>
+                                        </p:tgtEl>
+                                        <p:attrNameLst>
+                                          <p:attrName>style.visibility</p:attrName>
+                                        </p:attrNameLst>
+                                      </p:cBhvr>
+                                      <p:to>
+                                        <p:strVal val="visible"/>
+                                      </p:to>
+                                    </p:set>
+                                    <p:animEffect transition="in" filter="fade">
+                                      <p:cBhvr>
+                                        <p:cTn id="7" dur="1000"/>
+                                        <p:tgtEl>
+                                          <p:spTgt spid="2"/>
+                                        </p:tgtEl>
+                                      </p:cBhvr>
+                                    </p:animEffect>
+                                    <p:anim calcmode="lin" valueType="num">
+                                      <p:cBhvr>
+                                        <p:cTn id="8" dur="1000" fill="hold"/>
+                                        <p:tgtEl>
+                                          <p:spTgt spid="2"/>
+                                        </p:tgtEl>
+                                        <p:attrNameLst>
+                                          <p:attrName>ppt_x</p:attrName>
+                                        </p:attrNameLst>
+                                      </p:cBhvr>
+                                      <p:tavLst>
+                                        <p:tav tm="0">
+                                          <p:val>
+                                            <p:strVal val="#ppt_x"/>
+                                          </p:val>
+                                        </p:tav>
+                                        <p:tav tm="100000">
+                                          <p:val>
+                                            <p:strVal val="#ppt_x"/>
+                                          </p:val>
+                                        </p:tav>
+                                      </p:tavLst>
+                                    </p:anim>
+                                    <p:anim calcmode="lin" valueType="num">
+                                      <p:cBhvr>
+                                        <p:cTn id="9" dur="1000" fill="hold"/>
+                                        <p:tgtEl>
+                                          <p:spTgt spid="2"/>
+                                        </p:tgtEl>
+                                        <p:attrNameLst>
+                                          <p:attrName>ppt_y</p:attrName>
+                                        </p:attrNameLst>
+                                      </p:cBhvr>
+                                      <p:tavLst>
+                                        <p:tav tm="0">
+                                          <p:val>
+                                            <p:strVal val="#ppt_y+.1"/>
+                                          </p:val>
+                                        </p:tav>
+                                        <p:tav tm="100000">
+                                          <p:val>
+                                            <p:strVal val="#ppt_y"/>
+                                          </p:val>
+                                        </p:tav>
+                                      </p:tavLst>
+                                    </p:anim>
+                                  </p:childTnLst>
+                                </p:cTn>
+                              </p:par>
+                            </p:childTnLst>
+                          </p:cTn>
+                        </p:par>
+                      </p:childTnLst>
+                    </p:cTn>
+                  </p:par>
+                  <p:par>
+                    <p:cTn id="10" fill="hold">
+                      <p:stCondLst>
+                        <p:cond delay="indefinite"/>
+                      </p:stCondLst>
+                      <p:childTnLst>
+                        <p:par>
+                          <p:cTn id="11" fill="hold">
+                            <p:stCondLst>
+                              <p:cond delay="0"/>
+                            </p:stCondLst>
+                            <p:childTnLst>
+                              <p:par>
+                                <p:cTn id="12" presetID="42" presetClass="entr" presetSubtype="0" fill="hold" nodeType="clickEffect">
+                                  <p:stCondLst>
+                                    <p:cond delay="0"/>
+                                  </p:stCondLst>
+                                  <p:childTnLst>
+                                    <p:set>
+                                      <p:cBhvr>
+                                        <p:cTn id="13" dur="1" fill="hold">
+                                          <p:stCondLst>
+                                            <p:cond delay="0"/>
+                                          </p:stCondLst>
+                                        </p:cTn>
+                                        <p:tgtEl>
+                                          <p:spTgt spid="8"/>
+                                        </p:tgtEl>
+                                        <p:attrNameLst>
+                                          <p:attrName>style.visibility</p:attrName>
+                                        </p:attrNameLst>
+                                      </p:cBhvr>
+                                      <p:to>
+                                        <p:strVal val="visible"/>
+                                      </p:to>
+                                    </p:set>
+                                    <p:animEffect transition="in" filter="fade">
+                                      <p:cBhvr>
+                                        <p:cTn id="14" dur="1000"/>
+                                        <p:tgtEl>
+                                          <p:spTgt spid="8"/>
+                                        </p:tgtEl>
+                                      </p:cBhvr>
+                                    </p:animEffect>
+                                    <p:anim calcmode="lin" valueType="num">
+                                      <p:cBhvr>
+                                        <p:cTn id="15" dur="1000" fill="hold"/>
+                                        <p:tgtEl>
+                                          <p:spTgt spid="8"/>
+                                        </p:tgtEl>
+                                        <p:attrNameLst>
+                                          <p:attrName>ppt_x</p:attrName>
+                                        </p:attrNameLst>
+                                      </p:cBhvr>
+                                      <p:tavLst>
+                                        <p:tav tm="0">
+                                          <p:val>
+                                            <p:strVal val="#ppt_x"/>
+                                          </p:val>
+                                        </p:tav>
+                                        <p:tav tm="100000">
+                                          <p:val>
+                                            <p:strVal val="#ppt_x"/>
+                                          </p:val>
+                                        </p:tav>
+                                      </p:tavLst>
+                                    </p:anim>
+                                    <p:anim calcmode="lin" valueType="num">
+                                      <p:cBhvr>
+                                        <p:cTn id="16" dur="1000" fill="hold"/>
+                                        <p:tgtEl>
+                                          <p:spTgt spid="8"/>
+                                        </p:tgtEl>
+                                        <p:attrNameLst>
+                                          <p:attrName>ppt_y</p:attrName>
+                                        </p:attrNameLst>
+                                      </p:cBhvr>
+                                      <p:tavLst>
+                                        <p:tav tm="0">
+                                          <p:val>
+                                            <p:strVal val="#ppt_y+.1"/>
+                                          </p:val>
+                                        </p:tav>
+                                        <p:tav tm="100000">
+                                          <p:val>
+                                            <p:strVal val="#ppt_y"/>
+                                          </p:val>
+                                        </p:tav>
+                                      </p:tavLst>
+                                    </p:anim>
+                                  </p:childTnLst>
+                                </p:cTn>
+                              </p:par>
+                            </p:childTnLst>
+                          </p:cTn>
+                        </p:par>
+                      </p:childTnLst>
+                    </p:cTn>
+                  </p:par>
+                </p:childTnLst>
+              </p:cTn>
+              <p:prevCondLst>
+                <p:cond evt="onPrev" delay="0">
+                  <p:tgtEl>
+                    <p:sldTgt/>
+                  </p:tgtEl>
+                </p:cond>
+              </p:prevCondLst>
+              <p:nextCondLst>
+                <p:cond evt="onNext" delay="0">
+                  <p:tgtEl>
+                    <p:sldTgt/>
+                  </p:tgtEl>
+                </p:cond>
+              </p:nextCondLst>
+            </p:seq>
+          </p:childTnLst>
+        </p:cTn>
+      </p:par>
+    </p:tnLst>
+    <p:bldLst>
+      <p:bldP spid="2" grpId="0"/>
+    </p:bldLst>
+  </p:timing>
 </p:sld>
 </file>
 
@@ -6785,6 +4444,33 @@
           </a:p>
         </p:txBody>
       </p:sp>
+      <p:sp>
+        <p:nvSpPr>
+          <p:cNvPr id="4" name="Slide Number Placeholder 3"/>
+          <p:cNvSpPr>
+            <a:spLocks noGrp="1"/>
+          </p:cNvSpPr>
+          <p:nvPr>
+            <p:ph type="sldNum" sz="quarter" idx="12"/>
+          </p:nvPr>
+        </p:nvSpPr>
+        <p:spPr/>
+        <p:txBody>
+          <a:bodyPr/>
+          <a:lstStyle/>
+          <a:p>
+            <a:fld id="{1BBF5D34-C2F9-436F-BF81-84F3DC08A16D}" type="slidenum">
+              <a:rPr lang="en-US" smtClean="0"/>
+              <a:t>3</a:t>
+            </a:fld>
+            <a:r>
+              <a:rPr lang="en-US" dirty="0" smtClean="0"/>
+              <a:t>/8</a:t>
+            </a:r>
+            <a:endParaRPr lang="en-US" dirty="0"/>
+          </a:p>
+        </p:txBody>
+      </p:sp>
     </p:spTree>
     <p:extLst>
       <p:ext uri="{BB962C8B-B14F-4D97-AF65-F5344CB8AC3E}">
@@ -6795,6 +4481,829 @@
   <p:clrMapOvr>
     <a:masterClrMapping/>
   </p:clrMapOvr>
+  <p:timing>
+    <p:tnLst>
+      <p:par>
+        <p:cTn id="1" dur="indefinite" restart="never" nodeType="tmRoot">
+          <p:childTnLst>
+            <p:seq concurrent="1" nextAc="seek">
+              <p:cTn id="2" dur="indefinite" nodeType="mainSeq">
+                <p:childTnLst>
+                  <p:par>
+                    <p:cTn id="3" fill="hold">
+                      <p:stCondLst>
+                        <p:cond delay="indefinite"/>
+                      </p:stCondLst>
+                      <p:childTnLst>
+                        <p:par>
+                          <p:cTn id="4" fill="hold">
+                            <p:stCondLst>
+                              <p:cond delay="0"/>
+                            </p:stCondLst>
+                            <p:childTnLst>
+                              <p:par>
+                                <p:cTn id="5" presetID="42" presetClass="entr" presetSubtype="0" fill="hold" grpId="0" nodeType="clickEffect">
+                                  <p:stCondLst>
+                                    <p:cond delay="0"/>
+                                  </p:stCondLst>
+                                  <p:childTnLst>
+                                    <p:set>
+                                      <p:cBhvr>
+                                        <p:cTn id="6" dur="1" fill="hold">
+                                          <p:stCondLst>
+                                            <p:cond delay="0"/>
+                                          </p:stCondLst>
+                                        </p:cTn>
+                                        <p:tgtEl>
+                                          <p:spTgt spid="2"/>
+                                        </p:tgtEl>
+                                        <p:attrNameLst>
+                                          <p:attrName>style.visibility</p:attrName>
+                                        </p:attrNameLst>
+                                      </p:cBhvr>
+                                      <p:to>
+                                        <p:strVal val="visible"/>
+                                      </p:to>
+                                    </p:set>
+                                    <p:animEffect transition="in" filter="fade">
+                                      <p:cBhvr>
+                                        <p:cTn id="7" dur="1000"/>
+                                        <p:tgtEl>
+                                          <p:spTgt spid="2"/>
+                                        </p:tgtEl>
+                                      </p:cBhvr>
+                                    </p:animEffect>
+                                    <p:anim calcmode="lin" valueType="num">
+                                      <p:cBhvr>
+                                        <p:cTn id="8" dur="1000" fill="hold"/>
+                                        <p:tgtEl>
+                                          <p:spTgt spid="2"/>
+                                        </p:tgtEl>
+                                        <p:attrNameLst>
+                                          <p:attrName>ppt_x</p:attrName>
+                                        </p:attrNameLst>
+                                      </p:cBhvr>
+                                      <p:tavLst>
+                                        <p:tav tm="0">
+                                          <p:val>
+                                            <p:strVal val="#ppt_x"/>
+                                          </p:val>
+                                        </p:tav>
+                                        <p:tav tm="100000">
+                                          <p:val>
+                                            <p:strVal val="#ppt_x"/>
+                                          </p:val>
+                                        </p:tav>
+                                      </p:tavLst>
+                                    </p:anim>
+                                    <p:anim calcmode="lin" valueType="num">
+                                      <p:cBhvr>
+                                        <p:cTn id="9" dur="1000" fill="hold"/>
+                                        <p:tgtEl>
+                                          <p:spTgt spid="2"/>
+                                        </p:tgtEl>
+                                        <p:attrNameLst>
+                                          <p:attrName>ppt_y</p:attrName>
+                                        </p:attrNameLst>
+                                      </p:cBhvr>
+                                      <p:tavLst>
+                                        <p:tav tm="0">
+                                          <p:val>
+                                            <p:strVal val="#ppt_y+.1"/>
+                                          </p:val>
+                                        </p:tav>
+                                        <p:tav tm="100000">
+                                          <p:val>
+                                            <p:strVal val="#ppt_y"/>
+                                          </p:val>
+                                        </p:tav>
+                                      </p:tavLst>
+                                    </p:anim>
+                                  </p:childTnLst>
+                                </p:cTn>
+                              </p:par>
+                            </p:childTnLst>
+                          </p:cTn>
+                        </p:par>
+                      </p:childTnLst>
+                    </p:cTn>
+                  </p:par>
+                  <p:par>
+                    <p:cTn id="10" fill="hold">
+                      <p:stCondLst>
+                        <p:cond delay="indefinite"/>
+                      </p:stCondLst>
+                      <p:childTnLst>
+                        <p:par>
+                          <p:cTn id="11" fill="hold">
+                            <p:stCondLst>
+                              <p:cond delay="0"/>
+                            </p:stCondLst>
+                            <p:childTnLst>
+                              <p:par>
+                                <p:cTn id="12" presetID="42" presetClass="entr" presetSubtype="0" fill="hold" grpId="0" nodeType="clickEffect">
+                                  <p:stCondLst>
+                                    <p:cond delay="0"/>
+                                  </p:stCondLst>
+                                  <p:childTnLst>
+                                    <p:set>
+                                      <p:cBhvr>
+                                        <p:cTn id="13" dur="1" fill="hold">
+                                          <p:stCondLst>
+                                            <p:cond delay="0"/>
+                                          </p:stCondLst>
+                                        </p:cTn>
+                                        <p:tgtEl>
+                                          <p:spTgt spid="3">
+                                            <p:txEl>
+                                              <p:pRg st="0" end="0"/>
+                                            </p:txEl>
+                                          </p:spTgt>
+                                        </p:tgtEl>
+                                        <p:attrNameLst>
+                                          <p:attrName>style.visibility</p:attrName>
+                                        </p:attrNameLst>
+                                      </p:cBhvr>
+                                      <p:to>
+                                        <p:strVal val="visible"/>
+                                      </p:to>
+                                    </p:set>
+                                    <p:animEffect transition="in" filter="fade">
+                                      <p:cBhvr>
+                                        <p:cTn id="14" dur="1000"/>
+                                        <p:tgtEl>
+                                          <p:spTgt spid="3">
+                                            <p:txEl>
+                                              <p:pRg st="0" end="0"/>
+                                            </p:txEl>
+                                          </p:spTgt>
+                                        </p:tgtEl>
+                                      </p:cBhvr>
+                                    </p:animEffect>
+                                    <p:anim calcmode="lin" valueType="num">
+                                      <p:cBhvr>
+                                        <p:cTn id="15" dur="1000" fill="hold"/>
+                                        <p:tgtEl>
+                                          <p:spTgt spid="3">
+                                            <p:txEl>
+                                              <p:pRg st="0" end="0"/>
+                                            </p:txEl>
+                                          </p:spTgt>
+                                        </p:tgtEl>
+                                        <p:attrNameLst>
+                                          <p:attrName>ppt_x</p:attrName>
+                                        </p:attrNameLst>
+                                      </p:cBhvr>
+                                      <p:tavLst>
+                                        <p:tav tm="0">
+                                          <p:val>
+                                            <p:strVal val="#ppt_x"/>
+                                          </p:val>
+                                        </p:tav>
+                                        <p:tav tm="100000">
+                                          <p:val>
+                                            <p:strVal val="#ppt_x"/>
+                                          </p:val>
+                                        </p:tav>
+                                      </p:tavLst>
+                                    </p:anim>
+                                    <p:anim calcmode="lin" valueType="num">
+                                      <p:cBhvr>
+                                        <p:cTn id="16" dur="1000" fill="hold"/>
+                                        <p:tgtEl>
+                                          <p:spTgt spid="3">
+                                            <p:txEl>
+                                              <p:pRg st="0" end="0"/>
+                                            </p:txEl>
+                                          </p:spTgt>
+                                        </p:tgtEl>
+                                        <p:attrNameLst>
+                                          <p:attrName>ppt_y</p:attrName>
+                                        </p:attrNameLst>
+                                      </p:cBhvr>
+                                      <p:tavLst>
+                                        <p:tav tm="0">
+                                          <p:val>
+                                            <p:strVal val="#ppt_y+.1"/>
+                                          </p:val>
+                                        </p:tav>
+                                        <p:tav tm="100000">
+                                          <p:val>
+                                            <p:strVal val="#ppt_y"/>
+                                          </p:val>
+                                        </p:tav>
+                                      </p:tavLst>
+                                    </p:anim>
+                                  </p:childTnLst>
+                                </p:cTn>
+                              </p:par>
+                            </p:childTnLst>
+                          </p:cTn>
+                        </p:par>
+                      </p:childTnLst>
+                    </p:cTn>
+                  </p:par>
+                  <p:par>
+                    <p:cTn id="17" fill="hold">
+                      <p:stCondLst>
+                        <p:cond delay="indefinite"/>
+                      </p:stCondLst>
+                      <p:childTnLst>
+                        <p:par>
+                          <p:cTn id="18" fill="hold">
+                            <p:stCondLst>
+                              <p:cond delay="0"/>
+                            </p:stCondLst>
+                            <p:childTnLst>
+                              <p:par>
+                                <p:cTn id="19" presetID="42" presetClass="entr" presetSubtype="0" fill="hold" grpId="0" nodeType="clickEffect">
+                                  <p:stCondLst>
+                                    <p:cond delay="0"/>
+                                  </p:stCondLst>
+                                  <p:childTnLst>
+                                    <p:set>
+                                      <p:cBhvr>
+                                        <p:cTn id="20" dur="1" fill="hold">
+                                          <p:stCondLst>
+                                            <p:cond delay="0"/>
+                                          </p:stCondLst>
+                                        </p:cTn>
+                                        <p:tgtEl>
+                                          <p:spTgt spid="3">
+                                            <p:txEl>
+                                              <p:pRg st="1" end="1"/>
+                                            </p:txEl>
+                                          </p:spTgt>
+                                        </p:tgtEl>
+                                        <p:attrNameLst>
+                                          <p:attrName>style.visibility</p:attrName>
+                                        </p:attrNameLst>
+                                      </p:cBhvr>
+                                      <p:to>
+                                        <p:strVal val="visible"/>
+                                      </p:to>
+                                    </p:set>
+                                    <p:animEffect transition="in" filter="fade">
+                                      <p:cBhvr>
+                                        <p:cTn id="21" dur="1000"/>
+                                        <p:tgtEl>
+                                          <p:spTgt spid="3">
+                                            <p:txEl>
+                                              <p:pRg st="1" end="1"/>
+                                            </p:txEl>
+                                          </p:spTgt>
+                                        </p:tgtEl>
+                                      </p:cBhvr>
+                                    </p:animEffect>
+                                    <p:anim calcmode="lin" valueType="num">
+                                      <p:cBhvr>
+                                        <p:cTn id="22" dur="1000" fill="hold"/>
+                                        <p:tgtEl>
+                                          <p:spTgt spid="3">
+                                            <p:txEl>
+                                              <p:pRg st="1" end="1"/>
+                                            </p:txEl>
+                                          </p:spTgt>
+                                        </p:tgtEl>
+                                        <p:attrNameLst>
+                                          <p:attrName>ppt_x</p:attrName>
+                                        </p:attrNameLst>
+                                      </p:cBhvr>
+                                      <p:tavLst>
+                                        <p:tav tm="0">
+                                          <p:val>
+                                            <p:strVal val="#ppt_x"/>
+                                          </p:val>
+                                        </p:tav>
+                                        <p:tav tm="100000">
+                                          <p:val>
+                                            <p:strVal val="#ppt_x"/>
+                                          </p:val>
+                                        </p:tav>
+                                      </p:tavLst>
+                                    </p:anim>
+                                    <p:anim calcmode="lin" valueType="num">
+                                      <p:cBhvr>
+                                        <p:cTn id="23" dur="1000" fill="hold"/>
+                                        <p:tgtEl>
+                                          <p:spTgt spid="3">
+                                            <p:txEl>
+                                              <p:pRg st="1" end="1"/>
+                                            </p:txEl>
+                                          </p:spTgt>
+                                        </p:tgtEl>
+                                        <p:attrNameLst>
+                                          <p:attrName>ppt_y</p:attrName>
+                                        </p:attrNameLst>
+                                      </p:cBhvr>
+                                      <p:tavLst>
+                                        <p:tav tm="0">
+                                          <p:val>
+                                            <p:strVal val="#ppt_y+.1"/>
+                                          </p:val>
+                                        </p:tav>
+                                        <p:tav tm="100000">
+                                          <p:val>
+                                            <p:strVal val="#ppt_y"/>
+                                          </p:val>
+                                        </p:tav>
+                                      </p:tavLst>
+                                    </p:anim>
+                                  </p:childTnLst>
+                                </p:cTn>
+                              </p:par>
+                            </p:childTnLst>
+                          </p:cTn>
+                        </p:par>
+                      </p:childTnLst>
+                    </p:cTn>
+                  </p:par>
+                  <p:par>
+                    <p:cTn id="24" fill="hold">
+                      <p:stCondLst>
+                        <p:cond delay="indefinite"/>
+                      </p:stCondLst>
+                      <p:childTnLst>
+                        <p:par>
+                          <p:cTn id="25" fill="hold">
+                            <p:stCondLst>
+                              <p:cond delay="0"/>
+                            </p:stCondLst>
+                            <p:childTnLst>
+                              <p:par>
+                                <p:cTn id="26" presetID="42" presetClass="entr" presetSubtype="0" fill="hold" grpId="0" nodeType="clickEffect">
+                                  <p:stCondLst>
+                                    <p:cond delay="0"/>
+                                  </p:stCondLst>
+                                  <p:childTnLst>
+                                    <p:set>
+                                      <p:cBhvr>
+                                        <p:cTn id="27" dur="1" fill="hold">
+                                          <p:stCondLst>
+                                            <p:cond delay="0"/>
+                                          </p:stCondLst>
+                                        </p:cTn>
+                                        <p:tgtEl>
+                                          <p:spTgt spid="3">
+                                            <p:txEl>
+                                              <p:pRg st="2" end="2"/>
+                                            </p:txEl>
+                                          </p:spTgt>
+                                        </p:tgtEl>
+                                        <p:attrNameLst>
+                                          <p:attrName>style.visibility</p:attrName>
+                                        </p:attrNameLst>
+                                      </p:cBhvr>
+                                      <p:to>
+                                        <p:strVal val="visible"/>
+                                      </p:to>
+                                    </p:set>
+                                    <p:animEffect transition="in" filter="fade">
+                                      <p:cBhvr>
+                                        <p:cTn id="28" dur="1000"/>
+                                        <p:tgtEl>
+                                          <p:spTgt spid="3">
+                                            <p:txEl>
+                                              <p:pRg st="2" end="2"/>
+                                            </p:txEl>
+                                          </p:spTgt>
+                                        </p:tgtEl>
+                                      </p:cBhvr>
+                                    </p:animEffect>
+                                    <p:anim calcmode="lin" valueType="num">
+                                      <p:cBhvr>
+                                        <p:cTn id="29" dur="1000" fill="hold"/>
+                                        <p:tgtEl>
+                                          <p:spTgt spid="3">
+                                            <p:txEl>
+                                              <p:pRg st="2" end="2"/>
+                                            </p:txEl>
+                                          </p:spTgt>
+                                        </p:tgtEl>
+                                        <p:attrNameLst>
+                                          <p:attrName>ppt_x</p:attrName>
+                                        </p:attrNameLst>
+                                      </p:cBhvr>
+                                      <p:tavLst>
+                                        <p:tav tm="0">
+                                          <p:val>
+                                            <p:strVal val="#ppt_x"/>
+                                          </p:val>
+                                        </p:tav>
+                                        <p:tav tm="100000">
+                                          <p:val>
+                                            <p:strVal val="#ppt_x"/>
+                                          </p:val>
+                                        </p:tav>
+                                      </p:tavLst>
+                                    </p:anim>
+                                    <p:anim calcmode="lin" valueType="num">
+                                      <p:cBhvr>
+                                        <p:cTn id="30" dur="1000" fill="hold"/>
+                                        <p:tgtEl>
+                                          <p:spTgt spid="3">
+                                            <p:txEl>
+                                              <p:pRg st="2" end="2"/>
+                                            </p:txEl>
+                                          </p:spTgt>
+                                        </p:tgtEl>
+                                        <p:attrNameLst>
+                                          <p:attrName>ppt_y</p:attrName>
+                                        </p:attrNameLst>
+                                      </p:cBhvr>
+                                      <p:tavLst>
+                                        <p:tav tm="0">
+                                          <p:val>
+                                            <p:strVal val="#ppt_y+.1"/>
+                                          </p:val>
+                                        </p:tav>
+                                        <p:tav tm="100000">
+                                          <p:val>
+                                            <p:strVal val="#ppt_y"/>
+                                          </p:val>
+                                        </p:tav>
+                                      </p:tavLst>
+                                    </p:anim>
+                                  </p:childTnLst>
+                                </p:cTn>
+                              </p:par>
+                            </p:childTnLst>
+                          </p:cTn>
+                        </p:par>
+                      </p:childTnLst>
+                    </p:cTn>
+                  </p:par>
+                  <p:par>
+                    <p:cTn id="31" fill="hold">
+                      <p:stCondLst>
+                        <p:cond delay="indefinite"/>
+                      </p:stCondLst>
+                      <p:childTnLst>
+                        <p:par>
+                          <p:cTn id="32" fill="hold">
+                            <p:stCondLst>
+                              <p:cond delay="0"/>
+                            </p:stCondLst>
+                            <p:childTnLst>
+                              <p:par>
+                                <p:cTn id="33" presetID="42" presetClass="entr" presetSubtype="0" fill="hold" grpId="0" nodeType="clickEffect">
+                                  <p:stCondLst>
+                                    <p:cond delay="0"/>
+                                  </p:stCondLst>
+                                  <p:childTnLst>
+                                    <p:set>
+                                      <p:cBhvr>
+                                        <p:cTn id="34" dur="1" fill="hold">
+                                          <p:stCondLst>
+                                            <p:cond delay="0"/>
+                                          </p:stCondLst>
+                                        </p:cTn>
+                                        <p:tgtEl>
+                                          <p:spTgt spid="3">
+                                            <p:txEl>
+                                              <p:pRg st="3" end="3"/>
+                                            </p:txEl>
+                                          </p:spTgt>
+                                        </p:tgtEl>
+                                        <p:attrNameLst>
+                                          <p:attrName>style.visibility</p:attrName>
+                                        </p:attrNameLst>
+                                      </p:cBhvr>
+                                      <p:to>
+                                        <p:strVal val="visible"/>
+                                      </p:to>
+                                    </p:set>
+                                    <p:animEffect transition="in" filter="fade">
+                                      <p:cBhvr>
+                                        <p:cTn id="35" dur="1000"/>
+                                        <p:tgtEl>
+                                          <p:spTgt spid="3">
+                                            <p:txEl>
+                                              <p:pRg st="3" end="3"/>
+                                            </p:txEl>
+                                          </p:spTgt>
+                                        </p:tgtEl>
+                                      </p:cBhvr>
+                                    </p:animEffect>
+                                    <p:anim calcmode="lin" valueType="num">
+                                      <p:cBhvr>
+                                        <p:cTn id="36" dur="1000" fill="hold"/>
+                                        <p:tgtEl>
+                                          <p:spTgt spid="3">
+                                            <p:txEl>
+                                              <p:pRg st="3" end="3"/>
+                                            </p:txEl>
+                                          </p:spTgt>
+                                        </p:tgtEl>
+                                        <p:attrNameLst>
+                                          <p:attrName>ppt_x</p:attrName>
+                                        </p:attrNameLst>
+                                      </p:cBhvr>
+                                      <p:tavLst>
+                                        <p:tav tm="0">
+                                          <p:val>
+                                            <p:strVal val="#ppt_x"/>
+                                          </p:val>
+                                        </p:tav>
+                                        <p:tav tm="100000">
+                                          <p:val>
+                                            <p:strVal val="#ppt_x"/>
+                                          </p:val>
+                                        </p:tav>
+                                      </p:tavLst>
+                                    </p:anim>
+                                    <p:anim calcmode="lin" valueType="num">
+                                      <p:cBhvr>
+                                        <p:cTn id="37" dur="1000" fill="hold"/>
+                                        <p:tgtEl>
+                                          <p:spTgt spid="3">
+                                            <p:txEl>
+                                              <p:pRg st="3" end="3"/>
+                                            </p:txEl>
+                                          </p:spTgt>
+                                        </p:tgtEl>
+                                        <p:attrNameLst>
+                                          <p:attrName>ppt_y</p:attrName>
+                                        </p:attrNameLst>
+                                      </p:cBhvr>
+                                      <p:tavLst>
+                                        <p:tav tm="0">
+                                          <p:val>
+                                            <p:strVal val="#ppt_y+.1"/>
+                                          </p:val>
+                                        </p:tav>
+                                        <p:tav tm="100000">
+                                          <p:val>
+                                            <p:strVal val="#ppt_y"/>
+                                          </p:val>
+                                        </p:tav>
+                                      </p:tavLst>
+                                    </p:anim>
+                                  </p:childTnLst>
+                                </p:cTn>
+                              </p:par>
+                            </p:childTnLst>
+                          </p:cTn>
+                        </p:par>
+                      </p:childTnLst>
+                    </p:cTn>
+                  </p:par>
+                  <p:par>
+                    <p:cTn id="38" fill="hold">
+                      <p:stCondLst>
+                        <p:cond delay="indefinite"/>
+                      </p:stCondLst>
+                      <p:childTnLst>
+                        <p:par>
+                          <p:cTn id="39" fill="hold">
+                            <p:stCondLst>
+                              <p:cond delay="0"/>
+                            </p:stCondLst>
+                            <p:childTnLst>
+                              <p:par>
+                                <p:cTn id="40" presetID="42" presetClass="entr" presetSubtype="0" fill="hold" grpId="0" nodeType="clickEffect">
+                                  <p:stCondLst>
+                                    <p:cond delay="0"/>
+                                  </p:stCondLst>
+                                  <p:childTnLst>
+                                    <p:set>
+                                      <p:cBhvr>
+                                        <p:cTn id="41" dur="1" fill="hold">
+                                          <p:stCondLst>
+                                            <p:cond delay="0"/>
+                                          </p:stCondLst>
+                                        </p:cTn>
+                                        <p:tgtEl>
+                                          <p:spTgt spid="3">
+                                            <p:txEl>
+                                              <p:pRg st="4" end="4"/>
+                                            </p:txEl>
+                                          </p:spTgt>
+                                        </p:tgtEl>
+                                        <p:attrNameLst>
+                                          <p:attrName>style.visibility</p:attrName>
+                                        </p:attrNameLst>
+                                      </p:cBhvr>
+                                      <p:to>
+                                        <p:strVal val="visible"/>
+                                      </p:to>
+                                    </p:set>
+                                    <p:animEffect transition="in" filter="fade">
+                                      <p:cBhvr>
+                                        <p:cTn id="42" dur="1000"/>
+                                        <p:tgtEl>
+                                          <p:spTgt spid="3">
+                                            <p:txEl>
+                                              <p:pRg st="4" end="4"/>
+                                            </p:txEl>
+                                          </p:spTgt>
+                                        </p:tgtEl>
+                                      </p:cBhvr>
+                                    </p:animEffect>
+                                    <p:anim calcmode="lin" valueType="num">
+                                      <p:cBhvr>
+                                        <p:cTn id="43" dur="1000" fill="hold"/>
+                                        <p:tgtEl>
+                                          <p:spTgt spid="3">
+                                            <p:txEl>
+                                              <p:pRg st="4" end="4"/>
+                                            </p:txEl>
+                                          </p:spTgt>
+                                        </p:tgtEl>
+                                        <p:attrNameLst>
+                                          <p:attrName>ppt_x</p:attrName>
+                                        </p:attrNameLst>
+                                      </p:cBhvr>
+                                      <p:tavLst>
+                                        <p:tav tm="0">
+                                          <p:val>
+                                            <p:strVal val="#ppt_x"/>
+                                          </p:val>
+                                        </p:tav>
+                                        <p:tav tm="100000">
+                                          <p:val>
+                                            <p:strVal val="#ppt_x"/>
+                                          </p:val>
+                                        </p:tav>
+                                      </p:tavLst>
+                                    </p:anim>
+                                    <p:anim calcmode="lin" valueType="num">
+                                      <p:cBhvr>
+                                        <p:cTn id="44" dur="1000" fill="hold"/>
+                                        <p:tgtEl>
+                                          <p:spTgt spid="3">
+                                            <p:txEl>
+                                              <p:pRg st="4" end="4"/>
+                                            </p:txEl>
+                                          </p:spTgt>
+                                        </p:tgtEl>
+                                        <p:attrNameLst>
+                                          <p:attrName>ppt_y</p:attrName>
+                                        </p:attrNameLst>
+                                      </p:cBhvr>
+                                      <p:tavLst>
+                                        <p:tav tm="0">
+                                          <p:val>
+                                            <p:strVal val="#ppt_y+.1"/>
+                                          </p:val>
+                                        </p:tav>
+                                        <p:tav tm="100000">
+                                          <p:val>
+                                            <p:strVal val="#ppt_y"/>
+                                          </p:val>
+                                        </p:tav>
+                                      </p:tavLst>
+                                    </p:anim>
+                                  </p:childTnLst>
+                                </p:cTn>
+                              </p:par>
+                            </p:childTnLst>
+                          </p:cTn>
+                        </p:par>
+                      </p:childTnLst>
+                    </p:cTn>
+                  </p:par>
+                  <p:par>
+                    <p:cTn id="45" fill="hold">
+                      <p:stCondLst>
+                        <p:cond delay="indefinite"/>
+                      </p:stCondLst>
+                      <p:childTnLst>
+                        <p:par>
+                          <p:cTn id="46" fill="hold">
+                            <p:stCondLst>
+                              <p:cond delay="0"/>
+                            </p:stCondLst>
+                            <p:childTnLst>
+                              <p:par>
+                                <p:cTn id="47" presetID="42" presetClass="entr" presetSubtype="0" fill="hold" grpId="0" nodeType="clickEffect">
+                                  <p:stCondLst>
+                                    <p:cond delay="0"/>
+                                  </p:stCondLst>
+                                  <p:childTnLst>
+                                    <p:set>
+                                      <p:cBhvr>
+                                        <p:cTn id="48" dur="1" fill="hold">
+                                          <p:stCondLst>
+                                            <p:cond delay="0"/>
+                                          </p:stCondLst>
+                                        </p:cTn>
+                                        <p:tgtEl>
+                                          <p:spTgt spid="3">
+                                            <p:txEl>
+                                              <p:pRg st="5" end="5"/>
+                                            </p:txEl>
+                                          </p:spTgt>
+                                        </p:tgtEl>
+                                        <p:attrNameLst>
+                                          <p:attrName>style.visibility</p:attrName>
+                                        </p:attrNameLst>
+                                      </p:cBhvr>
+                                      <p:to>
+                                        <p:strVal val="visible"/>
+                                      </p:to>
+                                    </p:set>
+                                    <p:animEffect transition="in" filter="fade">
+                                      <p:cBhvr>
+                                        <p:cTn id="49" dur="1000"/>
+                                        <p:tgtEl>
+                                          <p:spTgt spid="3">
+                                            <p:txEl>
+                                              <p:pRg st="5" end="5"/>
+                                            </p:txEl>
+                                          </p:spTgt>
+                                        </p:tgtEl>
+                                      </p:cBhvr>
+                                    </p:animEffect>
+                                    <p:anim calcmode="lin" valueType="num">
+                                      <p:cBhvr>
+                                        <p:cTn id="50" dur="1000" fill="hold"/>
+                                        <p:tgtEl>
+                                          <p:spTgt spid="3">
+                                            <p:txEl>
+                                              <p:pRg st="5" end="5"/>
+                                            </p:txEl>
+                                          </p:spTgt>
+                                        </p:tgtEl>
+                                        <p:attrNameLst>
+                                          <p:attrName>ppt_x</p:attrName>
+                                        </p:attrNameLst>
+                                      </p:cBhvr>
+                                      <p:tavLst>
+                                        <p:tav tm="0">
+                                          <p:val>
+                                            <p:strVal val="#ppt_x"/>
+                                          </p:val>
+                                        </p:tav>
+                                        <p:tav tm="100000">
+                                          <p:val>
+                                            <p:strVal val="#ppt_x"/>
+                                          </p:val>
+                                        </p:tav>
+                                      </p:tavLst>
+                                    </p:anim>
+                                    <p:anim calcmode="lin" valueType="num">
+                                      <p:cBhvr>
+                                        <p:cTn id="51" dur="1000" fill="hold"/>
+                                        <p:tgtEl>
+                                          <p:spTgt spid="3">
+                                            <p:txEl>
+                                              <p:pRg st="5" end="5"/>
+                                            </p:txEl>
+                                          </p:spTgt>
+                                        </p:tgtEl>
+                                        <p:attrNameLst>
+                                          <p:attrName>ppt_y</p:attrName>
+                                        </p:attrNameLst>
+                                      </p:cBhvr>
+                                      <p:tavLst>
+                                        <p:tav tm="0">
+                                          <p:val>
+                                            <p:strVal val="#ppt_y+.1"/>
+                                          </p:val>
+                                        </p:tav>
+                                        <p:tav tm="100000">
+                                          <p:val>
+                                            <p:strVal val="#ppt_y"/>
+                                          </p:val>
+                                        </p:tav>
+                                      </p:tavLst>
+                                    </p:anim>
+                                  </p:childTnLst>
+                                </p:cTn>
+                              </p:par>
+                            </p:childTnLst>
+                          </p:cTn>
+                        </p:par>
+                      </p:childTnLst>
+                    </p:cTn>
+                  </p:par>
+                </p:childTnLst>
+              </p:cTn>
+              <p:prevCondLst>
+                <p:cond evt="onPrev" delay="0">
+                  <p:tgtEl>
+                    <p:sldTgt/>
+                  </p:tgtEl>
+                </p:cond>
+              </p:prevCondLst>
+              <p:nextCondLst>
+                <p:cond evt="onNext" delay="0">
+                  <p:tgtEl>
+                    <p:sldTgt/>
+                  </p:tgtEl>
+                </p:cond>
+              </p:nextCondLst>
+            </p:seq>
+          </p:childTnLst>
+        </p:cTn>
+      </p:par>
+    </p:tnLst>
+    <p:bldLst>
+      <p:bldP spid="2" grpId="0"/>
+      <p:bldP spid="3" grpId="0" build="p"/>
+    </p:bldLst>
+  </p:timing>
 </p:sld>
 </file>
 
@@ -7337,12 +5846,12 @@
                         </a:spcAft>
                       </a:pPr>
                       <a:r>
-                        <a:rPr lang="en-US" sz="1100">
+                        <a:rPr lang="en-US" sz="1100" dirty="0">
                           <a:effectLst/>
                         </a:rPr>
                         <a:t>Detailed study on road conditions in Serbia</a:t>
                       </a:r>
-                      <a:endParaRPr lang="en-US" sz="1100">
+                      <a:endParaRPr lang="en-US" sz="1100" dirty="0">
                         <a:effectLst/>
                         <a:latin typeface="Calibri" panose="020F0502020204030204" pitchFamily="34" charset="0"/>
                         <a:ea typeface="Calibri" panose="020F0502020204030204" pitchFamily="34" charset="0"/>
@@ -8004,6 +6513,33 @@
           </a:graphicData>
         </a:graphic>
       </p:graphicFrame>
+      <p:sp>
+        <p:nvSpPr>
+          <p:cNvPr id="3" name="Slide Number Placeholder 2"/>
+          <p:cNvSpPr>
+            <a:spLocks noGrp="1"/>
+          </p:cNvSpPr>
+          <p:nvPr>
+            <p:ph type="sldNum" sz="quarter" idx="12"/>
+          </p:nvPr>
+        </p:nvSpPr>
+        <p:spPr/>
+        <p:txBody>
+          <a:bodyPr/>
+          <a:lstStyle/>
+          <a:p>
+            <a:fld id="{1BBF5D34-C2F9-436F-BF81-84F3DC08A16D}" type="slidenum">
+              <a:rPr lang="en-US" smtClean="0"/>
+              <a:t>4</a:t>
+            </a:fld>
+            <a:r>
+              <a:rPr lang="en-US" dirty="0" smtClean="0"/>
+              <a:t>/8</a:t>
+            </a:r>
+            <a:endParaRPr lang="en-US" dirty="0"/>
+          </a:p>
+        </p:txBody>
+      </p:sp>
     </p:spTree>
     <p:extLst>
       <p:ext uri="{BB962C8B-B14F-4D97-AF65-F5344CB8AC3E}">
@@ -8014,6 +6550,237 @@
   <p:clrMapOvr>
     <a:masterClrMapping/>
   </p:clrMapOvr>
+  <p:timing>
+    <p:tnLst>
+      <p:par>
+        <p:cTn id="1" dur="indefinite" restart="never" nodeType="tmRoot">
+          <p:childTnLst>
+            <p:seq concurrent="1" nextAc="seek">
+              <p:cTn id="2" dur="indefinite" nodeType="mainSeq">
+                <p:childTnLst>
+                  <p:par>
+                    <p:cTn id="3" fill="hold">
+                      <p:stCondLst>
+                        <p:cond delay="indefinite"/>
+                      </p:stCondLst>
+                      <p:childTnLst>
+                        <p:par>
+                          <p:cTn id="4" fill="hold">
+                            <p:stCondLst>
+                              <p:cond delay="0"/>
+                            </p:stCondLst>
+                            <p:childTnLst>
+                              <p:par>
+                                <p:cTn id="5" presetID="42" presetClass="entr" presetSubtype="0" fill="hold" grpId="0" nodeType="clickEffect">
+                                  <p:stCondLst>
+                                    <p:cond delay="0"/>
+                                  </p:stCondLst>
+                                  <p:childTnLst>
+                                    <p:set>
+                                      <p:cBhvr>
+                                        <p:cTn id="6" dur="1" fill="hold">
+                                          <p:stCondLst>
+                                            <p:cond delay="0"/>
+                                          </p:stCondLst>
+                                        </p:cTn>
+                                        <p:tgtEl>
+                                          <p:spTgt spid="2"/>
+                                        </p:tgtEl>
+                                        <p:attrNameLst>
+                                          <p:attrName>style.visibility</p:attrName>
+                                        </p:attrNameLst>
+                                      </p:cBhvr>
+                                      <p:to>
+                                        <p:strVal val="visible"/>
+                                      </p:to>
+                                    </p:set>
+                                    <p:animEffect transition="in" filter="fade">
+                                      <p:cBhvr>
+                                        <p:cTn id="7" dur="1000"/>
+                                        <p:tgtEl>
+                                          <p:spTgt spid="2"/>
+                                        </p:tgtEl>
+                                      </p:cBhvr>
+                                    </p:animEffect>
+                                    <p:anim calcmode="lin" valueType="num">
+                                      <p:cBhvr>
+                                        <p:cTn id="8" dur="1000" fill="hold"/>
+                                        <p:tgtEl>
+                                          <p:spTgt spid="2"/>
+                                        </p:tgtEl>
+                                        <p:attrNameLst>
+                                          <p:attrName>ppt_x</p:attrName>
+                                        </p:attrNameLst>
+                                      </p:cBhvr>
+                                      <p:tavLst>
+                                        <p:tav tm="0">
+                                          <p:val>
+                                            <p:strVal val="#ppt_x"/>
+                                          </p:val>
+                                        </p:tav>
+                                        <p:tav tm="100000">
+                                          <p:val>
+                                            <p:strVal val="#ppt_x"/>
+                                          </p:val>
+                                        </p:tav>
+                                      </p:tavLst>
+                                    </p:anim>
+                                    <p:anim calcmode="lin" valueType="num">
+                                      <p:cBhvr>
+                                        <p:cTn id="9" dur="1000" fill="hold"/>
+                                        <p:tgtEl>
+                                          <p:spTgt spid="2"/>
+                                        </p:tgtEl>
+                                        <p:attrNameLst>
+                                          <p:attrName>ppt_y</p:attrName>
+                                        </p:attrNameLst>
+                                      </p:cBhvr>
+                                      <p:tavLst>
+                                        <p:tav tm="0">
+                                          <p:val>
+                                            <p:strVal val="#ppt_y+.1"/>
+                                          </p:val>
+                                        </p:tav>
+                                        <p:tav tm="100000">
+                                          <p:val>
+                                            <p:strVal val="#ppt_y"/>
+                                          </p:val>
+                                        </p:tav>
+                                      </p:tavLst>
+                                    </p:anim>
+                                  </p:childTnLst>
+                                </p:cTn>
+                              </p:par>
+                            </p:childTnLst>
+                          </p:cTn>
+                        </p:par>
+                      </p:childTnLst>
+                    </p:cTn>
+                  </p:par>
+                  <p:par>
+                    <p:cTn id="10" fill="hold">
+                      <p:stCondLst>
+                        <p:cond delay="indefinite"/>
+                      </p:stCondLst>
+                      <p:childTnLst>
+                        <p:par>
+                          <p:cTn id="11" fill="hold">
+                            <p:stCondLst>
+                              <p:cond delay="0"/>
+                            </p:stCondLst>
+                            <p:childTnLst>
+                              <p:par>
+                                <p:cTn id="12" presetID="42" presetClass="entr" presetSubtype="0" fill="hold" nodeType="clickEffect">
+                                  <p:stCondLst>
+                                    <p:cond delay="0"/>
+                                  </p:stCondLst>
+                                  <p:childTnLst>
+                                    <p:set>
+                                      <p:cBhvr>
+                                        <p:cTn id="13" dur="1" fill="hold">
+                                          <p:stCondLst>
+                                            <p:cond delay="0"/>
+                                          </p:stCondLst>
+                                        </p:cTn>
+                                        <p:tgtEl>
+                                          <p:spTgt spid="6"/>
+                                        </p:tgtEl>
+                                        <p:attrNameLst>
+                                          <p:attrName>style.visibility</p:attrName>
+                                        </p:attrNameLst>
+                                      </p:cBhvr>
+                                      <p:to>
+                                        <p:strVal val="visible"/>
+                                      </p:to>
+                                    </p:set>
+                                    <p:animEffect transition="in" filter="fade">
+                                      <p:cBhvr>
+                                        <p:cTn id="14" dur="1000"/>
+                                        <p:tgtEl>
+                                          <p:spTgt spid="6"/>
+                                        </p:tgtEl>
+                                      </p:cBhvr>
+                                    </p:animEffect>
+                                    <p:anim calcmode="lin" valueType="num">
+                                      <p:cBhvr>
+                                        <p:cTn id="15" dur="1000" fill="hold"/>
+                                        <p:tgtEl>
+                                          <p:spTgt spid="6"/>
+                                        </p:tgtEl>
+                                        <p:attrNameLst>
+                                          <p:attrName>ppt_x</p:attrName>
+                                        </p:attrNameLst>
+                                      </p:cBhvr>
+                                      <p:tavLst>
+                                        <p:tav tm="0">
+                                          <p:val>
+                                            <p:strVal val="#ppt_x"/>
+                                          </p:val>
+                                        </p:tav>
+                                        <p:tav tm="100000">
+                                          <p:val>
+                                            <p:strVal val="#ppt_x"/>
+                                          </p:val>
+                                        </p:tav>
+                                      </p:tavLst>
+                                    </p:anim>
+                                    <p:anim calcmode="lin" valueType="num">
+                                      <p:cBhvr>
+                                        <p:cTn id="16" dur="1000" fill="hold"/>
+                                        <p:tgtEl>
+                                          <p:spTgt spid="6"/>
+                                        </p:tgtEl>
+                                        <p:attrNameLst>
+                                          <p:attrName>ppt_y</p:attrName>
+                                        </p:attrNameLst>
+                                      </p:cBhvr>
+                                      <p:tavLst>
+                                        <p:tav tm="0">
+                                          <p:val>
+                                            <p:strVal val="#ppt_y+.1"/>
+                                          </p:val>
+                                        </p:tav>
+                                        <p:tav tm="100000">
+                                          <p:val>
+                                            <p:strVal val="#ppt_y"/>
+                                          </p:val>
+                                        </p:tav>
+                                      </p:tavLst>
+                                    </p:anim>
+                                  </p:childTnLst>
+                                </p:cTn>
+                              </p:par>
+                            </p:childTnLst>
+                          </p:cTn>
+                        </p:par>
+                      </p:childTnLst>
+                    </p:cTn>
+                  </p:par>
+                </p:childTnLst>
+              </p:cTn>
+              <p:prevCondLst>
+                <p:cond evt="onPrev" delay="0">
+                  <p:tgtEl>
+                    <p:sldTgt/>
+                  </p:tgtEl>
+                </p:cond>
+              </p:prevCondLst>
+              <p:nextCondLst>
+                <p:cond evt="onNext" delay="0">
+                  <p:tgtEl>
+                    <p:sldTgt/>
+                  </p:tgtEl>
+                </p:cond>
+              </p:nextCondLst>
+            </p:seq>
+          </p:childTnLst>
+        </p:cTn>
+      </p:par>
+    </p:tnLst>
+    <p:bldLst>
+      <p:bldP spid="2" grpId="0"/>
+    </p:bldLst>
+  </p:timing>
 </p:sld>
 </file>
 
@@ -8102,7 +6869,7 @@
         </p:nvGraphicFramePr>
         <p:xfrm>
           <a:off x="794478" y="1558981"/>
-          <a:ext cx="8634333" cy="4808234"/>
+          <a:ext cx="8634333" cy="4892040"/>
         </p:xfrm>
         <a:graphic>
           <a:graphicData uri="http://schemas.openxmlformats.org/drawingml/2006/table">
@@ -11085,6 +9852,33 @@
           </a:graphicData>
         </a:graphic>
       </p:graphicFrame>
+      <p:sp>
+        <p:nvSpPr>
+          <p:cNvPr id="3" name="Slide Number Placeholder 2"/>
+          <p:cNvSpPr>
+            <a:spLocks noGrp="1"/>
+          </p:cNvSpPr>
+          <p:nvPr>
+            <p:ph type="sldNum" sz="quarter" idx="12"/>
+          </p:nvPr>
+        </p:nvSpPr>
+        <p:spPr/>
+        <p:txBody>
+          <a:bodyPr/>
+          <a:lstStyle/>
+          <a:p>
+            <a:fld id="{1BBF5D34-C2F9-436F-BF81-84F3DC08A16D}" type="slidenum">
+              <a:rPr lang="en-US" smtClean="0"/>
+              <a:t>5</a:t>
+            </a:fld>
+            <a:r>
+              <a:rPr lang="en-US" dirty="0" smtClean="0"/>
+              <a:t>/8</a:t>
+            </a:r>
+            <a:endParaRPr lang="en-US" dirty="0"/>
+          </a:p>
+        </p:txBody>
+      </p:sp>
     </p:spTree>
     <p:extLst>
       <p:ext uri="{BB962C8B-B14F-4D97-AF65-F5344CB8AC3E}">
@@ -11095,6 +9889,237 @@
   <p:clrMapOvr>
     <a:masterClrMapping/>
   </p:clrMapOvr>
+  <p:timing>
+    <p:tnLst>
+      <p:par>
+        <p:cTn id="1" dur="indefinite" restart="never" nodeType="tmRoot">
+          <p:childTnLst>
+            <p:seq concurrent="1" nextAc="seek">
+              <p:cTn id="2" dur="indefinite" nodeType="mainSeq">
+                <p:childTnLst>
+                  <p:par>
+                    <p:cTn id="3" fill="hold">
+                      <p:stCondLst>
+                        <p:cond delay="indefinite"/>
+                      </p:stCondLst>
+                      <p:childTnLst>
+                        <p:par>
+                          <p:cTn id="4" fill="hold">
+                            <p:stCondLst>
+                              <p:cond delay="0"/>
+                            </p:stCondLst>
+                            <p:childTnLst>
+                              <p:par>
+                                <p:cTn id="5" presetID="42" presetClass="entr" presetSubtype="0" fill="hold" grpId="0" nodeType="clickEffect">
+                                  <p:stCondLst>
+                                    <p:cond delay="0"/>
+                                  </p:stCondLst>
+                                  <p:childTnLst>
+                                    <p:set>
+                                      <p:cBhvr>
+                                        <p:cTn id="6" dur="1" fill="hold">
+                                          <p:stCondLst>
+                                            <p:cond delay="0"/>
+                                          </p:stCondLst>
+                                        </p:cTn>
+                                        <p:tgtEl>
+                                          <p:spTgt spid="2"/>
+                                        </p:tgtEl>
+                                        <p:attrNameLst>
+                                          <p:attrName>style.visibility</p:attrName>
+                                        </p:attrNameLst>
+                                      </p:cBhvr>
+                                      <p:to>
+                                        <p:strVal val="visible"/>
+                                      </p:to>
+                                    </p:set>
+                                    <p:animEffect transition="in" filter="fade">
+                                      <p:cBhvr>
+                                        <p:cTn id="7" dur="1000"/>
+                                        <p:tgtEl>
+                                          <p:spTgt spid="2"/>
+                                        </p:tgtEl>
+                                      </p:cBhvr>
+                                    </p:animEffect>
+                                    <p:anim calcmode="lin" valueType="num">
+                                      <p:cBhvr>
+                                        <p:cTn id="8" dur="1000" fill="hold"/>
+                                        <p:tgtEl>
+                                          <p:spTgt spid="2"/>
+                                        </p:tgtEl>
+                                        <p:attrNameLst>
+                                          <p:attrName>ppt_x</p:attrName>
+                                        </p:attrNameLst>
+                                      </p:cBhvr>
+                                      <p:tavLst>
+                                        <p:tav tm="0">
+                                          <p:val>
+                                            <p:strVal val="#ppt_x"/>
+                                          </p:val>
+                                        </p:tav>
+                                        <p:tav tm="100000">
+                                          <p:val>
+                                            <p:strVal val="#ppt_x"/>
+                                          </p:val>
+                                        </p:tav>
+                                      </p:tavLst>
+                                    </p:anim>
+                                    <p:anim calcmode="lin" valueType="num">
+                                      <p:cBhvr>
+                                        <p:cTn id="9" dur="1000" fill="hold"/>
+                                        <p:tgtEl>
+                                          <p:spTgt spid="2"/>
+                                        </p:tgtEl>
+                                        <p:attrNameLst>
+                                          <p:attrName>ppt_y</p:attrName>
+                                        </p:attrNameLst>
+                                      </p:cBhvr>
+                                      <p:tavLst>
+                                        <p:tav tm="0">
+                                          <p:val>
+                                            <p:strVal val="#ppt_y+.1"/>
+                                          </p:val>
+                                        </p:tav>
+                                        <p:tav tm="100000">
+                                          <p:val>
+                                            <p:strVal val="#ppt_y"/>
+                                          </p:val>
+                                        </p:tav>
+                                      </p:tavLst>
+                                    </p:anim>
+                                  </p:childTnLst>
+                                </p:cTn>
+                              </p:par>
+                            </p:childTnLst>
+                          </p:cTn>
+                        </p:par>
+                      </p:childTnLst>
+                    </p:cTn>
+                  </p:par>
+                  <p:par>
+                    <p:cTn id="10" fill="hold">
+                      <p:stCondLst>
+                        <p:cond delay="indefinite"/>
+                      </p:stCondLst>
+                      <p:childTnLst>
+                        <p:par>
+                          <p:cTn id="11" fill="hold">
+                            <p:stCondLst>
+                              <p:cond delay="0"/>
+                            </p:stCondLst>
+                            <p:childTnLst>
+                              <p:par>
+                                <p:cTn id="12" presetID="42" presetClass="entr" presetSubtype="0" fill="hold" nodeType="clickEffect">
+                                  <p:stCondLst>
+                                    <p:cond delay="0"/>
+                                  </p:stCondLst>
+                                  <p:childTnLst>
+                                    <p:set>
+                                      <p:cBhvr>
+                                        <p:cTn id="13" dur="1" fill="hold">
+                                          <p:stCondLst>
+                                            <p:cond delay="0"/>
+                                          </p:stCondLst>
+                                        </p:cTn>
+                                        <p:tgtEl>
+                                          <p:spTgt spid="4"/>
+                                        </p:tgtEl>
+                                        <p:attrNameLst>
+                                          <p:attrName>style.visibility</p:attrName>
+                                        </p:attrNameLst>
+                                      </p:cBhvr>
+                                      <p:to>
+                                        <p:strVal val="visible"/>
+                                      </p:to>
+                                    </p:set>
+                                    <p:animEffect transition="in" filter="fade">
+                                      <p:cBhvr>
+                                        <p:cTn id="14" dur="1000"/>
+                                        <p:tgtEl>
+                                          <p:spTgt spid="4"/>
+                                        </p:tgtEl>
+                                      </p:cBhvr>
+                                    </p:animEffect>
+                                    <p:anim calcmode="lin" valueType="num">
+                                      <p:cBhvr>
+                                        <p:cTn id="15" dur="1000" fill="hold"/>
+                                        <p:tgtEl>
+                                          <p:spTgt spid="4"/>
+                                        </p:tgtEl>
+                                        <p:attrNameLst>
+                                          <p:attrName>ppt_x</p:attrName>
+                                        </p:attrNameLst>
+                                      </p:cBhvr>
+                                      <p:tavLst>
+                                        <p:tav tm="0">
+                                          <p:val>
+                                            <p:strVal val="#ppt_x"/>
+                                          </p:val>
+                                        </p:tav>
+                                        <p:tav tm="100000">
+                                          <p:val>
+                                            <p:strVal val="#ppt_x"/>
+                                          </p:val>
+                                        </p:tav>
+                                      </p:tavLst>
+                                    </p:anim>
+                                    <p:anim calcmode="lin" valueType="num">
+                                      <p:cBhvr>
+                                        <p:cTn id="16" dur="1000" fill="hold"/>
+                                        <p:tgtEl>
+                                          <p:spTgt spid="4"/>
+                                        </p:tgtEl>
+                                        <p:attrNameLst>
+                                          <p:attrName>ppt_y</p:attrName>
+                                        </p:attrNameLst>
+                                      </p:cBhvr>
+                                      <p:tavLst>
+                                        <p:tav tm="0">
+                                          <p:val>
+                                            <p:strVal val="#ppt_y+.1"/>
+                                          </p:val>
+                                        </p:tav>
+                                        <p:tav tm="100000">
+                                          <p:val>
+                                            <p:strVal val="#ppt_y"/>
+                                          </p:val>
+                                        </p:tav>
+                                      </p:tavLst>
+                                    </p:anim>
+                                  </p:childTnLst>
+                                </p:cTn>
+                              </p:par>
+                            </p:childTnLst>
+                          </p:cTn>
+                        </p:par>
+                      </p:childTnLst>
+                    </p:cTn>
+                  </p:par>
+                </p:childTnLst>
+              </p:cTn>
+              <p:prevCondLst>
+                <p:cond evt="onPrev" delay="0">
+                  <p:tgtEl>
+                    <p:sldTgt/>
+                  </p:tgtEl>
+                </p:cond>
+              </p:prevCondLst>
+              <p:nextCondLst>
+                <p:cond evt="onNext" delay="0">
+                  <p:tgtEl>
+                    <p:sldTgt/>
+                  </p:tgtEl>
+                </p:cond>
+              </p:nextCondLst>
+            </p:seq>
+          </p:childTnLst>
+        </p:cTn>
+      </p:par>
+    </p:tnLst>
+    <p:bldLst>
+      <p:bldP spid="2" grpId="0"/>
+    </p:bldLst>
+  </p:timing>
 </p:sld>
 </file>
 
@@ -12701,12 +11726,12 @@
                         </a:spcAft>
                       </a:pPr>
                       <a:r>
-                        <a:rPr lang="en-US" sz="1000">
+                        <a:rPr lang="en-US" sz="1000" dirty="0">
                           <a:effectLst/>
                         </a:rPr>
                         <a:t>Testing</a:t>
                       </a:r>
-                      <a:endParaRPr lang="en-US" sz="1000">
+                      <a:endParaRPr lang="en-US" sz="1000" dirty="0">
                         <a:effectLst/>
                         <a:latin typeface="Calibri" panose="020F0502020204030204" pitchFamily="34" charset="0"/>
                         <a:ea typeface="Calibri" panose="020F0502020204030204" pitchFamily="34" charset="0"/>
@@ -13715,6 +12740,33 @@
           </a:graphicData>
         </a:graphic>
       </p:graphicFrame>
+      <p:sp>
+        <p:nvSpPr>
+          <p:cNvPr id="3" name="Slide Number Placeholder 2"/>
+          <p:cNvSpPr>
+            <a:spLocks noGrp="1"/>
+          </p:cNvSpPr>
+          <p:nvPr>
+            <p:ph type="sldNum" sz="quarter" idx="12"/>
+          </p:nvPr>
+        </p:nvSpPr>
+        <p:spPr/>
+        <p:txBody>
+          <a:bodyPr/>
+          <a:lstStyle/>
+          <a:p>
+            <a:fld id="{1BBF5D34-C2F9-436F-BF81-84F3DC08A16D}" type="slidenum">
+              <a:rPr lang="en-US" smtClean="0"/>
+              <a:t>6</a:t>
+            </a:fld>
+            <a:r>
+              <a:rPr lang="en-US" dirty="0" smtClean="0"/>
+              <a:t>/8</a:t>
+            </a:r>
+            <a:endParaRPr lang="en-US" dirty="0"/>
+          </a:p>
+        </p:txBody>
+      </p:sp>
     </p:spTree>
     <p:extLst>
       <p:ext uri="{BB962C8B-B14F-4D97-AF65-F5344CB8AC3E}">
@@ -13725,6 +12777,237 @@
   <p:clrMapOvr>
     <a:masterClrMapping/>
   </p:clrMapOvr>
+  <p:timing>
+    <p:tnLst>
+      <p:par>
+        <p:cTn id="1" dur="indefinite" restart="never" nodeType="tmRoot">
+          <p:childTnLst>
+            <p:seq concurrent="1" nextAc="seek">
+              <p:cTn id="2" dur="indefinite" nodeType="mainSeq">
+                <p:childTnLst>
+                  <p:par>
+                    <p:cTn id="3" fill="hold">
+                      <p:stCondLst>
+                        <p:cond delay="indefinite"/>
+                      </p:stCondLst>
+                      <p:childTnLst>
+                        <p:par>
+                          <p:cTn id="4" fill="hold">
+                            <p:stCondLst>
+                              <p:cond delay="0"/>
+                            </p:stCondLst>
+                            <p:childTnLst>
+                              <p:par>
+                                <p:cTn id="5" presetID="42" presetClass="entr" presetSubtype="0" fill="hold" grpId="0" nodeType="clickEffect">
+                                  <p:stCondLst>
+                                    <p:cond delay="0"/>
+                                  </p:stCondLst>
+                                  <p:childTnLst>
+                                    <p:set>
+                                      <p:cBhvr>
+                                        <p:cTn id="6" dur="1" fill="hold">
+                                          <p:stCondLst>
+                                            <p:cond delay="0"/>
+                                          </p:stCondLst>
+                                        </p:cTn>
+                                        <p:tgtEl>
+                                          <p:spTgt spid="2"/>
+                                        </p:tgtEl>
+                                        <p:attrNameLst>
+                                          <p:attrName>style.visibility</p:attrName>
+                                        </p:attrNameLst>
+                                      </p:cBhvr>
+                                      <p:to>
+                                        <p:strVal val="visible"/>
+                                      </p:to>
+                                    </p:set>
+                                    <p:animEffect transition="in" filter="fade">
+                                      <p:cBhvr>
+                                        <p:cTn id="7" dur="1000"/>
+                                        <p:tgtEl>
+                                          <p:spTgt spid="2"/>
+                                        </p:tgtEl>
+                                      </p:cBhvr>
+                                    </p:animEffect>
+                                    <p:anim calcmode="lin" valueType="num">
+                                      <p:cBhvr>
+                                        <p:cTn id="8" dur="1000" fill="hold"/>
+                                        <p:tgtEl>
+                                          <p:spTgt spid="2"/>
+                                        </p:tgtEl>
+                                        <p:attrNameLst>
+                                          <p:attrName>ppt_x</p:attrName>
+                                        </p:attrNameLst>
+                                      </p:cBhvr>
+                                      <p:tavLst>
+                                        <p:tav tm="0">
+                                          <p:val>
+                                            <p:strVal val="#ppt_x"/>
+                                          </p:val>
+                                        </p:tav>
+                                        <p:tav tm="100000">
+                                          <p:val>
+                                            <p:strVal val="#ppt_x"/>
+                                          </p:val>
+                                        </p:tav>
+                                      </p:tavLst>
+                                    </p:anim>
+                                    <p:anim calcmode="lin" valueType="num">
+                                      <p:cBhvr>
+                                        <p:cTn id="9" dur="1000" fill="hold"/>
+                                        <p:tgtEl>
+                                          <p:spTgt spid="2"/>
+                                        </p:tgtEl>
+                                        <p:attrNameLst>
+                                          <p:attrName>ppt_y</p:attrName>
+                                        </p:attrNameLst>
+                                      </p:cBhvr>
+                                      <p:tavLst>
+                                        <p:tav tm="0">
+                                          <p:val>
+                                            <p:strVal val="#ppt_y+.1"/>
+                                          </p:val>
+                                        </p:tav>
+                                        <p:tav tm="100000">
+                                          <p:val>
+                                            <p:strVal val="#ppt_y"/>
+                                          </p:val>
+                                        </p:tav>
+                                      </p:tavLst>
+                                    </p:anim>
+                                  </p:childTnLst>
+                                </p:cTn>
+                              </p:par>
+                            </p:childTnLst>
+                          </p:cTn>
+                        </p:par>
+                      </p:childTnLst>
+                    </p:cTn>
+                  </p:par>
+                  <p:par>
+                    <p:cTn id="10" fill="hold">
+                      <p:stCondLst>
+                        <p:cond delay="indefinite"/>
+                      </p:stCondLst>
+                      <p:childTnLst>
+                        <p:par>
+                          <p:cTn id="11" fill="hold">
+                            <p:stCondLst>
+                              <p:cond delay="0"/>
+                            </p:stCondLst>
+                            <p:childTnLst>
+                              <p:par>
+                                <p:cTn id="12" presetID="42" presetClass="entr" presetSubtype="0" fill="hold" nodeType="clickEffect">
+                                  <p:stCondLst>
+                                    <p:cond delay="0"/>
+                                  </p:stCondLst>
+                                  <p:childTnLst>
+                                    <p:set>
+                                      <p:cBhvr>
+                                        <p:cTn id="13" dur="1" fill="hold">
+                                          <p:stCondLst>
+                                            <p:cond delay="0"/>
+                                          </p:stCondLst>
+                                        </p:cTn>
+                                        <p:tgtEl>
+                                          <p:spTgt spid="5"/>
+                                        </p:tgtEl>
+                                        <p:attrNameLst>
+                                          <p:attrName>style.visibility</p:attrName>
+                                        </p:attrNameLst>
+                                      </p:cBhvr>
+                                      <p:to>
+                                        <p:strVal val="visible"/>
+                                      </p:to>
+                                    </p:set>
+                                    <p:animEffect transition="in" filter="fade">
+                                      <p:cBhvr>
+                                        <p:cTn id="14" dur="1000"/>
+                                        <p:tgtEl>
+                                          <p:spTgt spid="5"/>
+                                        </p:tgtEl>
+                                      </p:cBhvr>
+                                    </p:animEffect>
+                                    <p:anim calcmode="lin" valueType="num">
+                                      <p:cBhvr>
+                                        <p:cTn id="15" dur="1000" fill="hold"/>
+                                        <p:tgtEl>
+                                          <p:spTgt spid="5"/>
+                                        </p:tgtEl>
+                                        <p:attrNameLst>
+                                          <p:attrName>ppt_x</p:attrName>
+                                        </p:attrNameLst>
+                                      </p:cBhvr>
+                                      <p:tavLst>
+                                        <p:tav tm="0">
+                                          <p:val>
+                                            <p:strVal val="#ppt_x"/>
+                                          </p:val>
+                                        </p:tav>
+                                        <p:tav tm="100000">
+                                          <p:val>
+                                            <p:strVal val="#ppt_x"/>
+                                          </p:val>
+                                        </p:tav>
+                                      </p:tavLst>
+                                    </p:anim>
+                                    <p:anim calcmode="lin" valueType="num">
+                                      <p:cBhvr>
+                                        <p:cTn id="16" dur="1000" fill="hold"/>
+                                        <p:tgtEl>
+                                          <p:spTgt spid="5"/>
+                                        </p:tgtEl>
+                                        <p:attrNameLst>
+                                          <p:attrName>ppt_y</p:attrName>
+                                        </p:attrNameLst>
+                                      </p:cBhvr>
+                                      <p:tavLst>
+                                        <p:tav tm="0">
+                                          <p:val>
+                                            <p:strVal val="#ppt_y+.1"/>
+                                          </p:val>
+                                        </p:tav>
+                                        <p:tav tm="100000">
+                                          <p:val>
+                                            <p:strVal val="#ppt_y"/>
+                                          </p:val>
+                                        </p:tav>
+                                      </p:tavLst>
+                                    </p:anim>
+                                  </p:childTnLst>
+                                </p:cTn>
+                              </p:par>
+                            </p:childTnLst>
+                          </p:cTn>
+                        </p:par>
+                      </p:childTnLst>
+                    </p:cTn>
+                  </p:par>
+                </p:childTnLst>
+              </p:cTn>
+              <p:prevCondLst>
+                <p:cond evt="onPrev" delay="0">
+                  <p:tgtEl>
+                    <p:sldTgt/>
+                  </p:tgtEl>
+                </p:cond>
+              </p:prevCondLst>
+              <p:nextCondLst>
+                <p:cond evt="onNext" delay="0">
+                  <p:tgtEl>
+                    <p:sldTgt/>
+                  </p:tgtEl>
+                </p:cond>
+              </p:nextCondLst>
+            </p:seq>
+          </p:childTnLst>
+        </p:cTn>
+      </p:par>
+    </p:tnLst>
+    <p:bldLst>
+      <p:bldP spid="2" grpId="0"/>
+    </p:bldLst>
+  </p:timing>
 </p:sld>
 </file>
 
@@ -15111,12 +14394,12 @@
                         </a:spcAft>
                       </a:pPr>
                       <a:r>
-                        <a:rPr lang="en-US" sz="1100">
+                        <a:rPr lang="en-US" sz="1100" dirty="0">
                           <a:effectLst/>
                         </a:rPr>
                         <a:t>Implementation of improvement for speed system for maintaining distance</a:t>
                       </a:r>
-                      <a:endParaRPr lang="en-US" sz="1100">
+                      <a:endParaRPr lang="en-US" sz="1100" dirty="0">
                         <a:effectLst/>
                         <a:latin typeface="Calibri" panose="020F0502020204030204" pitchFamily="34" charset="0"/>
                         <a:ea typeface="Calibri" panose="020F0502020204030204" pitchFamily="34" charset="0"/>
@@ -15556,6 +14839,33 @@
           </a:graphicData>
         </a:graphic>
       </p:graphicFrame>
+      <p:sp>
+        <p:nvSpPr>
+          <p:cNvPr id="3" name="Slide Number Placeholder 2"/>
+          <p:cNvSpPr>
+            <a:spLocks noGrp="1"/>
+          </p:cNvSpPr>
+          <p:nvPr>
+            <p:ph type="sldNum" sz="quarter" idx="12"/>
+          </p:nvPr>
+        </p:nvSpPr>
+        <p:spPr/>
+        <p:txBody>
+          <a:bodyPr/>
+          <a:lstStyle/>
+          <a:p>
+            <a:fld id="{1BBF5D34-C2F9-436F-BF81-84F3DC08A16D}" type="slidenum">
+              <a:rPr lang="en-US" smtClean="0"/>
+              <a:t>7</a:t>
+            </a:fld>
+            <a:r>
+              <a:rPr lang="en-US" dirty="0" smtClean="0"/>
+              <a:t>/8</a:t>
+            </a:r>
+            <a:endParaRPr lang="en-US" dirty="0"/>
+          </a:p>
+        </p:txBody>
+      </p:sp>
     </p:spTree>
     <p:extLst>
       <p:ext uri="{BB962C8B-B14F-4D97-AF65-F5344CB8AC3E}">
@@ -15566,6 +14876,237 @@
   <p:clrMapOvr>
     <a:masterClrMapping/>
   </p:clrMapOvr>
+  <p:timing>
+    <p:tnLst>
+      <p:par>
+        <p:cTn id="1" dur="indefinite" restart="never" nodeType="tmRoot">
+          <p:childTnLst>
+            <p:seq concurrent="1" nextAc="seek">
+              <p:cTn id="2" dur="indefinite" nodeType="mainSeq">
+                <p:childTnLst>
+                  <p:par>
+                    <p:cTn id="3" fill="hold">
+                      <p:stCondLst>
+                        <p:cond delay="indefinite"/>
+                      </p:stCondLst>
+                      <p:childTnLst>
+                        <p:par>
+                          <p:cTn id="4" fill="hold">
+                            <p:stCondLst>
+                              <p:cond delay="0"/>
+                            </p:stCondLst>
+                            <p:childTnLst>
+                              <p:par>
+                                <p:cTn id="5" presetID="42" presetClass="entr" presetSubtype="0" fill="hold" grpId="0" nodeType="clickEffect">
+                                  <p:stCondLst>
+                                    <p:cond delay="0"/>
+                                  </p:stCondLst>
+                                  <p:childTnLst>
+                                    <p:set>
+                                      <p:cBhvr>
+                                        <p:cTn id="6" dur="1" fill="hold">
+                                          <p:stCondLst>
+                                            <p:cond delay="0"/>
+                                          </p:stCondLst>
+                                        </p:cTn>
+                                        <p:tgtEl>
+                                          <p:spTgt spid="2"/>
+                                        </p:tgtEl>
+                                        <p:attrNameLst>
+                                          <p:attrName>style.visibility</p:attrName>
+                                        </p:attrNameLst>
+                                      </p:cBhvr>
+                                      <p:to>
+                                        <p:strVal val="visible"/>
+                                      </p:to>
+                                    </p:set>
+                                    <p:animEffect transition="in" filter="fade">
+                                      <p:cBhvr>
+                                        <p:cTn id="7" dur="1000"/>
+                                        <p:tgtEl>
+                                          <p:spTgt spid="2"/>
+                                        </p:tgtEl>
+                                      </p:cBhvr>
+                                    </p:animEffect>
+                                    <p:anim calcmode="lin" valueType="num">
+                                      <p:cBhvr>
+                                        <p:cTn id="8" dur="1000" fill="hold"/>
+                                        <p:tgtEl>
+                                          <p:spTgt spid="2"/>
+                                        </p:tgtEl>
+                                        <p:attrNameLst>
+                                          <p:attrName>ppt_x</p:attrName>
+                                        </p:attrNameLst>
+                                      </p:cBhvr>
+                                      <p:tavLst>
+                                        <p:tav tm="0">
+                                          <p:val>
+                                            <p:strVal val="#ppt_x"/>
+                                          </p:val>
+                                        </p:tav>
+                                        <p:tav tm="100000">
+                                          <p:val>
+                                            <p:strVal val="#ppt_x"/>
+                                          </p:val>
+                                        </p:tav>
+                                      </p:tavLst>
+                                    </p:anim>
+                                    <p:anim calcmode="lin" valueType="num">
+                                      <p:cBhvr>
+                                        <p:cTn id="9" dur="1000" fill="hold"/>
+                                        <p:tgtEl>
+                                          <p:spTgt spid="2"/>
+                                        </p:tgtEl>
+                                        <p:attrNameLst>
+                                          <p:attrName>ppt_y</p:attrName>
+                                        </p:attrNameLst>
+                                      </p:cBhvr>
+                                      <p:tavLst>
+                                        <p:tav tm="0">
+                                          <p:val>
+                                            <p:strVal val="#ppt_y+.1"/>
+                                          </p:val>
+                                        </p:tav>
+                                        <p:tav tm="100000">
+                                          <p:val>
+                                            <p:strVal val="#ppt_y"/>
+                                          </p:val>
+                                        </p:tav>
+                                      </p:tavLst>
+                                    </p:anim>
+                                  </p:childTnLst>
+                                </p:cTn>
+                              </p:par>
+                            </p:childTnLst>
+                          </p:cTn>
+                        </p:par>
+                      </p:childTnLst>
+                    </p:cTn>
+                  </p:par>
+                  <p:par>
+                    <p:cTn id="10" fill="hold">
+                      <p:stCondLst>
+                        <p:cond delay="indefinite"/>
+                      </p:stCondLst>
+                      <p:childTnLst>
+                        <p:par>
+                          <p:cTn id="11" fill="hold">
+                            <p:stCondLst>
+                              <p:cond delay="0"/>
+                            </p:stCondLst>
+                            <p:childTnLst>
+                              <p:par>
+                                <p:cTn id="12" presetID="42" presetClass="entr" presetSubtype="0" fill="hold" nodeType="clickEffect">
+                                  <p:stCondLst>
+                                    <p:cond delay="0"/>
+                                  </p:stCondLst>
+                                  <p:childTnLst>
+                                    <p:set>
+                                      <p:cBhvr>
+                                        <p:cTn id="13" dur="1" fill="hold">
+                                          <p:stCondLst>
+                                            <p:cond delay="0"/>
+                                          </p:stCondLst>
+                                        </p:cTn>
+                                        <p:tgtEl>
+                                          <p:spTgt spid="4"/>
+                                        </p:tgtEl>
+                                        <p:attrNameLst>
+                                          <p:attrName>style.visibility</p:attrName>
+                                        </p:attrNameLst>
+                                      </p:cBhvr>
+                                      <p:to>
+                                        <p:strVal val="visible"/>
+                                      </p:to>
+                                    </p:set>
+                                    <p:animEffect transition="in" filter="fade">
+                                      <p:cBhvr>
+                                        <p:cTn id="14" dur="1000"/>
+                                        <p:tgtEl>
+                                          <p:spTgt spid="4"/>
+                                        </p:tgtEl>
+                                      </p:cBhvr>
+                                    </p:animEffect>
+                                    <p:anim calcmode="lin" valueType="num">
+                                      <p:cBhvr>
+                                        <p:cTn id="15" dur="1000" fill="hold"/>
+                                        <p:tgtEl>
+                                          <p:spTgt spid="4"/>
+                                        </p:tgtEl>
+                                        <p:attrNameLst>
+                                          <p:attrName>ppt_x</p:attrName>
+                                        </p:attrNameLst>
+                                      </p:cBhvr>
+                                      <p:tavLst>
+                                        <p:tav tm="0">
+                                          <p:val>
+                                            <p:strVal val="#ppt_x"/>
+                                          </p:val>
+                                        </p:tav>
+                                        <p:tav tm="100000">
+                                          <p:val>
+                                            <p:strVal val="#ppt_x"/>
+                                          </p:val>
+                                        </p:tav>
+                                      </p:tavLst>
+                                    </p:anim>
+                                    <p:anim calcmode="lin" valueType="num">
+                                      <p:cBhvr>
+                                        <p:cTn id="16" dur="1000" fill="hold"/>
+                                        <p:tgtEl>
+                                          <p:spTgt spid="4"/>
+                                        </p:tgtEl>
+                                        <p:attrNameLst>
+                                          <p:attrName>ppt_y</p:attrName>
+                                        </p:attrNameLst>
+                                      </p:cBhvr>
+                                      <p:tavLst>
+                                        <p:tav tm="0">
+                                          <p:val>
+                                            <p:strVal val="#ppt_y+.1"/>
+                                          </p:val>
+                                        </p:tav>
+                                        <p:tav tm="100000">
+                                          <p:val>
+                                            <p:strVal val="#ppt_y"/>
+                                          </p:val>
+                                        </p:tav>
+                                      </p:tavLst>
+                                    </p:anim>
+                                  </p:childTnLst>
+                                </p:cTn>
+                              </p:par>
+                            </p:childTnLst>
+                          </p:cTn>
+                        </p:par>
+                      </p:childTnLst>
+                    </p:cTn>
+                  </p:par>
+                </p:childTnLst>
+              </p:cTn>
+              <p:prevCondLst>
+                <p:cond evt="onPrev" delay="0">
+                  <p:tgtEl>
+                    <p:sldTgt/>
+                  </p:tgtEl>
+                </p:cond>
+              </p:prevCondLst>
+              <p:nextCondLst>
+                <p:cond evt="onNext" delay="0">
+                  <p:tgtEl>
+                    <p:sldTgt/>
+                  </p:tgtEl>
+                </p:cond>
+              </p:nextCondLst>
+            </p:seq>
+          </p:childTnLst>
+        </p:cTn>
+      </p:par>
+    </p:tnLst>
+    <p:bldLst>
+      <p:bldP spid="2" grpId="0"/>
+    </p:bldLst>
+  </p:timing>
 </p:sld>
 </file>
 
@@ -15718,6 +15259,138 @@
   <p:clrMapOvr>
     <a:masterClrMapping/>
   </p:clrMapOvr>
+  <p:timing>
+    <p:tnLst>
+      <p:par>
+        <p:cTn id="1" dur="indefinite" restart="never" nodeType="tmRoot">
+          <p:childTnLst>
+            <p:seq concurrent="1" nextAc="seek">
+              <p:cTn id="2" dur="indefinite" nodeType="mainSeq">
+                <p:childTnLst>
+                  <p:par>
+                    <p:cTn id="3" fill="hold">
+                      <p:stCondLst>
+                        <p:cond delay="indefinite"/>
+                      </p:stCondLst>
+                      <p:childTnLst>
+                        <p:par>
+                          <p:cTn id="4" fill="hold">
+                            <p:stCondLst>
+                              <p:cond delay="0"/>
+                            </p:stCondLst>
+                            <p:childTnLst>
+                              <p:par>
+                                <p:cTn id="5" presetID="42" presetClass="entr" presetSubtype="0" fill="hold" grpId="0" nodeType="clickEffect">
+                                  <p:stCondLst>
+                                    <p:cond delay="0"/>
+                                  </p:stCondLst>
+                                  <p:childTnLst>
+                                    <p:set>
+                                      <p:cBhvr>
+                                        <p:cTn id="6" dur="1" fill="hold">
+                                          <p:stCondLst>
+                                            <p:cond delay="0"/>
+                                          </p:stCondLst>
+                                        </p:cTn>
+                                        <p:tgtEl>
+                                          <p:spTgt spid="2"/>
+                                        </p:tgtEl>
+                                        <p:attrNameLst>
+                                          <p:attrName>style.visibility</p:attrName>
+                                        </p:attrNameLst>
+                                      </p:cBhvr>
+                                      <p:to>
+                                        <p:strVal val="visible"/>
+                                      </p:to>
+                                    </p:set>
+                                    <p:animEffect transition="in" filter="fade">
+                                      <p:cBhvr>
+                                        <p:cTn id="7" dur="1000"/>
+                                        <p:tgtEl>
+                                          <p:spTgt spid="2"/>
+                                        </p:tgtEl>
+                                      </p:cBhvr>
+                                    </p:animEffect>
+                                    <p:anim calcmode="lin" valueType="num">
+                                      <p:cBhvr>
+                                        <p:cTn id="8" dur="1000" fill="hold"/>
+                                        <p:tgtEl>
+                                          <p:spTgt spid="2"/>
+                                        </p:tgtEl>
+                                        <p:attrNameLst>
+                                          <p:attrName>ppt_x</p:attrName>
+                                        </p:attrNameLst>
+                                      </p:cBhvr>
+                                      <p:tavLst>
+                                        <p:tav tm="0">
+                                          <p:val>
+                                            <p:strVal val="#ppt_x"/>
+                                          </p:val>
+                                        </p:tav>
+                                        <p:tav tm="100000">
+                                          <p:val>
+                                            <p:strVal val="#ppt_x"/>
+                                          </p:val>
+                                        </p:tav>
+                                      </p:tavLst>
+                                    </p:anim>
+                                    <p:anim calcmode="lin" valueType="num">
+                                      <p:cBhvr>
+                                        <p:cTn id="9" dur="1000" fill="hold"/>
+                                        <p:tgtEl>
+                                          <p:spTgt spid="2"/>
+                                        </p:tgtEl>
+                                        <p:attrNameLst>
+                                          <p:attrName>ppt_y</p:attrName>
+                                        </p:attrNameLst>
+                                      </p:cBhvr>
+                                      <p:tavLst>
+                                        <p:tav tm="0">
+                                          <p:val>
+                                            <p:strVal val="#ppt_y+.1"/>
+                                          </p:val>
+                                        </p:tav>
+                                        <p:tav tm="100000">
+                                          <p:val>
+                                            <p:strVal val="#ppt_y"/>
+                                          </p:val>
+                                        </p:tav>
+                                      </p:tavLst>
+                                    </p:anim>
+                                  </p:childTnLst>
+                                </p:cTn>
+                              </p:par>
+                            </p:childTnLst>
+                          </p:cTn>
+                        </p:par>
+                      </p:childTnLst>
+                    </p:cTn>
+                  </p:par>
+                </p:childTnLst>
+              </p:cTn>
+              <p:prevCondLst>
+                <p:cond evt="onPrev" delay="0">
+                  <p:tgtEl>
+                    <p:sldTgt/>
+                  </p:tgtEl>
+                </p:cond>
+              </p:prevCondLst>
+              <p:nextCondLst>
+                <p:cond evt="onNext" delay="0">
+                  <p:tgtEl>
+                    <p:sldTgt/>
+                  </p:tgtEl>
+                </p:cond>
+              </p:nextCondLst>
+            </p:seq>
+          </p:childTnLst>
+        </p:cTn>
+      </p:par>
+    </p:tnLst>
+    <p:bldLst>
+      <p:bldP spid="2" grpId="0"/>
+    </p:bldLst>
+  </p:timing>
 </p:sld>
 </file>
 
@@ -15976,4 +15649,265 @@
     </a:ext>
   </a:extLst>
 </a:theme>
+</file>
+
+<file path=ppt/theme/theme2.xml><?xml version="1.0" encoding="utf-8"?>
+<a:theme xmlns:a="http://schemas.openxmlformats.org/drawingml/2006/main" name="Office Theme">
+  <a:themeElements>
+    <a:clrScheme name="Office">
+      <a:dk1>
+        <a:sysClr val="windowText" lastClr="000000"/>
+      </a:dk1>
+      <a:lt1>
+        <a:sysClr val="window" lastClr="FFFFFF"/>
+      </a:lt1>
+      <a:dk2>
+        <a:srgbClr val="44546A"/>
+      </a:dk2>
+      <a:lt2>
+        <a:srgbClr val="E7E6E6"/>
+      </a:lt2>
+      <a:accent1>
+        <a:srgbClr val="5B9BD5"/>
+      </a:accent1>
+      <a:accent2>
+        <a:srgbClr val="ED7D31"/>
+      </a:accent2>
+      <a:accent3>
+        <a:srgbClr val="A5A5A5"/>
+      </a:accent3>
+      <a:accent4>
+        <a:srgbClr val="FFC000"/>
+      </a:accent4>
+      <a:accent5>
+        <a:srgbClr val="4472C4"/>
+      </a:accent5>
+      <a:accent6>
+        <a:srgbClr val="70AD47"/>
+      </a:accent6>
+      <a:hlink>
+        <a:srgbClr val="0563C1"/>
+      </a:hlink>
+      <a:folHlink>
+        <a:srgbClr val="954F72"/>
+      </a:folHlink>
+    </a:clrScheme>
+    <a:fontScheme name="Office">
+      <a:majorFont>
+        <a:latin typeface="Calibri Light" panose="020F0302020204030204"/>
+        <a:ea typeface=""/>
+        <a:cs typeface=""/>
+        <a:font script="Jpan" typeface="ＭＳ Ｐゴシック"/>
+        <a:font script="Hang" typeface="맑은 고딕"/>
+        <a:font script="Hans" typeface="宋体"/>
+        <a:font script="Hant" typeface="新細明體"/>
+        <a:font script="Arab" typeface="Times New Roman"/>
+        <a:font script="Hebr" typeface="Times New Roman"/>
+        <a:font script="Thai" typeface="Angsana New"/>
+        <a:font script="Ethi" typeface="Nyala"/>
+        <a:font script="Beng" typeface="Vrinda"/>
+        <a:font script="Gujr" typeface="Shruti"/>
+        <a:font script="Khmr" typeface="MoolBoran"/>
+        <a:font script="Knda" typeface="Tunga"/>
+        <a:font script="Guru" typeface="Raavi"/>
+        <a:font script="Cans" typeface="Euphemia"/>
+        <a:font script="Cher" typeface="Plantagenet Cherokee"/>
+        <a:font script="Yiii" typeface="Microsoft Yi Baiti"/>
+        <a:font script="Tibt" typeface="Microsoft Himalaya"/>
+        <a:font script="Thaa" typeface="MV Boli"/>
+        <a:font script="Deva" typeface="Mangal"/>
+        <a:font script="Telu" typeface="Gautami"/>
+        <a:font script="Taml" typeface="Latha"/>
+        <a:font script="Syrc" typeface="Estrangelo Edessa"/>
+        <a:font script="Orya" typeface="Kalinga"/>
+        <a:font script="Mlym" typeface="Kartika"/>
+        <a:font script="Laoo" typeface="DokChampa"/>
+        <a:font script="Sinh" typeface="Iskoola Pota"/>
+        <a:font script="Mong" typeface="Mongolian Baiti"/>
+        <a:font script="Viet" typeface="Times New Roman"/>
+        <a:font script="Uigh" typeface="Microsoft Uighur"/>
+        <a:font script="Geor" typeface="Sylfaen"/>
+      </a:majorFont>
+      <a:minorFont>
+        <a:latin typeface="Calibri" panose="020F0502020204030204"/>
+        <a:ea typeface=""/>
+        <a:cs typeface=""/>
+        <a:font script="Jpan" typeface="ＭＳ Ｐゴシック"/>
+        <a:font script="Hang" typeface="맑은 고딕"/>
+        <a:font script="Hans" typeface="宋体"/>
+        <a:font script="Hant" typeface="新細明體"/>
+        <a:font script="Arab" typeface="Arial"/>
+        <a:font script="Hebr" typeface="Arial"/>
+        <a:font script="Thai" typeface="Cordia New"/>
+        <a:font script="Ethi" typeface="Nyala"/>
+        <a:font script="Beng" typeface="Vrinda"/>
+        <a:font script="Gujr" typeface="Shruti"/>
+        <a:font script="Khmr" typeface="DaunPenh"/>
+        <a:font script="Knda" typeface="Tunga"/>
+        <a:font script="Guru" typeface="Raavi"/>
+        <a:font script="Cans" typeface="Euphemia"/>
+        <a:font script="Cher" typeface="Plantagenet Cherokee"/>
+        <a:font script="Yiii" typeface="Microsoft Yi Baiti"/>
+        <a:font script="Tibt" typeface="Microsoft Himalaya"/>
+        <a:font script="Thaa" typeface="MV Boli"/>
+        <a:font script="Deva" typeface="Mangal"/>
+        <a:font script="Telu" typeface="Gautami"/>
+        <a:font script="Taml" typeface="Latha"/>
+        <a:font script="Syrc" typeface="Estrangelo Edessa"/>
+        <a:font script="Orya" typeface="Kalinga"/>
+        <a:font script="Mlym" typeface="Kartika"/>
+        <a:font script="Laoo" typeface="DokChampa"/>
+        <a:font script="Sinh" typeface="Iskoola Pota"/>
+        <a:font script="Mong" typeface="Mongolian Baiti"/>
+        <a:font script="Viet" typeface="Arial"/>
+        <a:font script="Uigh" typeface="Microsoft Uighur"/>
+        <a:font script="Geor" typeface="Sylfaen"/>
+      </a:minorFont>
+    </a:fontScheme>
+    <a:fmtScheme name="Office">
+      <a:fillStyleLst>
+        <a:solidFill>
+          <a:schemeClr val="phClr"/>
+        </a:solidFill>
+        <a:gradFill rotWithShape="1">
+          <a:gsLst>
+            <a:gs pos="0">
+              <a:schemeClr val="phClr">
+                <a:lumMod val="110000"/>
+                <a:satMod val="105000"/>
+                <a:tint val="67000"/>
+              </a:schemeClr>
+            </a:gs>
+            <a:gs pos="50000">
+              <a:schemeClr val="phClr">
+                <a:lumMod val="105000"/>
+                <a:satMod val="103000"/>
+                <a:tint val="73000"/>
+              </a:schemeClr>
+            </a:gs>
+            <a:gs pos="100000">
+              <a:schemeClr val="phClr">
+                <a:lumMod val="105000"/>
+                <a:satMod val="109000"/>
+                <a:tint val="81000"/>
+              </a:schemeClr>
+            </a:gs>
+          </a:gsLst>
+          <a:lin ang="5400000" scaled="0"/>
+        </a:gradFill>
+        <a:gradFill rotWithShape="1">
+          <a:gsLst>
+            <a:gs pos="0">
+              <a:schemeClr val="phClr">
+                <a:satMod val="103000"/>
+                <a:lumMod val="102000"/>
+                <a:tint val="94000"/>
+              </a:schemeClr>
+            </a:gs>
+            <a:gs pos="50000">
+              <a:schemeClr val="phClr">
+                <a:satMod val="110000"/>
+                <a:lumMod val="100000"/>
+                <a:shade val="100000"/>
+              </a:schemeClr>
+            </a:gs>
+            <a:gs pos="100000">
+              <a:schemeClr val="phClr">
+                <a:lumMod val="99000"/>
+                <a:satMod val="120000"/>
+                <a:shade val="78000"/>
+              </a:schemeClr>
+            </a:gs>
+          </a:gsLst>
+          <a:lin ang="5400000" scaled="0"/>
+        </a:gradFill>
+      </a:fillStyleLst>
+      <a:lnStyleLst>
+        <a:ln w="6350" cap="flat" cmpd="sng" algn="ctr">
+          <a:solidFill>
+            <a:schemeClr val="phClr"/>
+          </a:solidFill>
+          <a:prstDash val="solid"/>
+          <a:miter lim="800000"/>
+        </a:ln>
+        <a:ln w="12700" cap="flat" cmpd="sng" algn="ctr">
+          <a:solidFill>
+            <a:schemeClr val="phClr"/>
+          </a:solidFill>
+          <a:prstDash val="solid"/>
+          <a:miter lim="800000"/>
+        </a:ln>
+        <a:ln w="19050" cap="flat" cmpd="sng" algn="ctr">
+          <a:solidFill>
+            <a:schemeClr val="phClr"/>
+          </a:solidFill>
+          <a:prstDash val="solid"/>
+          <a:miter lim="800000"/>
+        </a:ln>
+      </a:lnStyleLst>
+      <a:effectStyleLst>
+        <a:effectStyle>
+          <a:effectLst/>
+        </a:effectStyle>
+        <a:effectStyle>
+          <a:effectLst/>
+        </a:effectStyle>
+        <a:effectStyle>
+          <a:effectLst>
+            <a:outerShdw blurRad="57150" dist="19050" dir="5400000" algn="ctr" rotWithShape="0">
+              <a:srgbClr val="000000">
+                <a:alpha val="63000"/>
+              </a:srgbClr>
+            </a:outerShdw>
+          </a:effectLst>
+        </a:effectStyle>
+      </a:effectStyleLst>
+      <a:bgFillStyleLst>
+        <a:solidFill>
+          <a:schemeClr val="phClr"/>
+        </a:solidFill>
+        <a:solidFill>
+          <a:schemeClr val="phClr">
+            <a:tint val="95000"/>
+            <a:satMod val="170000"/>
+          </a:schemeClr>
+        </a:solidFill>
+        <a:gradFill rotWithShape="1">
+          <a:gsLst>
+            <a:gs pos="0">
+              <a:schemeClr val="phClr">
+                <a:tint val="93000"/>
+                <a:satMod val="150000"/>
+                <a:shade val="98000"/>
+                <a:lumMod val="102000"/>
+              </a:schemeClr>
+            </a:gs>
+            <a:gs pos="50000">
+              <a:schemeClr val="phClr">
+                <a:tint val="98000"/>
+                <a:satMod val="130000"/>
+                <a:shade val="90000"/>
+                <a:lumMod val="103000"/>
+              </a:schemeClr>
+            </a:gs>
+            <a:gs pos="100000">
+              <a:schemeClr val="phClr">
+                <a:shade val="63000"/>
+                <a:satMod val="120000"/>
+              </a:schemeClr>
+            </a:gs>
+          </a:gsLst>
+          <a:lin ang="5400000" scaled="0"/>
+        </a:gradFill>
+      </a:bgFillStyleLst>
+    </a:fmtScheme>
+  </a:themeElements>
+  <a:objectDefaults/>
+  <a:extraClrSchemeLst/>
+  <a:extLst>
+    <a:ext uri="{05A4C25C-085E-4340-85A3-A5531E510DB2}">
+      <thm15:themeFamily xmlns:thm15="http://schemas.microsoft.com/office/thememl/2012/main" name="Office Theme" id="{62F939B6-93AF-4DB8-9C6B-D6C7DFDC589F}" vid="{4A3C46E8-61CC-4603-A589-7422A47A8E4A}"/>
+    </a:ext>
+  </a:extLst>
+</a:theme>
 </file>
--- a/alilni_plan.ppt.pptx
+++ b/alilni_plan.ppt.pptx
@@ -204,7 +204,7 @@
           <a:p>
             <a:fld id="{2C25F384-62BF-47C8-B374-3D3B3A326DE5}" type="datetimeFigureOut">
               <a:rPr lang="en-US" smtClean="0"/>
-              <a:t>12/10/2017</a:t>
+              <a:t>12/16/2017</a:t>
             </a:fld>
             <a:endParaRPr lang="en-US"/>
           </a:p>
@@ -1362,7 +1362,7 @@
           <a:p>
             <a:fld id="{BAE983EF-3867-4A31-9BF6-DD88443D7BA6}" type="datetime1">
               <a:rPr lang="en-US" smtClean="0"/>
-              <a:t>12/10/2017</a:t>
+              <a:t>12/16/2017</a:t>
             </a:fld>
             <a:endParaRPr lang="en-US"/>
           </a:p>
@@ -1555,7 +1555,7 @@
           <a:p>
             <a:fld id="{5E81F514-CF3F-40A9-AA57-475D9E4558A0}" type="datetime1">
               <a:rPr lang="en-US" smtClean="0"/>
-              <a:t>12/10/2017</a:t>
+              <a:t>12/16/2017</a:t>
             </a:fld>
             <a:endParaRPr lang="en-US"/>
           </a:p>
@@ -2315,7 +2315,7 @@
           <a:p>
             <a:fld id="{7BBA3F0D-73C6-4C4C-A4F0-268E6E12413F}" type="datetime1">
               <a:rPr lang="en-US" smtClean="0"/>
-              <a:t>12/10/2017</a:t>
+              <a:t>12/16/2017</a:t>
             </a:fld>
             <a:endParaRPr lang="en-US"/>
           </a:p>
@@ -2969,15 +2969,7 @@
                   <a:schemeClr val="accent2"/>
                 </a:solidFill>
               </a:rPr>
-              <a:t>and</a:t>
-            </a:r>
-            <a:r>
-              <a:rPr lang="en-US" sz="3200" b="1" dirty="0" smtClean="0">
-                <a:solidFill>
-                  <a:schemeClr val="accent2"/>
-                </a:solidFill>
-              </a:rPr>
-              <a:t> </a:t>
+              <a:t>and </a:t>
             </a:r>
             <a:r>
               <a:rPr lang="en-US" sz="3200" b="1" dirty="0" err="1">
@@ -3443,7 +3435,7 @@
             <p:ph idx="1"/>
             <p:extLst>
               <p:ext uri="{D42A27DB-BD31-4B8C-83A1-F6EECF244321}">
-                <p14:modId xmlns:p14="http://schemas.microsoft.com/office/powerpoint/2010/main" val="2213486586"/>
+                <p14:modId xmlns:p14="http://schemas.microsoft.com/office/powerpoint/2010/main" val="2345020445"/>
               </p:ext>
             </p:extLst>
           </p:nvPr>
@@ -3710,7 +3702,7 @@
                         <a:buNone/>
                       </a:pPr>
                       <a:r>
-                        <a:rPr lang="en-GB" sz="2000" b="1" kern="1200" dirty="0">
+                        <a:rPr lang="en-GB" sz="2000" b="1" kern="1200" dirty="0" smtClean="0">
                           <a:solidFill>
                             <a:schemeClr val="accent2">
                               <a:lumMod val="75000"/>
@@ -3720,7 +3712,7 @@
                           <a:ea typeface="Times New Roman" panose="02020603050405020304" pitchFamily="18" charset="0"/>
                           <a:cs typeface="Arial" panose="020B0604020202020204" pitchFamily="34" charset="0"/>
                         </a:rPr>
-                        <a:t>ETF</a:t>
+                        <a:t>EED</a:t>
                       </a:r>
                       <a:endParaRPr lang="en-US" sz="2000" b="1" kern="1200" dirty="0">
                         <a:solidFill>
@@ -6862,7 +6854,7 @@
             <p:ph idx="1"/>
             <p:extLst>
               <p:ext uri="{D42A27DB-BD31-4B8C-83A1-F6EECF244321}">
-                <p14:modId xmlns:p14="http://schemas.microsoft.com/office/powerpoint/2010/main" val="2011879283"/>
+                <p14:modId xmlns:p14="http://schemas.microsoft.com/office/powerpoint/2010/main" val="1426101221"/>
               </p:ext>
             </p:extLst>
           </p:nvPr>
@@ -9300,12 +9292,12 @@
                         </a:spcAft>
                       </a:pPr>
                       <a:r>
-                        <a:rPr lang="en-US" sz="1000">
-                          <a:effectLst/>
-                        </a:rPr>
-                        <a:t>ETF</a:t>
-                      </a:r>
-                      <a:endParaRPr lang="en-US" sz="1000">
+                        <a:rPr lang="en-US" sz="1000" dirty="0" smtClean="0">
+                          <a:effectLst/>
+                        </a:rPr>
+                        <a:t>EED</a:t>
+                      </a:r>
+                      <a:endParaRPr lang="en-US" sz="1000" dirty="0">
                         <a:effectLst/>
                         <a:latin typeface="Calibri" panose="020F0502020204030204" pitchFamily="34" charset="0"/>
                         <a:ea typeface="Calibri" panose="020F0502020204030204" pitchFamily="34" charset="0"/>
@@ -10205,7 +10197,7 @@
             <p:ph idx="1"/>
             <p:extLst>
               <p:ext uri="{D42A27DB-BD31-4B8C-83A1-F6EECF244321}">
-                <p14:modId xmlns:p14="http://schemas.microsoft.com/office/powerpoint/2010/main" val="302165937"/>
+                <p14:modId xmlns:p14="http://schemas.microsoft.com/office/powerpoint/2010/main" val="4259055162"/>
               </p:ext>
             </p:extLst>
           </p:nvPr>
@@ -11071,12 +11063,12 @@
                         </a:spcAft>
                       </a:pPr>
                       <a:r>
-                        <a:rPr lang="en-US" sz="1000">
-                          <a:effectLst/>
-                        </a:rPr>
-                        <a:t>ETF</a:t>
-                      </a:r>
-                      <a:endParaRPr lang="en-US" sz="1000">
+                        <a:rPr lang="en-US" sz="1000" dirty="0" smtClean="0">
+                          <a:effectLst/>
+                        </a:rPr>
+                        <a:t>EED</a:t>
+                      </a:r>
+                      <a:endParaRPr lang="en-US" sz="1000" dirty="0">
                         <a:effectLst/>
                         <a:latin typeface="Calibri" panose="020F0502020204030204" pitchFamily="34" charset="0"/>
                         <a:ea typeface="Calibri" panose="020F0502020204030204" pitchFamily="34" charset="0"/>
@@ -13093,7 +13085,7 @@
             <p:ph idx="1"/>
             <p:extLst>
               <p:ext uri="{D42A27DB-BD31-4B8C-83A1-F6EECF244321}">
-                <p14:modId xmlns:p14="http://schemas.microsoft.com/office/powerpoint/2010/main" val="3183826176"/>
+                <p14:modId xmlns:p14="http://schemas.microsoft.com/office/powerpoint/2010/main" val="3956956492"/>
               </p:ext>
             </p:extLst>
           </p:nvPr>
@@ -13959,12 +13951,12 @@
                         </a:spcAft>
                       </a:pPr>
                       <a:r>
-                        <a:rPr lang="en-US" sz="1100">
-                          <a:effectLst/>
-                        </a:rPr>
-                        <a:t>ETF</a:t>
-                      </a:r>
-                      <a:endParaRPr lang="en-US" sz="1100">
+                        <a:rPr lang="en-US" sz="1100" dirty="0" smtClean="0">
+                          <a:effectLst/>
+                        </a:rPr>
+                        <a:t>EED</a:t>
+                      </a:r>
+                      <a:endParaRPr lang="en-US" sz="1100" dirty="0">
                         <a:effectLst/>
                         <a:latin typeface="Calibri" panose="020F0502020204030204" pitchFamily="34" charset="0"/>
                         <a:ea typeface="Calibri" panose="020F0502020204030204" pitchFamily="34" charset="0"/>
